--- a/presentacion.pptx
+++ b/presentacion.pptx
@@ -668,7 +668,7 @@
         <p:txBody>
           <a:bodyPr/>
           <a:p>
-            <a:fld id="{04B3128D-BC71-44BE-9D76-CB5D7F701F1B}" type="slidenum">
+            <a:fld id="{A663F9A6-48D7-4533-82AA-16ADB5DCC0F3}" type="slidenum">
               <a:t>&lt;#&gt;</a:t>
             </a:fld>
           </a:p>
@@ -822,7 +822,7 @@
         <p:txBody>
           <a:bodyPr/>
           <a:p>
-            <a:fld id="{56C790AB-637E-471E-B614-42CDB3C70761}" type="slidenum">
+            <a:fld id="{7053A078-346A-4A0A-98D2-CEAA8AFFD071}" type="slidenum">
               <a:t>&lt;#&gt;</a:t>
             </a:fld>
           </a:p>
@@ -973,7 +973,7 @@
         <p:txBody>
           <a:bodyPr/>
           <a:p>
-            <a:fld id="{12E020AD-F46F-492D-96B8-C458779951DA}" type="slidenum">
+            <a:fld id="{BD721A58-B92F-4E8A-BFBA-8452E7D5681A}" type="slidenum">
               <a:t>&lt;#&gt;</a:t>
             </a:fld>
           </a:p>
@@ -1158,7 +1158,7 @@
         <p:txBody>
           <a:bodyPr/>
           <a:p>
-            <a:fld id="{5502CFBB-9256-48F6-B54A-9E4E30320DED}" type="slidenum">
+            <a:fld id="{E64FC93E-5019-4A0A-8452-52A1EE1C74AE}" type="slidenum">
               <a:t>&lt;#&gt;</a:t>
             </a:fld>
           </a:p>
@@ -1275,7 +1275,7 @@
         <p:txBody>
           <a:bodyPr/>
           <a:p>
-            <a:fld id="{FE41C607-3A2F-406F-A52E-1F0F035A8BA8}" type="slidenum">
+            <a:fld id="{E0195AC2-9CEB-49C4-9914-857447DB61E2}" type="slidenum">
               <a:t>&lt;#&gt;</a:t>
             </a:fld>
           </a:p>
@@ -1395,7 +1395,7 @@
         <p:txBody>
           <a:bodyPr/>
           <a:p>
-            <a:fld id="{A453608E-78D7-41C5-ABDE-211259205725}" type="slidenum">
+            <a:fld id="{21DD34C4-15C0-462A-BBF7-E84A51070F0C}" type="slidenum">
               <a:t>&lt;#&gt;</a:t>
             </a:fld>
           </a:p>
@@ -1614,7 +1614,7 @@
         <p:txBody>
           <a:bodyPr/>
           <a:p>
-            <a:fld id="{7B927205-6CF4-4732-993F-4877D3587732}" type="slidenum">
+            <a:fld id="{0087148D-38E4-406C-8AC3-6ECD6F059CDF}" type="slidenum">
               <a:t>&lt;#&gt;</a:t>
             </a:fld>
           </a:p>
@@ -1926,7 +1926,7 @@
         <p:txBody>
           <a:bodyPr/>
           <a:p>
-            <a:fld id="{1AA79B68-252C-43BA-AA3C-5652A109BA48}" type="slidenum">
+            <a:fld id="{40597780-A38D-4D7E-965D-C48436AD5838}" type="slidenum">
               <a:t>&lt;#&gt;</a:t>
             </a:fld>
           </a:p>
@@ -2145,7 +2145,7 @@
         <p:txBody>
           <a:bodyPr/>
           <a:p>
-            <a:fld id="{84B691DC-C752-40FE-B808-5BF486573938}" type="slidenum">
+            <a:fld id="{D1013B79-C4B7-484D-97E7-44BA8B46E1D8}" type="slidenum">
               <a:t>&lt;#&gt;</a:t>
             </a:fld>
           </a:p>
@@ -2330,7 +2330,7 @@
         <p:txBody>
           <a:bodyPr/>
           <a:p>
-            <a:fld id="{8BAE723E-570D-4DD8-A8B4-4E16CD85C1F4}" type="slidenum">
+            <a:fld id="{D0D35157-156B-43D7-B094-0C78CAD97781}" type="slidenum">
               <a:t>&lt;#&gt;</a:t>
             </a:fld>
           </a:p>
@@ -2583,7 +2583,7 @@
         <p:txBody>
           <a:bodyPr/>
           <a:p>
-            <a:fld id="{D0CDC28B-C467-4F6B-B3D1-086626EB0ACB}" type="slidenum">
+            <a:fld id="{5AE60D29-CC21-4D37-A163-2F98FED29334}" type="slidenum">
               <a:t>&lt;#&gt;</a:t>
             </a:fld>
           </a:p>
@@ -2904,7 +2904,7 @@
         <p:txBody>
           <a:bodyPr/>
           <a:p>
-            <a:fld id="{10C55B22-D2ED-4829-AAEF-4565AC1BA66E}" type="slidenum">
+            <a:fld id="{DBDD56CB-49C4-43FE-BDC8-E16604F60E88}" type="slidenum">
               <a:t>&lt;#&gt;</a:t>
             </a:fld>
           </a:p>
@@ -2987,7 +2987,7 @@
         <p:txBody>
           <a:bodyPr/>
           <a:p>
-            <a:fld id="{25DB6E13-78D6-4023-B2A7-9D503250A25C}" type="slidenum">
+            <a:fld id="{249C321E-457B-407E-925C-D298E48582F8}" type="slidenum">
               <a:t>&lt;#&gt;</a:t>
             </a:fld>
           </a:p>
@@ -3141,7 +3141,7 @@
         <p:txBody>
           <a:bodyPr/>
           <a:p>
-            <a:fld id="{46F8A328-E5F9-4C35-BE70-11A269FA21BD}" type="slidenum">
+            <a:fld id="{88E53C2E-48B0-4E1E-AA9E-679A49BC3F32}" type="slidenum">
               <a:t>&lt;#&gt;</a:t>
             </a:fld>
           </a:p>
@@ -3292,7 +3292,7 @@
         <p:txBody>
           <a:bodyPr/>
           <a:p>
-            <a:fld id="{D5E7A1B3-9166-4579-B41D-CADD333015D8}" type="slidenum">
+            <a:fld id="{AA4762E4-3014-48D5-BF21-7D6544EF6B3F}" type="slidenum">
               <a:t>&lt;#&gt;</a:t>
             </a:fld>
           </a:p>
@@ -3477,7 +3477,7 @@
         <p:txBody>
           <a:bodyPr/>
           <a:p>
-            <a:fld id="{8133954A-787B-4E59-81A6-D6E91D1EF25B}" type="slidenum">
+            <a:fld id="{AF935612-6358-449C-A11C-384A10699F4E}" type="slidenum">
               <a:t>&lt;#&gt;</a:t>
             </a:fld>
           </a:p>
@@ -3594,7 +3594,7 @@
         <p:txBody>
           <a:bodyPr/>
           <a:p>
-            <a:fld id="{F0709B4C-F854-4C03-BEEC-1EE82F4A9630}" type="slidenum">
+            <a:fld id="{378107A5-3C69-48F5-820B-F6B5C04564DB}" type="slidenum">
               <a:t>&lt;#&gt;</a:t>
             </a:fld>
           </a:p>
@@ -3804,7 +3804,7 @@
         <p:txBody>
           <a:bodyPr/>
           <a:p>
-            <a:fld id="{ADF196D3-2FA3-4427-9A34-B1215F2A63CF}" type="slidenum">
+            <a:fld id="{6330B506-F808-4EEE-9047-28DBD57E24C5}" type="slidenum">
               <a:t>&lt;#&gt;</a:t>
             </a:fld>
           </a:p>
@@ -4023,7 +4023,7 @@
         <p:txBody>
           <a:bodyPr/>
           <a:p>
-            <a:fld id="{B122B25F-7D19-460D-BBEA-6DF6A78FDA4E}" type="slidenum">
+            <a:fld id="{D8FCFE63-2A0D-4D50-AA41-80F17449F0AB}" type="slidenum">
               <a:t>&lt;#&gt;</a:t>
             </a:fld>
           </a:p>
@@ -4242,7 +4242,7 @@
         <p:txBody>
           <a:bodyPr/>
           <a:p>
-            <a:fld id="{CF4F80DC-31F1-4883-86F9-0481AADC672D}" type="slidenum">
+            <a:fld id="{50B9B8A9-BFC4-4EAF-B9CE-4F1AA60FF727}" type="slidenum">
               <a:t>&lt;#&gt;</a:t>
             </a:fld>
           </a:p>
@@ -4461,7 +4461,7 @@
         <p:txBody>
           <a:bodyPr/>
           <a:p>
-            <a:fld id="{5B3566B4-593C-4E41-8B37-D96B7A9D5EF6}" type="slidenum">
+            <a:fld id="{D91D0AED-A817-4FFB-8CB6-1281508246CD}" type="slidenum">
               <a:t>&lt;#&gt;</a:t>
             </a:fld>
           </a:p>
@@ -4646,7 +4646,7 @@
         <p:txBody>
           <a:bodyPr/>
           <a:p>
-            <a:fld id="{B2D87772-A672-4A69-BB58-37D57096B488}" type="slidenum">
+            <a:fld id="{6AA7579C-EBDC-4650-ABDE-9A127095EF58}" type="slidenum">
               <a:t>&lt;#&gt;</a:t>
             </a:fld>
           </a:p>
@@ -4899,7 +4899,7 @@
         <p:txBody>
           <a:bodyPr/>
           <a:p>
-            <a:fld id="{41B78A24-4D67-42C1-B3C2-DA287B4DADEA}" type="slidenum">
+            <a:fld id="{4ADF89C3-8869-4FAF-8535-BA86F19CB2AE}" type="slidenum">
               <a:t>&lt;#&gt;</a:t>
             </a:fld>
           </a:p>
@@ -5220,7 +5220,7 @@
         <p:txBody>
           <a:bodyPr/>
           <a:p>
-            <a:fld id="{CF04AE03-09A2-45D3-9332-E537F409B55E}" type="slidenum">
+            <a:fld id="{BF29D6E7-6247-435E-A9C1-F7D262A72810}" type="slidenum">
               <a:t>&lt;#&gt;</a:t>
             </a:fld>
           </a:p>
@@ -6021,211 +6021,7 @@
               <a:rPr b="0" lang="en-US" sz="4400" spc="-1" strike="noStrike">
                 <a:latin typeface="Arial"/>
               </a:rPr>
-              <a:t>C</a:t>
-            </a:r>
-            <a:r>
-              <a:rPr b="0" lang="en-US" sz="4400" spc="-1" strike="noStrike">
-                <a:latin typeface="Arial"/>
-              </a:rPr>
-              <a:t>l</a:t>
-            </a:r>
-            <a:r>
-              <a:rPr b="0" lang="en-US" sz="4400" spc="-1" strike="noStrike">
-                <a:latin typeface="Arial"/>
-              </a:rPr>
-              <a:t>i</a:t>
-            </a:r>
-            <a:r>
-              <a:rPr b="0" lang="en-US" sz="4400" spc="-1" strike="noStrike">
-                <a:latin typeface="Arial"/>
-              </a:rPr>
-              <a:t>c</a:t>
-            </a:r>
-            <a:r>
-              <a:rPr b="0" lang="en-US" sz="4400" spc="-1" strike="noStrike">
-                <a:latin typeface="Arial"/>
-              </a:rPr>
-              <a:t>k</a:t>
-            </a:r>
-            <a:r>
-              <a:rPr b="0" lang="en-US" sz="4400" spc="-1" strike="noStrike">
-                <a:latin typeface="Arial"/>
-              </a:rPr>
-              <a:t> </a:t>
-            </a:r>
-            <a:r>
-              <a:rPr b="0" lang="en-US" sz="4400" spc="-1" strike="noStrike">
-                <a:latin typeface="Arial"/>
-              </a:rPr>
-              <a:t>t</a:t>
-            </a:r>
-            <a:r>
-              <a:rPr b="0" lang="en-US" sz="4400" spc="-1" strike="noStrike">
-                <a:latin typeface="Arial"/>
-              </a:rPr>
-              <a:t>o</a:t>
-            </a:r>
-            <a:r>
-              <a:rPr b="0" lang="en-US" sz="4400" spc="-1" strike="noStrike">
-                <a:latin typeface="Arial"/>
-              </a:rPr>
-              <a:t> </a:t>
-            </a:r>
-            <a:r>
-              <a:rPr b="0" lang="en-US" sz="4400" spc="-1" strike="noStrike">
-                <a:latin typeface="Arial"/>
-              </a:rPr>
-              <a:t>e</a:t>
-            </a:r>
-            <a:r>
-              <a:rPr b="0" lang="en-US" sz="4400" spc="-1" strike="noStrike">
-                <a:latin typeface="Arial"/>
-              </a:rPr>
-              <a:t>d</a:t>
-            </a:r>
-            <a:r>
-              <a:rPr b="0" lang="en-US" sz="4400" spc="-1" strike="noStrike">
-                <a:latin typeface="Arial"/>
-              </a:rPr>
-              <a:t>i</a:t>
-            </a:r>
-            <a:r>
-              <a:rPr b="0" lang="en-US" sz="4400" spc="-1" strike="noStrike">
-                <a:latin typeface="Arial"/>
-              </a:rPr>
-              <a:t>t</a:t>
-            </a:r>
-            <a:r>
-              <a:rPr b="0" lang="en-US" sz="4400" spc="-1" strike="noStrike">
-                <a:latin typeface="Arial"/>
-              </a:rPr>
-              <a:t> </a:t>
-            </a:r>
-            <a:r>
-              <a:rPr b="0" lang="en-US" sz="4400" spc="-1" strike="noStrike">
-                <a:latin typeface="Arial"/>
-              </a:rPr>
-              <a:t>t</a:t>
-            </a:r>
-            <a:r>
-              <a:rPr b="0" lang="en-US" sz="4400" spc="-1" strike="noStrike">
-                <a:latin typeface="Arial"/>
-              </a:rPr>
-              <a:t>h</a:t>
-            </a:r>
-            <a:r>
-              <a:rPr b="0" lang="en-US" sz="4400" spc="-1" strike="noStrike">
-                <a:latin typeface="Arial"/>
-              </a:rPr>
-              <a:t>e</a:t>
-            </a:r>
-            <a:r>
-              <a:rPr b="0" lang="en-US" sz="4400" spc="-1" strike="noStrike">
-                <a:latin typeface="Arial"/>
-              </a:rPr>
-              <a:t> </a:t>
-            </a:r>
-            <a:r>
-              <a:rPr b="0" lang="en-US" sz="4400" spc="-1" strike="noStrike">
-                <a:latin typeface="Arial"/>
-              </a:rPr>
-              <a:t>t</a:t>
-            </a:r>
-            <a:r>
-              <a:rPr b="0" lang="en-US" sz="4400" spc="-1" strike="noStrike">
-                <a:latin typeface="Arial"/>
-              </a:rPr>
-              <a:t>i</a:t>
-            </a:r>
-            <a:r>
-              <a:rPr b="0" lang="en-US" sz="4400" spc="-1" strike="noStrike">
-                <a:latin typeface="Arial"/>
-              </a:rPr>
-              <a:t>t</a:t>
-            </a:r>
-            <a:r>
-              <a:rPr b="0" lang="en-US" sz="4400" spc="-1" strike="noStrike">
-                <a:latin typeface="Arial"/>
-              </a:rPr>
-              <a:t>l</a:t>
-            </a:r>
-            <a:r>
-              <a:rPr b="0" lang="en-US" sz="4400" spc="-1" strike="noStrike">
-                <a:latin typeface="Arial"/>
-              </a:rPr>
-              <a:t>e</a:t>
-            </a:r>
-            <a:r>
-              <a:rPr b="0" lang="en-US" sz="4400" spc="-1" strike="noStrike">
-                <a:latin typeface="Arial"/>
-              </a:rPr>
-              <a:t> </a:t>
-            </a:r>
-            <a:r>
-              <a:rPr b="0" lang="en-US" sz="4400" spc="-1" strike="noStrike">
-                <a:latin typeface="Arial"/>
-              </a:rPr>
-              <a:t>t</a:t>
-            </a:r>
-            <a:r>
-              <a:rPr b="0" lang="en-US" sz="4400" spc="-1" strike="noStrike">
-                <a:latin typeface="Arial"/>
-              </a:rPr>
-              <a:t>e</a:t>
-            </a:r>
-            <a:r>
-              <a:rPr b="0" lang="en-US" sz="4400" spc="-1" strike="noStrike">
-                <a:latin typeface="Arial"/>
-              </a:rPr>
-              <a:t>x</a:t>
-            </a:r>
-            <a:r>
-              <a:rPr b="0" lang="en-US" sz="4400" spc="-1" strike="noStrike">
-                <a:latin typeface="Arial"/>
-              </a:rPr>
-              <a:t>t</a:t>
-            </a:r>
-            <a:r>
-              <a:rPr b="0" lang="en-US" sz="4400" spc="-1" strike="noStrike">
-                <a:latin typeface="Arial"/>
-              </a:rPr>
-              <a:t> </a:t>
-            </a:r>
-            <a:r>
-              <a:rPr b="0" lang="en-US" sz="4400" spc="-1" strike="noStrike">
-                <a:latin typeface="Arial"/>
-              </a:rPr>
-              <a:t>f</a:t>
-            </a:r>
-            <a:r>
-              <a:rPr b="0" lang="en-US" sz="4400" spc="-1" strike="noStrike">
-                <a:latin typeface="Arial"/>
-              </a:rPr>
-              <a:t>o</a:t>
-            </a:r>
-            <a:r>
-              <a:rPr b="0" lang="en-US" sz="4400" spc="-1" strike="noStrike">
-                <a:latin typeface="Arial"/>
-              </a:rPr>
-              <a:t>r</a:t>
-            </a:r>
-            <a:r>
-              <a:rPr b="0" lang="en-US" sz="4400" spc="-1" strike="noStrike">
-                <a:latin typeface="Arial"/>
-              </a:rPr>
-              <a:t>m</a:t>
-            </a:r>
-            <a:r>
-              <a:rPr b="0" lang="en-US" sz="4400" spc="-1" strike="noStrike">
-                <a:latin typeface="Arial"/>
-              </a:rPr>
-              <a:t>a</a:t>
-            </a:r>
-            <a:r>
-              <a:rPr b="0" lang="en-US" sz="4400" spc="-1" strike="noStrike">
-                <a:latin typeface="Arial"/>
-              </a:rPr>
-              <a:t>t</a:t>
+              <a:t>Click to edit the title text format</a:t>
             </a:r>
             <a:endParaRPr b="0" lang="en-US" sz="4400" spc="-1" strike="noStrike">
               <a:latin typeface="Arial"/>
@@ -6404,7 +6200,7 @@
             <a:noAutofit/>
           </a:bodyPr>
           <a:p>
-            <a:fld id="{4C16BFD6-BDE3-472E-9881-459053DFB9F1}" type="author">
+            <a:fld id="{197FFA1C-F6E9-4410-860F-27583213281F}" type="author">
               <a:rPr b="0" lang="en-US" sz="1800" spc="-1" strike="noStrike">
                 <a:latin typeface="Arial"/>
               </a:rPr>
@@ -6715,7 +6511,13 @@
               <a:rPr b="0" lang="en-US" sz="3200" spc="-1" strike="noStrike">
                 <a:latin typeface="Arial"/>
               </a:rPr>
-              <a:t>Click to edit the outline text format</a:t>
+              <a:t>Click to edit the </a:t>
+            </a:r>
+            <a:r>
+              <a:rPr b="0" lang="en-US" sz="3200" spc="-1" strike="noStrike">
+                <a:latin typeface="Arial"/>
+              </a:rPr>
+              <a:t>outline text format</a:t>
             </a:r>
             <a:endParaRPr b="0" lang="en-US" sz="3200" spc="-1" strike="noStrike">
               <a:latin typeface="Arial"/>
@@ -6825,7 +6627,13 @@
               <a:rPr b="0" lang="en-US" sz="2000" spc="-1" strike="noStrike">
                 <a:latin typeface="Arial"/>
               </a:rPr>
-              <a:t>Sixth Outline Level</a:t>
+              <a:t>Sixth Outline </a:t>
+            </a:r>
+            <a:r>
+              <a:rPr b="0" lang="en-US" sz="2000" spc="-1" strike="noStrike">
+                <a:latin typeface="Arial"/>
+              </a:rPr>
+              <a:t>Level</a:t>
             </a:r>
             <a:endParaRPr b="0" lang="en-US" sz="2000" spc="-1" strike="noStrike">
               <a:latin typeface="Arial"/>
@@ -6847,7 +6655,19 @@
               <a:rPr b="0" lang="en-US" sz="2000" spc="-1" strike="noStrike">
                 <a:latin typeface="Arial"/>
               </a:rPr>
-              <a:t>Seventh Outline Level</a:t>
+              <a:t>Seventh </a:t>
+            </a:r>
+            <a:r>
+              <a:rPr b="0" lang="en-US" sz="2000" spc="-1" strike="noStrike">
+                <a:latin typeface="Arial"/>
+              </a:rPr>
+              <a:t>Outline </a:t>
+            </a:r>
+            <a:r>
+              <a:rPr b="0" lang="en-US" sz="2000" spc="-1" strike="noStrike">
+                <a:latin typeface="Arial"/>
+              </a:rPr>
+              <a:t>Level</a:t>
             </a:r>
             <a:endParaRPr b="0" lang="en-US" sz="2000" spc="-1" strike="noStrike">
               <a:latin typeface="Arial"/>
@@ -6992,7 +6812,7 @@
             <a:pPr algn="r">
               <a:buNone/>
             </a:pPr>
-            <a:fld id="{59A70A79-680C-4730-A2C0-C619079EBA03}" type="slidenum">
+            <a:fld id="{6076D2A4-B832-40D3-AC76-679C2C168476}" type="slidenum">
               <a:rPr b="0" lang="en-US" sz="1400" spc="-1" strike="noStrike">
                 <a:latin typeface="Arial"/>
               </a:rPr>
@@ -7692,7 +7512,7 @@
             <a:pPr algn="r">
               <a:buNone/>
             </a:pPr>
-            <a:fld id="{24084643-A7FA-47CD-BB24-A3568A1627A6}" type="slidenum">
+            <a:fld id="{D5561138-38F2-44E5-B3B3-A96BDA9F56A5}" type="slidenum">
               <a:rPr b="0" lang="en-US" sz="1400" spc="-1" strike="noStrike">
                 <a:latin typeface="Arial"/>
               </a:rPr>
@@ -8358,7 +8178,7 @@
         <p:txBody>
           <a:bodyPr/>
           <a:p>
-            <a:fld id="{8624E2A6-9F5D-441C-9566-220300CD0158}" type="slidenum">
+            <a:fld id="{08BD4937-0D2E-4D6B-BBC2-D4EF3FA9978F}" type="slidenum">
               <a:t>2</a:t>
             </a:fld>
           </a:p>
@@ -8446,7 +8266,7 @@
         </p:nvSpPr>
         <p:spPr>
           <a:xfrm>
-            <a:off x="504000" y="1326600"/>
+            <a:off x="145080" y="1828800"/>
             <a:ext cx="4426920" cy="3288240"/>
           </a:xfrm>
           <a:prstGeom prst="rect">
@@ -8462,6 +8282,23 @@
             <a:normAutofit/>
           </a:bodyPr>
           <a:p>
+            <a:pPr marL="432000" indent="-324000">
+              <a:spcBef>
+                <a:spcPts val="1417"/>
+              </a:spcBef>
+              <a:buClr>
+                <a:srgbClr val="ffffff"/>
+              </a:buClr>
+              <a:buSzPct val="45000"/>
+              <a:buFont typeface="Wingdings" charset="2"/>
+              <a:buChar char=""/>
+            </a:pPr>
+            <a:r>
+              <a:rPr b="0" lang="en-US" sz="3200" spc="-1" strike="noStrike">
+                <a:latin typeface="Arial"/>
+              </a:rPr>
+              <a:t>Percepción remota del satélite ()</a:t>
+            </a:r>
             <a:endParaRPr b="0" lang="en-US" sz="3200" spc="-1" strike="noStrike">
               <a:latin typeface="Arial"/>
             </a:endParaRPr>
@@ -8516,7 +8353,7 @@
         <p:txBody>
           <a:bodyPr/>
           <a:p>
-            <a:fld id="{C85E8B20-C61F-4B40-9CEB-94E0FD75C871}" type="slidenum">
+            <a:fld id="{7AF26AF7-CB8F-45A3-BACB-56823F5F9762}" type="slidenum">
               <a:t>3</a:t>
             </a:fld>
           </a:p>
@@ -8694,7 +8531,7 @@
         <p:txBody>
           <a:bodyPr/>
           <a:p>
-            <a:fld id="{A5422B6B-9950-4417-8026-9B0D55AC2C38}" type="slidenum">
+            <a:fld id="{6AB86093-9E61-4A93-A28A-C1261E7DAA30}" type="slidenum">
               <a:t>4</a:t>
             </a:fld>
           </a:p>
@@ -8852,7 +8689,7 @@
         <p:txBody>
           <a:bodyPr/>
           <a:p>
-            <a:fld id="{78D889A1-852D-4618-A489-D0103230DEF2}" type="slidenum">
+            <a:fld id="{6BAF69EB-7C7A-4481-97E7-40E0FB9A05EF}" type="slidenum">
               <a:t>5</a:t>
             </a:fld>
           </a:p>
@@ -9010,7 +8847,7 @@
         <p:txBody>
           <a:bodyPr/>
           <a:p>
-            <a:fld id="{E640AD2A-0C1F-498C-A92F-6915966D7A8D}" type="slidenum">
+            <a:fld id="{6D51CD9A-377B-4849-B12D-93A1CCC78A95}" type="slidenum">
               <a:t>6</a:t>
             </a:fld>
           </a:p>

--- a/presentacion.pptx
+++ b/presentacion.pptx
@@ -15,7 +15,7 @@
     <p:sldId id="261" r:id="rId10"/>
   </p:sldIdLst>
   <p:sldSz cx="10080625" cy="5670550"/>
-  <p:notesSz cx="7559675" cy="10691813"/>
+  <p:notesSz cx="7772400" cy="10058400"/>
 </p:presentation>
 </file>
 
@@ -71,7 +71,7 @@
         <p:spPr>
           <a:xfrm>
             <a:off x="144000" y="72000"/>
-            <a:ext cx="9540000" cy="648000"/>
+            <a:ext cx="9539640" cy="647640"/>
           </a:xfrm>
           <a:prstGeom prst="rect">
             <a:avLst/>
@@ -86,6 +86,9 @@
             <a:noAutofit/>
           </a:bodyPr>
           <a:p>
+            <a:pPr algn="ctr">
+              <a:buNone/>
+            </a:pPr>
             <a:endParaRPr b="0" lang="en-US" sz="4400" spc="-1" strike="noStrike">
               <a:latin typeface="Arial"/>
             </a:endParaRPr>
@@ -105,7 +108,7 @@
         <p:spPr>
           <a:xfrm>
             <a:off x="504000" y="1326600"/>
-            <a:ext cx="9072000" cy="1568160"/>
+            <a:ext cx="4426560" cy="1568160"/>
           </a:xfrm>
           <a:prstGeom prst="rect">
             <a:avLst/>
@@ -139,7 +142,7 @@
         <p:spPr>
           <a:xfrm>
             <a:off x="504000" y="3044160"/>
-            <a:ext cx="9072000" cy="1568160"/>
+            <a:ext cx="4426560" cy="1568160"/>
           </a:xfrm>
           <a:prstGeom prst="rect">
             <a:avLst/>
@@ -195,7 +198,7 @@
         <p:spPr>
           <a:xfrm>
             <a:off x="144000" y="72000"/>
-            <a:ext cx="9540000" cy="648000"/>
+            <a:ext cx="9539640" cy="647640"/>
           </a:xfrm>
           <a:prstGeom prst="rect">
             <a:avLst/>
@@ -210,6 +213,9 @@
             <a:noAutofit/>
           </a:bodyPr>
           <a:p>
+            <a:pPr algn="ctr">
+              <a:buNone/>
+            </a:pPr>
             <a:endParaRPr b="0" lang="en-US" sz="4400" spc="-1" strike="noStrike">
               <a:latin typeface="Arial"/>
             </a:endParaRPr>
@@ -229,7 +235,7 @@
         <p:spPr>
           <a:xfrm>
             <a:off x="504000" y="1326600"/>
-            <a:ext cx="4426920" cy="1568160"/>
+            <a:ext cx="2160000" cy="1568160"/>
           </a:xfrm>
           <a:prstGeom prst="rect">
             <a:avLst/>
@@ -262,8 +268,8 @@
         </p:nvSpPr>
         <p:spPr>
           <a:xfrm>
-            <a:off x="5152680" y="1326600"/>
-            <a:ext cx="4426920" cy="1568160"/>
+            <a:off x="2772360" y="1326600"/>
+            <a:ext cx="2160000" cy="1568160"/>
           </a:xfrm>
           <a:prstGeom prst="rect">
             <a:avLst/>
@@ -297,7 +303,7 @@
         <p:spPr>
           <a:xfrm>
             <a:off x="504000" y="3044160"/>
-            <a:ext cx="4426920" cy="1568160"/>
+            <a:ext cx="2160000" cy="1568160"/>
           </a:xfrm>
           <a:prstGeom prst="rect">
             <a:avLst/>
@@ -330,8 +336,8 @@
         </p:nvSpPr>
         <p:spPr>
           <a:xfrm>
-            <a:off x="5152680" y="3044160"/>
-            <a:ext cx="4426920" cy="1568160"/>
+            <a:off x="2772360" y="3044160"/>
+            <a:ext cx="2160000" cy="1568160"/>
           </a:xfrm>
           <a:prstGeom prst="rect">
             <a:avLst/>
@@ -387,7 +393,7 @@
         <p:spPr>
           <a:xfrm>
             <a:off x="144000" y="72000"/>
-            <a:ext cx="9540000" cy="648000"/>
+            <a:ext cx="9539640" cy="647640"/>
           </a:xfrm>
           <a:prstGeom prst="rect">
             <a:avLst/>
@@ -402,6 +408,9 @@
             <a:noAutofit/>
           </a:bodyPr>
           <a:p>
+            <a:pPr algn="ctr">
+              <a:buNone/>
+            </a:pPr>
             <a:endParaRPr b="0" lang="en-US" sz="4400" spc="-1" strike="noStrike">
               <a:latin typeface="Arial"/>
             </a:endParaRPr>
@@ -421,7 +430,7 @@
         <p:spPr>
           <a:xfrm>
             <a:off x="504000" y="1326600"/>
-            <a:ext cx="2921040" cy="1568160"/>
+            <a:ext cx="1425240" cy="1568160"/>
           </a:xfrm>
           <a:prstGeom prst="rect">
             <a:avLst/>
@@ -433,7 +442,7 @@
         </p:spPr>
         <p:txBody>
           <a:bodyPr lIns="0" rIns="0" tIns="0" bIns="0" anchor="t">
-            <a:normAutofit/>
+            <a:normAutofit fontScale="89000"/>
           </a:bodyPr>
           <a:p>
             <a:endParaRPr b="0" lang="en-US" sz="3200" spc="-1" strike="noStrike">
@@ -454,8 +463,8 @@
         </p:nvSpPr>
         <p:spPr>
           <a:xfrm>
-            <a:off x="3571560" y="1326600"/>
-            <a:ext cx="2921040" cy="1568160"/>
+            <a:off x="2000880" y="1326600"/>
+            <a:ext cx="1425240" cy="1568160"/>
           </a:xfrm>
           <a:prstGeom prst="rect">
             <a:avLst/>
@@ -467,7 +476,7 @@
         </p:spPr>
         <p:txBody>
           <a:bodyPr lIns="0" rIns="0" tIns="0" bIns="0" anchor="t">
-            <a:normAutofit/>
+            <a:normAutofit fontScale="89000"/>
           </a:bodyPr>
           <a:p>
             <a:endParaRPr b="0" lang="en-US" sz="3200" spc="-1" strike="noStrike">
@@ -488,8 +497,8 @@
         </p:nvSpPr>
         <p:spPr>
           <a:xfrm>
-            <a:off x="6639120" y="1326600"/>
-            <a:ext cx="2921040" cy="1568160"/>
+            <a:off x="3497760" y="1326600"/>
+            <a:ext cx="1425240" cy="1568160"/>
           </a:xfrm>
           <a:prstGeom prst="rect">
             <a:avLst/>
@@ -501,7 +510,7 @@
         </p:spPr>
         <p:txBody>
           <a:bodyPr lIns="0" rIns="0" tIns="0" bIns="0" anchor="t">
-            <a:normAutofit/>
+            <a:normAutofit fontScale="89000"/>
           </a:bodyPr>
           <a:p>
             <a:endParaRPr b="0" lang="en-US" sz="3200" spc="-1" strike="noStrike">
@@ -523,7 +532,7 @@
         <p:spPr>
           <a:xfrm>
             <a:off x="504000" y="3044160"/>
-            <a:ext cx="2921040" cy="1568160"/>
+            <a:ext cx="1425240" cy="1568160"/>
           </a:xfrm>
           <a:prstGeom prst="rect">
             <a:avLst/>
@@ -535,7 +544,7 @@
         </p:spPr>
         <p:txBody>
           <a:bodyPr lIns="0" rIns="0" tIns="0" bIns="0" anchor="t">
-            <a:normAutofit/>
+            <a:normAutofit fontScale="89000"/>
           </a:bodyPr>
           <a:p>
             <a:endParaRPr b="0" lang="en-US" sz="3200" spc="-1" strike="noStrike">
@@ -556,8 +565,8 @@
         </p:nvSpPr>
         <p:spPr>
           <a:xfrm>
-            <a:off x="3571560" y="3044160"/>
-            <a:ext cx="2921040" cy="1568160"/>
+            <a:off x="2000880" y="3044160"/>
+            <a:ext cx="1425240" cy="1568160"/>
           </a:xfrm>
           <a:prstGeom prst="rect">
             <a:avLst/>
@@ -569,7 +578,7 @@
         </p:spPr>
         <p:txBody>
           <a:bodyPr lIns="0" rIns="0" tIns="0" bIns="0" anchor="t">
-            <a:normAutofit/>
+            <a:normAutofit fontScale="89000"/>
           </a:bodyPr>
           <a:p>
             <a:endParaRPr b="0" lang="en-US" sz="3200" spc="-1" strike="noStrike">
@@ -590,8 +599,8 @@
         </p:nvSpPr>
         <p:spPr>
           <a:xfrm>
-            <a:off x="6639120" y="3044160"/>
-            <a:ext cx="2921040" cy="1568160"/>
+            <a:off x="3497760" y="3044160"/>
+            <a:ext cx="1425240" cy="1568160"/>
           </a:xfrm>
           <a:prstGeom prst="rect">
             <a:avLst/>
@@ -603,7 +612,7 @@
         </p:spPr>
         <p:txBody>
           <a:bodyPr lIns="0" rIns="0" tIns="0" bIns="0" anchor="t">
-            <a:normAutofit/>
+            <a:normAutofit fontScale="89000"/>
           </a:bodyPr>
           <a:p>
             <a:endParaRPr b="0" lang="en-US" sz="3200" spc="-1" strike="noStrike">
@@ -641,7 +650,7 @@
             <a:spLocks noGrp="1"/>
           </p:cNvSpPr>
           <p:nvPr>
-            <p:ph type="ftr" idx="2"/>
+            <p:ph type="ftr" idx="1"/>
           </p:nvPr>
         </p:nvSpPr>
         <p:spPr/>
@@ -661,14 +670,14 @@
             <a:spLocks noGrp="1"/>
           </p:cNvSpPr>
           <p:nvPr>
-            <p:ph type="sldNum" idx="3"/>
+            <p:ph type="sldNum" idx="2"/>
           </p:nvPr>
         </p:nvSpPr>
         <p:spPr/>
         <p:txBody>
           <a:bodyPr/>
           <a:p>
-            <a:fld id="{A663F9A6-48D7-4533-82AA-16ADB5DCC0F3}" type="slidenum">
+            <a:fld id="{F93419A6-66AC-4EF4-B458-3A846912223D}" type="slidenum">
               <a:t>&lt;#&gt;</a:t>
             </a:fld>
           </a:p>
@@ -681,7 +690,7 @@
             <a:spLocks noGrp="1"/>
           </p:cNvSpPr>
           <p:nvPr>
-            <p:ph type="dt" idx="1"/>
+            <p:ph type="dt" idx="3"/>
           </p:nvPr>
         </p:nvSpPr>
         <p:spPr/>
@@ -730,7 +739,7 @@
         <p:spPr>
           <a:xfrm>
             <a:off x="144000" y="72000"/>
-            <a:ext cx="9540000" cy="648000"/>
+            <a:ext cx="9539640" cy="647640"/>
           </a:xfrm>
           <a:prstGeom prst="rect">
             <a:avLst/>
@@ -745,6 +754,9 @@
             <a:noAutofit/>
           </a:bodyPr>
           <a:p>
+            <a:pPr algn="ctr">
+              <a:buNone/>
+            </a:pPr>
             <a:endParaRPr b="0" lang="en-US" sz="4400" spc="-1" strike="noStrike">
               <a:latin typeface="Arial"/>
             </a:endParaRPr>
@@ -764,7 +776,7 @@
         <p:spPr>
           <a:xfrm>
             <a:off x="504000" y="1326600"/>
-            <a:ext cx="9072000" cy="3288240"/>
+            <a:ext cx="4426560" cy="3287880"/>
           </a:xfrm>
           <a:prstGeom prst="rect">
             <a:avLst/>
@@ -795,7 +807,7 @@
             <a:spLocks noGrp="1"/>
           </p:cNvSpPr>
           <p:nvPr>
-            <p:ph type="ftr" idx="2"/>
+            <p:ph type="ftr" idx="1"/>
           </p:nvPr>
         </p:nvSpPr>
         <p:spPr/>
@@ -815,14 +827,14 @@
             <a:spLocks noGrp="1"/>
           </p:cNvSpPr>
           <p:nvPr>
-            <p:ph type="sldNum" idx="3"/>
+            <p:ph type="sldNum" idx="2"/>
           </p:nvPr>
         </p:nvSpPr>
         <p:spPr/>
         <p:txBody>
           <a:bodyPr/>
           <a:p>
-            <a:fld id="{7053A078-346A-4A0A-98D2-CEAA8AFFD071}" type="slidenum">
+            <a:fld id="{C91139D5-3EC3-481D-B17F-ECE8981C3442}" type="slidenum">
               <a:t>&lt;#&gt;</a:t>
             </a:fld>
           </a:p>
@@ -835,7 +847,7 @@
             <a:spLocks noGrp="1"/>
           </p:cNvSpPr>
           <p:nvPr>
-            <p:ph type="dt" idx="1"/>
+            <p:ph type="dt" idx="3"/>
           </p:nvPr>
         </p:nvSpPr>
         <p:spPr/>
@@ -884,7 +896,7 @@
         <p:spPr>
           <a:xfrm>
             <a:off x="144000" y="72000"/>
-            <a:ext cx="9540000" cy="648000"/>
+            <a:ext cx="9539640" cy="647640"/>
           </a:xfrm>
           <a:prstGeom prst="rect">
             <a:avLst/>
@@ -899,6 +911,9 @@
             <a:noAutofit/>
           </a:bodyPr>
           <a:p>
+            <a:pPr algn="ctr">
+              <a:buNone/>
+            </a:pPr>
             <a:endParaRPr b="0" lang="en-US" sz="4400" spc="-1" strike="noStrike">
               <a:latin typeface="Arial"/>
             </a:endParaRPr>
@@ -918,7 +933,7 @@
         <p:spPr>
           <a:xfrm>
             <a:off x="504000" y="1326600"/>
-            <a:ext cx="9072000" cy="3288240"/>
+            <a:ext cx="4426560" cy="3287880"/>
           </a:xfrm>
           <a:prstGeom prst="rect">
             <a:avLst/>
@@ -946,7 +961,7 @@
             <a:spLocks noGrp="1"/>
           </p:cNvSpPr>
           <p:nvPr>
-            <p:ph type="ftr" idx="2"/>
+            <p:ph type="ftr" idx="1"/>
           </p:nvPr>
         </p:nvSpPr>
         <p:spPr/>
@@ -966,14 +981,14 @@
             <a:spLocks noGrp="1"/>
           </p:cNvSpPr>
           <p:nvPr>
-            <p:ph type="sldNum" idx="3"/>
+            <p:ph type="sldNum" idx="2"/>
           </p:nvPr>
         </p:nvSpPr>
         <p:spPr/>
         <p:txBody>
           <a:bodyPr/>
           <a:p>
-            <a:fld id="{BD721A58-B92F-4E8A-BFBA-8452E7D5681A}" type="slidenum">
+            <a:fld id="{694E3800-368A-4E2E-8C39-474C68A4697D}" type="slidenum">
               <a:t>&lt;#&gt;</a:t>
             </a:fld>
           </a:p>
@@ -986,7 +1001,7 @@
             <a:spLocks noGrp="1"/>
           </p:cNvSpPr>
           <p:nvPr>
-            <p:ph type="dt" idx="1"/>
+            <p:ph type="dt" idx="3"/>
           </p:nvPr>
         </p:nvSpPr>
         <p:spPr/>
@@ -1035,7 +1050,7 @@
         <p:spPr>
           <a:xfrm>
             <a:off x="144000" y="72000"/>
-            <a:ext cx="9540000" cy="648000"/>
+            <a:ext cx="9539640" cy="647640"/>
           </a:xfrm>
           <a:prstGeom prst="rect">
             <a:avLst/>
@@ -1050,6 +1065,9 @@
             <a:noAutofit/>
           </a:bodyPr>
           <a:p>
+            <a:pPr algn="ctr">
+              <a:buNone/>
+            </a:pPr>
             <a:endParaRPr b="0" lang="en-US" sz="4400" spc="-1" strike="noStrike">
               <a:latin typeface="Arial"/>
             </a:endParaRPr>
@@ -1069,7 +1087,7 @@
         <p:spPr>
           <a:xfrm>
             <a:off x="504000" y="1326600"/>
-            <a:ext cx="4426920" cy="3288240"/>
+            <a:ext cx="2160000" cy="3287880"/>
           </a:xfrm>
           <a:prstGeom prst="rect">
             <a:avLst/>
@@ -1102,8 +1120,8 @@
         </p:nvSpPr>
         <p:spPr>
           <a:xfrm>
-            <a:off x="5152680" y="1326600"/>
-            <a:ext cx="4426920" cy="3288240"/>
+            <a:off x="2772360" y="1326600"/>
+            <a:ext cx="2160000" cy="3287880"/>
           </a:xfrm>
           <a:prstGeom prst="rect">
             <a:avLst/>
@@ -1131,7 +1149,7 @@
             <a:spLocks noGrp="1"/>
           </p:cNvSpPr>
           <p:nvPr>
-            <p:ph type="ftr" idx="2"/>
+            <p:ph type="ftr" idx="1"/>
           </p:nvPr>
         </p:nvSpPr>
         <p:spPr/>
@@ -1151,14 +1169,14 @@
             <a:spLocks noGrp="1"/>
           </p:cNvSpPr>
           <p:nvPr>
-            <p:ph type="sldNum" idx="3"/>
+            <p:ph type="sldNum" idx="2"/>
           </p:nvPr>
         </p:nvSpPr>
         <p:spPr/>
         <p:txBody>
           <a:bodyPr/>
           <a:p>
-            <a:fld id="{E64FC93E-5019-4A0A-8452-52A1EE1C74AE}" type="slidenum">
+            <a:fld id="{5E2F8EB2-25FA-48F0-AFE1-4754A41837E3}" type="slidenum">
               <a:t>&lt;#&gt;</a:t>
             </a:fld>
           </a:p>
@@ -1171,7 +1189,7 @@
             <a:spLocks noGrp="1"/>
           </p:cNvSpPr>
           <p:nvPr>
-            <p:ph type="dt" idx="1"/>
+            <p:ph type="dt" idx="3"/>
           </p:nvPr>
         </p:nvSpPr>
         <p:spPr/>
@@ -1220,7 +1238,7 @@
         <p:spPr>
           <a:xfrm>
             <a:off x="144000" y="72000"/>
-            <a:ext cx="9540000" cy="648000"/>
+            <a:ext cx="9539640" cy="647640"/>
           </a:xfrm>
           <a:prstGeom prst="rect">
             <a:avLst/>
@@ -1235,6 +1253,9 @@
             <a:noAutofit/>
           </a:bodyPr>
           <a:p>
+            <a:pPr algn="ctr">
+              <a:buNone/>
+            </a:pPr>
             <a:endParaRPr b="0" lang="en-US" sz="4400" spc="-1" strike="noStrike">
               <a:latin typeface="Arial"/>
             </a:endParaRPr>
@@ -1248,7 +1269,7 @@
             <a:spLocks noGrp="1"/>
           </p:cNvSpPr>
           <p:nvPr>
-            <p:ph type="ftr" idx="2"/>
+            <p:ph type="ftr" idx="1"/>
           </p:nvPr>
         </p:nvSpPr>
         <p:spPr/>
@@ -1268,14 +1289,14 @@
             <a:spLocks noGrp="1"/>
           </p:cNvSpPr>
           <p:nvPr>
-            <p:ph type="sldNum" idx="3"/>
+            <p:ph type="sldNum" idx="2"/>
           </p:nvPr>
         </p:nvSpPr>
         <p:spPr/>
         <p:txBody>
           <a:bodyPr/>
           <a:p>
-            <a:fld id="{E0195AC2-9CEB-49C4-9914-857447DB61E2}" type="slidenum">
+            <a:fld id="{591930BF-BFD4-40E1-84AF-ECD608AC1E68}" type="slidenum">
               <a:t>&lt;#&gt;</a:t>
             </a:fld>
           </a:p>
@@ -1288,7 +1309,7 @@
             <a:spLocks noGrp="1"/>
           </p:cNvSpPr>
           <p:nvPr>
-            <p:ph type="dt" idx="1"/>
+            <p:ph type="dt" idx="3"/>
           </p:nvPr>
         </p:nvSpPr>
         <p:spPr/>
@@ -1337,7 +1358,7 @@
         <p:spPr>
           <a:xfrm>
             <a:off x="144000" y="72000"/>
-            <a:ext cx="9540000" cy="3004920"/>
+            <a:ext cx="9539640" cy="3003480"/>
           </a:xfrm>
           <a:prstGeom prst="rect">
             <a:avLst/>
@@ -1368,7 +1389,7 @@
             <a:spLocks noGrp="1"/>
           </p:cNvSpPr>
           <p:nvPr>
-            <p:ph type="ftr" idx="2"/>
+            <p:ph type="ftr" idx="1"/>
           </p:nvPr>
         </p:nvSpPr>
         <p:spPr/>
@@ -1388,14 +1409,14 @@
             <a:spLocks noGrp="1"/>
           </p:cNvSpPr>
           <p:nvPr>
-            <p:ph type="sldNum" idx="3"/>
+            <p:ph type="sldNum" idx="2"/>
           </p:nvPr>
         </p:nvSpPr>
         <p:spPr/>
         <p:txBody>
           <a:bodyPr/>
           <a:p>
-            <a:fld id="{21DD34C4-15C0-462A-BBF7-E84A51070F0C}" type="slidenum">
+            <a:fld id="{AFF39812-597D-4CE4-9706-29007642B7DB}" type="slidenum">
               <a:t>&lt;#&gt;</a:t>
             </a:fld>
           </a:p>
@@ -1408,7 +1429,7 @@
             <a:spLocks noGrp="1"/>
           </p:cNvSpPr>
           <p:nvPr>
-            <p:ph type="dt" idx="1"/>
+            <p:ph type="dt" idx="3"/>
           </p:nvPr>
         </p:nvSpPr>
         <p:spPr/>
@@ -1457,7 +1478,7 @@
         <p:spPr>
           <a:xfrm>
             <a:off x="144000" y="72000"/>
-            <a:ext cx="9540000" cy="648000"/>
+            <a:ext cx="9539640" cy="647640"/>
           </a:xfrm>
           <a:prstGeom prst="rect">
             <a:avLst/>
@@ -1472,6 +1493,9 @@
             <a:noAutofit/>
           </a:bodyPr>
           <a:p>
+            <a:pPr algn="ctr">
+              <a:buNone/>
+            </a:pPr>
             <a:endParaRPr b="0" lang="en-US" sz="4400" spc="-1" strike="noStrike">
               <a:latin typeface="Arial"/>
             </a:endParaRPr>
@@ -1491,7 +1515,7 @@
         <p:spPr>
           <a:xfrm>
             <a:off x="504000" y="1326600"/>
-            <a:ext cx="4426920" cy="1568160"/>
+            <a:ext cx="2160000" cy="1568160"/>
           </a:xfrm>
           <a:prstGeom prst="rect">
             <a:avLst/>
@@ -1524,8 +1548,8 @@
         </p:nvSpPr>
         <p:spPr>
           <a:xfrm>
-            <a:off x="5152680" y="1326600"/>
-            <a:ext cx="4426920" cy="3288240"/>
+            <a:off x="2772360" y="1326600"/>
+            <a:ext cx="2160000" cy="3287880"/>
           </a:xfrm>
           <a:prstGeom prst="rect">
             <a:avLst/>
@@ -1559,7 +1583,7 @@
         <p:spPr>
           <a:xfrm>
             <a:off x="504000" y="3044160"/>
-            <a:ext cx="4426920" cy="1568160"/>
+            <a:ext cx="2160000" cy="1568160"/>
           </a:xfrm>
           <a:prstGeom prst="rect">
             <a:avLst/>
@@ -1587,7 +1611,7 @@
             <a:spLocks noGrp="1"/>
           </p:cNvSpPr>
           <p:nvPr>
-            <p:ph type="ftr" idx="2"/>
+            <p:ph type="ftr" idx="1"/>
           </p:nvPr>
         </p:nvSpPr>
         <p:spPr/>
@@ -1607,14 +1631,14 @@
             <a:spLocks noGrp="1"/>
           </p:cNvSpPr>
           <p:nvPr>
-            <p:ph type="sldNum" idx="3"/>
+            <p:ph type="sldNum" idx="2"/>
           </p:nvPr>
         </p:nvSpPr>
         <p:spPr/>
         <p:txBody>
           <a:bodyPr/>
           <a:p>
-            <a:fld id="{0087148D-38E4-406C-8AC3-6ECD6F059CDF}" type="slidenum">
+            <a:fld id="{B86733C3-2756-4F07-942C-8B7162E5F768}" type="slidenum">
               <a:t>&lt;#&gt;</a:t>
             </a:fld>
           </a:p>
@@ -1627,7 +1651,7 @@
             <a:spLocks noGrp="1"/>
           </p:cNvSpPr>
           <p:nvPr>
-            <p:ph type="dt" idx="1"/>
+            <p:ph type="dt" idx="3"/>
           </p:nvPr>
         </p:nvSpPr>
         <p:spPr/>
@@ -1676,7 +1700,7 @@
         <p:spPr>
           <a:xfrm>
             <a:off x="144000" y="72000"/>
-            <a:ext cx="9540000" cy="648000"/>
+            <a:ext cx="9539640" cy="647640"/>
           </a:xfrm>
           <a:prstGeom prst="rect">
             <a:avLst/>
@@ -1691,6 +1715,9 @@
             <a:noAutofit/>
           </a:bodyPr>
           <a:p>
+            <a:pPr algn="ctr">
+              <a:buNone/>
+            </a:pPr>
             <a:endParaRPr b="0" lang="en-US" sz="4400" spc="-1" strike="noStrike">
               <a:latin typeface="Arial"/>
             </a:endParaRPr>
@@ -1710,7 +1737,7 @@
         <p:spPr>
           <a:xfrm>
             <a:off x="504000" y="1326600"/>
-            <a:ext cx="9072000" cy="3288240"/>
+            <a:ext cx="4426560" cy="3287880"/>
           </a:xfrm>
           <a:prstGeom prst="rect">
             <a:avLst/>
@@ -1769,7 +1796,7 @@
         <p:spPr>
           <a:xfrm>
             <a:off x="144000" y="72000"/>
-            <a:ext cx="9540000" cy="648000"/>
+            <a:ext cx="9539640" cy="647640"/>
           </a:xfrm>
           <a:prstGeom prst="rect">
             <a:avLst/>
@@ -1784,6 +1811,9 @@
             <a:noAutofit/>
           </a:bodyPr>
           <a:p>
+            <a:pPr algn="ctr">
+              <a:buNone/>
+            </a:pPr>
             <a:endParaRPr b="0" lang="en-US" sz="4400" spc="-1" strike="noStrike">
               <a:latin typeface="Arial"/>
             </a:endParaRPr>
@@ -1803,7 +1833,7 @@
         <p:spPr>
           <a:xfrm>
             <a:off x="504000" y="1326600"/>
-            <a:ext cx="4426920" cy="3288240"/>
+            <a:ext cx="2160000" cy="3287880"/>
           </a:xfrm>
           <a:prstGeom prst="rect">
             <a:avLst/>
@@ -1836,8 +1866,8 @@
         </p:nvSpPr>
         <p:spPr>
           <a:xfrm>
-            <a:off x="5152680" y="1326600"/>
-            <a:ext cx="4426920" cy="1568160"/>
+            <a:off x="2772360" y="1326600"/>
+            <a:ext cx="2160000" cy="1568160"/>
           </a:xfrm>
           <a:prstGeom prst="rect">
             <a:avLst/>
@@ -1870,8 +1900,8 @@
         </p:nvSpPr>
         <p:spPr>
           <a:xfrm>
-            <a:off x="5152680" y="3044160"/>
-            <a:ext cx="4426920" cy="1568160"/>
+            <a:off x="2772360" y="3044160"/>
+            <a:ext cx="2160000" cy="1568160"/>
           </a:xfrm>
           <a:prstGeom prst="rect">
             <a:avLst/>
@@ -1899,7 +1929,7 @@
             <a:spLocks noGrp="1"/>
           </p:cNvSpPr>
           <p:nvPr>
-            <p:ph type="ftr" idx="2"/>
+            <p:ph type="ftr" idx="1"/>
           </p:nvPr>
         </p:nvSpPr>
         <p:spPr/>
@@ -1919,14 +1949,14 @@
             <a:spLocks noGrp="1"/>
           </p:cNvSpPr>
           <p:nvPr>
-            <p:ph type="sldNum" idx="3"/>
+            <p:ph type="sldNum" idx="2"/>
           </p:nvPr>
         </p:nvSpPr>
         <p:spPr/>
         <p:txBody>
           <a:bodyPr/>
           <a:p>
-            <a:fld id="{40597780-A38D-4D7E-965D-C48436AD5838}" type="slidenum">
+            <a:fld id="{54F7E1D1-C27A-4941-9ED5-FB27F28CBDB8}" type="slidenum">
               <a:t>&lt;#&gt;</a:t>
             </a:fld>
           </a:p>
@@ -1939,7 +1969,7 @@
             <a:spLocks noGrp="1"/>
           </p:cNvSpPr>
           <p:nvPr>
-            <p:ph type="dt" idx="1"/>
+            <p:ph type="dt" idx="3"/>
           </p:nvPr>
         </p:nvSpPr>
         <p:spPr/>
@@ -1988,7 +2018,7 @@
         <p:spPr>
           <a:xfrm>
             <a:off x="144000" y="72000"/>
-            <a:ext cx="9540000" cy="648000"/>
+            <a:ext cx="9539640" cy="647640"/>
           </a:xfrm>
           <a:prstGeom prst="rect">
             <a:avLst/>
@@ -2003,6 +2033,9 @@
             <a:noAutofit/>
           </a:bodyPr>
           <a:p>
+            <a:pPr algn="ctr">
+              <a:buNone/>
+            </a:pPr>
             <a:endParaRPr b="0" lang="en-US" sz="4400" spc="-1" strike="noStrike">
               <a:latin typeface="Arial"/>
             </a:endParaRPr>
@@ -2022,7 +2055,7 @@
         <p:spPr>
           <a:xfrm>
             <a:off x="504000" y="1326600"/>
-            <a:ext cx="4426920" cy="1568160"/>
+            <a:ext cx="2160000" cy="1568160"/>
           </a:xfrm>
           <a:prstGeom prst="rect">
             <a:avLst/>
@@ -2055,8 +2088,8 @@
         </p:nvSpPr>
         <p:spPr>
           <a:xfrm>
-            <a:off x="5152680" y="1326600"/>
-            <a:ext cx="4426920" cy="1568160"/>
+            <a:off x="2772360" y="1326600"/>
+            <a:ext cx="2160000" cy="1568160"/>
           </a:xfrm>
           <a:prstGeom prst="rect">
             <a:avLst/>
@@ -2090,7 +2123,7 @@
         <p:spPr>
           <a:xfrm>
             <a:off x="504000" y="3044160"/>
-            <a:ext cx="9072000" cy="1568160"/>
+            <a:ext cx="4426560" cy="1568160"/>
           </a:xfrm>
           <a:prstGeom prst="rect">
             <a:avLst/>
@@ -2118,7 +2151,7 @@
             <a:spLocks noGrp="1"/>
           </p:cNvSpPr>
           <p:nvPr>
-            <p:ph type="ftr" idx="2"/>
+            <p:ph type="ftr" idx="1"/>
           </p:nvPr>
         </p:nvSpPr>
         <p:spPr/>
@@ -2138,14 +2171,14 @@
             <a:spLocks noGrp="1"/>
           </p:cNvSpPr>
           <p:nvPr>
-            <p:ph type="sldNum" idx="3"/>
+            <p:ph type="sldNum" idx="2"/>
           </p:nvPr>
         </p:nvSpPr>
         <p:spPr/>
         <p:txBody>
           <a:bodyPr/>
           <a:p>
-            <a:fld id="{D1013B79-C4B7-484D-97E7-44BA8B46E1D8}" type="slidenum">
+            <a:fld id="{E3DA507D-D0C5-4209-AE6A-D07C22BE79A5}" type="slidenum">
               <a:t>&lt;#&gt;</a:t>
             </a:fld>
           </a:p>
@@ -2158,7 +2191,7 @@
             <a:spLocks noGrp="1"/>
           </p:cNvSpPr>
           <p:nvPr>
-            <p:ph type="dt" idx="1"/>
+            <p:ph type="dt" idx="3"/>
           </p:nvPr>
         </p:nvSpPr>
         <p:spPr/>
@@ -2207,7 +2240,7 @@
         <p:spPr>
           <a:xfrm>
             <a:off x="144000" y="72000"/>
-            <a:ext cx="9540000" cy="648000"/>
+            <a:ext cx="9539640" cy="647640"/>
           </a:xfrm>
           <a:prstGeom prst="rect">
             <a:avLst/>
@@ -2222,6 +2255,9 @@
             <a:noAutofit/>
           </a:bodyPr>
           <a:p>
+            <a:pPr algn="ctr">
+              <a:buNone/>
+            </a:pPr>
             <a:endParaRPr b="0" lang="en-US" sz="4400" spc="-1" strike="noStrike">
               <a:latin typeface="Arial"/>
             </a:endParaRPr>
@@ -2241,7 +2277,7 @@
         <p:spPr>
           <a:xfrm>
             <a:off x="504000" y="1326600"/>
-            <a:ext cx="9072000" cy="1568160"/>
+            <a:ext cx="4426560" cy="1568160"/>
           </a:xfrm>
           <a:prstGeom prst="rect">
             <a:avLst/>
@@ -2275,7 +2311,7 @@
         <p:spPr>
           <a:xfrm>
             <a:off x="504000" y="3044160"/>
-            <a:ext cx="9072000" cy="1568160"/>
+            <a:ext cx="4426560" cy="1568160"/>
           </a:xfrm>
           <a:prstGeom prst="rect">
             <a:avLst/>
@@ -2303,7 +2339,7 @@
             <a:spLocks noGrp="1"/>
           </p:cNvSpPr>
           <p:nvPr>
-            <p:ph type="ftr" idx="2"/>
+            <p:ph type="ftr" idx="1"/>
           </p:nvPr>
         </p:nvSpPr>
         <p:spPr/>
@@ -2323,14 +2359,14 @@
             <a:spLocks noGrp="1"/>
           </p:cNvSpPr>
           <p:nvPr>
-            <p:ph type="sldNum" idx="3"/>
+            <p:ph type="sldNum" idx="2"/>
           </p:nvPr>
         </p:nvSpPr>
         <p:spPr/>
         <p:txBody>
           <a:bodyPr/>
           <a:p>
-            <a:fld id="{D0D35157-156B-43D7-B094-0C78CAD97781}" type="slidenum">
+            <a:fld id="{23A3B139-F62D-469C-9B27-CAFC45858AD6}" type="slidenum">
               <a:t>&lt;#&gt;</a:t>
             </a:fld>
           </a:p>
@@ -2343,7 +2379,7 @@
             <a:spLocks noGrp="1"/>
           </p:cNvSpPr>
           <p:nvPr>
-            <p:ph type="dt" idx="1"/>
+            <p:ph type="dt" idx="3"/>
           </p:nvPr>
         </p:nvSpPr>
         <p:spPr/>
@@ -2392,7 +2428,7 @@
         <p:spPr>
           <a:xfrm>
             <a:off x="144000" y="72000"/>
-            <a:ext cx="9540000" cy="648000"/>
+            <a:ext cx="9539640" cy="647640"/>
           </a:xfrm>
           <a:prstGeom prst="rect">
             <a:avLst/>
@@ -2407,6 +2443,9 @@
             <a:noAutofit/>
           </a:bodyPr>
           <a:p>
+            <a:pPr algn="ctr">
+              <a:buNone/>
+            </a:pPr>
             <a:endParaRPr b="0" lang="en-US" sz="4400" spc="-1" strike="noStrike">
               <a:latin typeface="Arial"/>
             </a:endParaRPr>
@@ -2426,7 +2465,7 @@
         <p:spPr>
           <a:xfrm>
             <a:off x="504000" y="1326600"/>
-            <a:ext cx="4426920" cy="1568160"/>
+            <a:ext cx="2160000" cy="1568160"/>
           </a:xfrm>
           <a:prstGeom prst="rect">
             <a:avLst/>
@@ -2459,8 +2498,8 @@
         </p:nvSpPr>
         <p:spPr>
           <a:xfrm>
-            <a:off x="5152680" y="1326600"/>
-            <a:ext cx="4426920" cy="1568160"/>
+            <a:off x="2772360" y="1326600"/>
+            <a:ext cx="2160000" cy="1568160"/>
           </a:xfrm>
           <a:prstGeom prst="rect">
             <a:avLst/>
@@ -2494,7 +2533,7 @@
         <p:spPr>
           <a:xfrm>
             <a:off x="504000" y="3044160"/>
-            <a:ext cx="4426920" cy="1568160"/>
+            <a:ext cx="2160000" cy="1568160"/>
           </a:xfrm>
           <a:prstGeom prst="rect">
             <a:avLst/>
@@ -2527,8 +2566,8 @@
         </p:nvSpPr>
         <p:spPr>
           <a:xfrm>
-            <a:off x="5152680" y="3044160"/>
-            <a:ext cx="4426920" cy="1568160"/>
+            <a:off x="2772360" y="3044160"/>
+            <a:ext cx="2160000" cy="1568160"/>
           </a:xfrm>
           <a:prstGeom prst="rect">
             <a:avLst/>
@@ -2556,7 +2595,7 @@
             <a:spLocks noGrp="1"/>
           </p:cNvSpPr>
           <p:nvPr>
-            <p:ph type="ftr" idx="2"/>
+            <p:ph type="ftr" idx="1"/>
           </p:nvPr>
         </p:nvSpPr>
         <p:spPr/>
@@ -2576,14 +2615,14 @@
             <a:spLocks noGrp="1"/>
           </p:cNvSpPr>
           <p:nvPr>
-            <p:ph type="sldNum" idx="3"/>
+            <p:ph type="sldNum" idx="2"/>
           </p:nvPr>
         </p:nvSpPr>
         <p:spPr/>
         <p:txBody>
           <a:bodyPr/>
           <a:p>
-            <a:fld id="{5AE60D29-CC21-4D37-A163-2F98FED29334}" type="slidenum">
+            <a:fld id="{98ADFE05-BA72-4F98-BD82-AD909B69188F}" type="slidenum">
               <a:t>&lt;#&gt;</a:t>
             </a:fld>
           </a:p>
@@ -2596,7 +2635,7 @@
             <a:spLocks noGrp="1"/>
           </p:cNvSpPr>
           <p:nvPr>
-            <p:ph type="dt" idx="1"/>
+            <p:ph type="dt" idx="3"/>
           </p:nvPr>
         </p:nvSpPr>
         <p:spPr/>
@@ -2645,7 +2684,7 @@
         <p:spPr>
           <a:xfrm>
             <a:off x="144000" y="72000"/>
-            <a:ext cx="9540000" cy="648000"/>
+            <a:ext cx="9539640" cy="647640"/>
           </a:xfrm>
           <a:prstGeom prst="rect">
             <a:avLst/>
@@ -2660,6 +2699,9 @@
             <a:noAutofit/>
           </a:bodyPr>
           <a:p>
+            <a:pPr algn="ctr">
+              <a:buNone/>
+            </a:pPr>
             <a:endParaRPr b="0" lang="en-US" sz="4400" spc="-1" strike="noStrike">
               <a:latin typeface="Arial"/>
             </a:endParaRPr>
@@ -2679,7 +2721,7 @@
         <p:spPr>
           <a:xfrm>
             <a:off x="504000" y="1326600"/>
-            <a:ext cx="2921040" cy="1568160"/>
+            <a:ext cx="1425240" cy="1568160"/>
           </a:xfrm>
           <a:prstGeom prst="rect">
             <a:avLst/>
@@ -2691,7 +2733,7 @@
         </p:spPr>
         <p:txBody>
           <a:bodyPr lIns="0" rIns="0" tIns="0" bIns="0" anchor="t">
-            <a:normAutofit/>
+            <a:normAutofit fontScale="89000"/>
           </a:bodyPr>
           <a:p>
             <a:endParaRPr b="0" lang="en-US" sz="3200" spc="-1" strike="noStrike">
@@ -2712,8 +2754,8 @@
         </p:nvSpPr>
         <p:spPr>
           <a:xfrm>
-            <a:off x="3571560" y="1326600"/>
-            <a:ext cx="2921040" cy="1568160"/>
+            <a:off x="2000880" y="1326600"/>
+            <a:ext cx="1425240" cy="1568160"/>
           </a:xfrm>
           <a:prstGeom prst="rect">
             <a:avLst/>
@@ -2725,7 +2767,7 @@
         </p:spPr>
         <p:txBody>
           <a:bodyPr lIns="0" rIns="0" tIns="0" bIns="0" anchor="t">
-            <a:normAutofit/>
+            <a:normAutofit fontScale="89000"/>
           </a:bodyPr>
           <a:p>
             <a:endParaRPr b="0" lang="en-US" sz="3200" spc="-1" strike="noStrike">
@@ -2746,8 +2788,8 @@
         </p:nvSpPr>
         <p:spPr>
           <a:xfrm>
-            <a:off x="6639120" y="1326600"/>
-            <a:ext cx="2921040" cy="1568160"/>
+            <a:off x="3497760" y="1326600"/>
+            <a:ext cx="1425240" cy="1568160"/>
           </a:xfrm>
           <a:prstGeom prst="rect">
             <a:avLst/>
@@ -2759,7 +2801,7 @@
         </p:spPr>
         <p:txBody>
           <a:bodyPr lIns="0" rIns="0" tIns="0" bIns="0" anchor="t">
-            <a:normAutofit/>
+            <a:normAutofit fontScale="89000"/>
           </a:bodyPr>
           <a:p>
             <a:endParaRPr b="0" lang="en-US" sz="3200" spc="-1" strike="noStrike">
@@ -2781,7 +2823,7 @@
         <p:spPr>
           <a:xfrm>
             <a:off x="504000" y="3044160"/>
-            <a:ext cx="2921040" cy="1568160"/>
+            <a:ext cx="1425240" cy="1568160"/>
           </a:xfrm>
           <a:prstGeom prst="rect">
             <a:avLst/>
@@ -2793,7 +2835,7 @@
         </p:spPr>
         <p:txBody>
           <a:bodyPr lIns="0" rIns="0" tIns="0" bIns="0" anchor="t">
-            <a:normAutofit/>
+            <a:normAutofit fontScale="89000"/>
           </a:bodyPr>
           <a:p>
             <a:endParaRPr b="0" lang="en-US" sz="3200" spc="-1" strike="noStrike">
@@ -2814,8 +2856,8 @@
         </p:nvSpPr>
         <p:spPr>
           <a:xfrm>
-            <a:off x="3571560" y="3044160"/>
-            <a:ext cx="2921040" cy="1568160"/>
+            <a:off x="2000880" y="3044160"/>
+            <a:ext cx="1425240" cy="1568160"/>
           </a:xfrm>
           <a:prstGeom prst="rect">
             <a:avLst/>
@@ -2827,7 +2869,7 @@
         </p:spPr>
         <p:txBody>
           <a:bodyPr lIns="0" rIns="0" tIns="0" bIns="0" anchor="t">
-            <a:normAutofit/>
+            <a:normAutofit fontScale="89000"/>
           </a:bodyPr>
           <a:p>
             <a:endParaRPr b="0" lang="en-US" sz="3200" spc="-1" strike="noStrike">
@@ -2848,8 +2890,8 @@
         </p:nvSpPr>
         <p:spPr>
           <a:xfrm>
-            <a:off x="6639120" y="3044160"/>
-            <a:ext cx="2921040" cy="1568160"/>
+            <a:off x="3497760" y="3044160"/>
+            <a:ext cx="1425240" cy="1568160"/>
           </a:xfrm>
           <a:prstGeom prst="rect">
             <a:avLst/>
@@ -2861,7 +2903,7 @@
         </p:spPr>
         <p:txBody>
           <a:bodyPr lIns="0" rIns="0" tIns="0" bIns="0" anchor="t">
-            <a:normAutofit/>
+            <a:normAutofit fontScale="89000"/>
           </a:bodyPr>
           <a:p>
             <a:endParaRPr b="0" lang="en-US" sz="3200" spc="-1" strike="noStrike">
@@ -2877,7 +2919,7 @@
             <a:spLocks noGrp="1"/>
           </p:cNvSpPr>
           <p:nvPr>
-            <p:ph type="ftr" idx="2"/>
+            <p:ph type="ftr" idx="1"/>
           </p:nvPr>
         </p:nvSpPr>
         <p:spPr/>
@@ -2897,14 +2939,14 @@
             <a:spLocks noGrp="1"/>
           </p:cNvSpPr>
           <p:nvPr>
-            <p:ph type="sldNum" idx="3"/>
+            <p:ph type="sldNum" idx="2"/>
           </p:nvPr>
         </p:nvSpPr>
         <p:spPr/>
         <p:txBody>
           <a:bodyPr/>
           <a:p>
-            <a:fld id="{DBDD56CB-49C4-43FE-BDC8-E16604F60E88}" type="slidenum">
+            <a:fld id="{A89F711E-3FB8-4188-B91F-D62AB042F69F}" type="slidenum">
               <a:t>&lt;#&gt;</a:t>
             </a:fld>
           </a:p>
@@ -2917,7 +2959,7 @@
             <a:spLocks noGrp="1"/>
           </p:cNvSpPr>
           <p:nvPr>
-            <p:ph type="dt" idx="1"/>
+            <p:ph type="dt" idx="3"/>
           </p:nvPr>
         </p:nvSpPr>
         <p:spPr/>
@@ -2960,7 +3002,7 @@
             <a:spLocks noGrp="1"/>
           </p:cNvSpPr>
           <p:nvPr>
-            <p:ph type="ftr" idx="5"/>
+            <p:ph type="ftr" idx="4"/>
           </p:nvPr>
         </p:nvSpPr>
         <p:spPr/>
@@ -2980,14 +3022,14 @@
             <a:spLocks noGrp="1"/>
           </p:cNvSpPr>
           <p:nvPr>
-            <p:ph type="sldNum" idx="6"/>
+            <p:ph type="sldNum" idx="5"/>
           </p:nvPr>
         </p:nvSpPr>
         <p:spPr/>
         <p:txBody>
           <a:bodyPr/>
           <a:p>
-            <a:fld id="{249C321E-457B-407E-925C-D298E48582F8}" type="slidenum">
+            <a:fld id="{C8AD6351-71B4-4ADC-8781-E0A7F51F7567}" type="slidenum">
               <a:t>&lt;#&gt;</a:t>
             </a:fld>
           </a:p>
@@ -3000,7 +3042,7 @@
             <a:spLocks noGrp="1"/>
           </p:cNvSpPr>
           <p:nvPr>
-            <p:ph type="dt" idx="4"/>
+            <p:ph type="dt" idx="6"/>
           </p:nvPr>
         </p:nvSpPr>
         <p:spPr/>
@@ -3038,7 +3080,7 @@
       </p:grpSpPr>
       <p:sp>
         <p:nvSpPr>
-          <p:cNvPr id="101" name="PlaceHolder 1"/>
+          <p:cNvPr id="102" name="PlaceHolder 1"/>
           <p:cNvSpPr>
             <a:spLocks noGrp="1"/>
           </p:cNvSpPr>
@@ -3049,7 +3091,7 @@
         <p:spPr>
           <a:xfrm>
             <a:off x="144000" y="72000"/>
-            <a:ext cx="9540000" cy="648000"/>
+            <a:ext cx="9539640" cy="647640"/>
           </a:xfrm>
           <a:prstGeom prst="rect">
             <a:avLst/>
@@ -3064,6 +3106,9 @@
             <a:noAutofit/>
           </a:bodyPr>
           <a:p>
+            <a:pPr algn="ctr">
+              <a:buNone/>
+            </a:pPr>
             <a:endParaRPr b="0" lang="en-US" sz="4400" spc="-1" strike="noStrike">
               <a:latin typeface="Arial"/>
             </a:endParaRPr>
@@ -3072,7 +3117,7 @@
       </p:sp>
       <p:sp>
         <p:nvSpPr>
-          <p:cNvPr id="102" name="PlaceHolder 2"/>
+          <p:cNvPr id="103" name="PlaceHolder 2"/>
           <p:cNvSpPr>
             <a:spLocks noGrp="1"/>
           </p:cNvSpPr>
@@ -3083,7 +3128,7 @@
         <p:spPr>
           <a:xfrm>
             <a:off x="504000" y="1326600"/>
-            <a:ext cx="9072000" cy="3288240"/>
+            <a:ext cx="4426560" cy="3287880"/>
           </a:xfrm>
           <a:prstGeom prst="rect">
             <a:avLst/>
@@ -3114,7 +3159,7 @@
             <a:spLocks noGrp="1"/>
           </p:cNvSpPr>
           <p:nvPr>
-            <p:ph type="ftr" idx="5"/>
+            <p:ph type="ftr" idx="4"/>
           </p:nvPr>
         </p:nvSpPr>
         <p:spPr/>
@@ -3134,14 +3179,14 @@
             <a:spLocks noGrp="1"/>
           </p:cNvSpPr>
           <p:nvPr>
-            <p:ph type="sldNum" idx="6"/>
+            <p:ph type="sldNum" idx="5"/>
           </p:nvPr>
         </p:nvSpPr>
         <p:spPr/>
         <p:txBody>
           <a:bodyPr/>
           <a:p>
-            <a:fld id="{88E53C2E-48B0-4E1E-AA9E-679A49BC3F32}" type="slidenum">
+            <a:fld id="{161CFA19-1EFF-4462-995F-E51505A50030}" type="slidenum">
               <a:t>&lt;#&gt;</a:t>
             </a:fld>
           </a:p>
@@ -3154,7 +3199,7 @@
             <a:spLocks noGrp="1"/>
           </p:cNvSpPr>
           <p:nvPr>
-            <p:ph type="dt" idx="4"/>
+            <p:ph type="dt" idx="6"/>
           </p:nvPr>
         </p:nvSpPr>
         <p:spPr/>
@@ -3192,7 +3237,7 @@
       </p:grpSpPr>
       <p:sp>
         <p:nvSpPr>
-          <p:cNvPr id="103" name="PlaceHolder 1"/>
+          <p:cNvPr id="104" name="PlaceHolder 1"/>
           <p:cNvSpPr>
             <a:spLocks noGrp="1"/>
           </p:cNvSpPr>
@@ -3203,7 +3248,7 @@
         <p:spPr>
           <a:xfrm>
             <a:off x="144000" y="72000"/>
-            <a:ext cx="9540000" cy="648000"/>
+            <a:ext cx="9539640" cy="647640"/>
           </a:xfrm>
           <a:prstGeom prst="rect">
             <a:avLst/>
@@ -3218,6 +3263,9 @@
             <a:noAutofit/>
           </a:bodyPr>
           <a:p>
+            <a:pPr algn="ctr">
+              <a:buNone/>
+            </a:pPr>
             <a:endParaRPr b="0" lang="en-US" sz="4400" spc="-1" strike="noStrike">
               <a:latin typeface="Arial"/>
             </a:endParaRPr>
@@ -3226,7 +3274,7 @@
       </p:sp>
       <p:sp>
         <p:nvSpPr>
-          <p:cNvPr id="104" name="PlaceHolder 2"/>
+          <p:cNvPr id="105" name="PlaceHolder 2"/>
           <p:cNvSpPr>
             <a:spLocks noGrp="1"/>
           </p:cNvSpPr>
@@ -3237,7 +3285,7 @@
         <p:spPr>
           <a:xfrm>
             <a:off x="504000" y="1326600"/>
-            <a:ext cx="9072000" cy="3288240"/>
+            <a:ext cx="4426560" cy="3287880"/>
           </a:xfrm>
           <a:prstGeom prst="rect">
             <a:avLst/>
@@ -3265,7 +3313,7 @@
             <a:spLocks noGrp="1"/>
           </p:cNvSpPr>
           <p:nvPr>
-            <p:ph type="ftr" idx="5"/>
+            <p:ph type="ftr" idx="4"/>
           </p:nvPr>
         </p:nvSpPr>
         <p:spPr/>
@@ -3285,14 +3333,14 @@
             <a:spLocks noGrp="1"/>
           </p:cNvSpPr>
           <p:nvPr>
-            <p:ph type="sldNum" idx="6"/>
+            <p:ph type="sldNum" idx="5"/>
           </p:nvPr>
         </p:nvSpPr>
         <p:spPr/>
         <p:txBody>
           <a:bodyPr/>
           <a:p>
-            <a:fld id="{AA4762E4-3014-48D5-BF21-7D6544EF6B3F}" type="slidenum">
+            <a:fld id="{D641ED14-A250-483F-8390-38DA0AA9E8E3}" type="slidenum">
               <a:t>&lt;#&gt;</a:t>
             </a:fld>
           </a:p>
@@ -3305,7 +3353,7 @@
             <a:spLocks noGrp="1"/>
           </p:cNvSpPr>
           <p:nvPr>
-            <p:ph type="dt" idx="4"/>
+            <p:ph type="dt" idx="6"/>
           </p:nvPr>
         </p:nvSpPr>
         <p:spPr/>
@@ -3343,7 +3391,7 @@
       </p:grpSpPr>
       <p:sp>
         <p:nvSpPr>
-          <p:cNvPr id="105" name="PlaceHolder 1"/>
+          <p:cNvPr id="106" name="PlaceHolder 1"/>
           <p:cNvSpPr>
             <a:spLocks noGrp="1"/>
           </p:cNvSpPr>
@@ -3354,7 +3402,7 @@
         <p:spPr>
           <a:xfrm>
             <a:off x="144000" y="72000"/>
-            <a:ext cx="9540000" cy="648000"/>
+            <a:ext cx="9539640" cy="647640"/>
           </a:xfrm>
           <a:prstGeom prst="rect">
             <a:avLst/>
@@ -3369,6 +3417,9 @@
             <a:noAutofit/>
           </a:bodyPr>
           <a:p>
+            <a:pPr algn="ctr">
+              <a:buNone/>
+            </a:pPr>
             <a:endParaRPr b="0" lang="en-US" sz="4400" spc="-1" strike="noStrike">
               <a:latin typeface="Arial"/>
             </a:endParaRPr>
@@ -3377,7 +3428,7 @@
       </p:sp>
       <p:sp>
         <p:nvSpPr>
-          <p:cNvPr id="106" name="PlaceHolder 2"/>
+          <p:cNvPr id="107" name="PlaceHolder 2"/>
           <p:cNvSpPr>
             <a:spLocks noGrp="1"/>
           </p:cNvSpPr>
@@ -3388,7 +3439,7 @@
         <p:spPr>
           <a:xfrm>
             <a:off x="504000" y="1326600"/>
-            <a:ext cx="4426920" cy="3288240"/>
+            <a:ext cx="2160000" cy="3287880"/>
           </a:xfrm>
           <a:prstGeom prst="rect">
             <a:avLst/>
@@ -3411,7 +3462,7 @@
       </p:sp>
       <p:sp>
         <p:nvSpPr>
-          <p:cNvPr id="107" name="PlaceHolder 3"/>
+          <p:cNvPr id="108" name="PlaceHolder 3"/>
           <p:cNvSpPr>
             <a:spLocks noGrp="1"/>
           </p:cNvSpPr>
@@ -3421,8 +3472,8 @@
         </p:nvSpPr>
         <p:spPr>
           <a:xfrm>
-            <a:off x="5152680" y="1326600"/>
-            <a:ext cx="4426920" cy="3288240"/>
+            <a:off x="2772360" y="1326600"/>
+            <a:ext cx="2160000" cy="3287880"/>
           </a:xfrm>
           <a:prstGeom prst="rect">
             <a:avLst/>
@@ -3450,7 +3501,7 @@
             <a:spLocks noGrp="1"/>
           </p:cNvSpPr>
           <p:nvPr>
-            <p:ph type="ftr" idx="5"/>
+            <p:ph type="ftr" idx="4"/>
           </p:nvPr>
         </p:nvSpPr>
         <p:spPr/>
@@ -3470,14 +3521,14 @@
             <a:spLocks noGrp="1"/>
           </p:cNvSpPr>
           <p:nvPr>
-            <p:ph type="sldNum" idx="6"/>
+            <p:ph type="sldNum" idx="5"/>
           </p:nvPr>
         </p:nvSpPr>
         <p:spPr/>
         <p:txBody>
           <a:bodyPr/>
           <a:p>
-            <a:fld id="{AF935612-6358-449C-A11C-384A10699F4E}" type="slidenum">
+            <a:fld id="{8A2DB157-225E-449E-B90D-FC564BF98ABC}" type="slidenum">
               <a:t>&lt;#&gt;</a:t>
             </a:fld>
           </a:p>
@@ -3490,7 +3541,7 @@
             <a:spLocks noGrp="1"/>
           </p:cNvSpPr>
           <p:nvPr>
-            <p:ph type="dt" idx="4"/>
+            <p:ph type="dt" idx="6"/>
           </p:nvPr>
         </p:nvSpPr>
         <p:spPr/>
@@ -3528,7 +3579,7 @@
       </p:grpSpPr>
       <p:sp>
         <p:nvSpPr>
-          <p:cNvPr id="108" name="PlaceHolder 1"/>
+          <p:cNvPr id="109" name="PlaceHolder 1"/>
           <p:cNvSpPr>
             <a:spLocks noGrp="1"/>
           </p:cNvSpPr>
@@ -3539,7 +3590,7 @@
         <p:spPr>
           <a:xfrm>
             <a:off x="144000" y="72000"/>
-            <a:ext cx="9540000" cy="648000"/>
+            <a:ext cx="9539640" cy="647640"/>
           </a:xfrm>
           <a:prstGeom prst="rect">
             <a:avLst/>
@@ -3554,6 +3605,9 @@
             <a:noAutofit/>
           </a:bodyPr>
           <a:p>
+            <a:pPr algn="ctr">
+              <a:buNone/>
+            </a:pPr>
             <a:endParaRPr b="0" lang="en-US" sz="4400" spc="-1" strike="noStrike">
               <a:latin typeface="Arial"/>
             </a:endParaRPr>
@@ -3567,7 +3621,7 @@
             <a:spLocks noGrp="1"/>
           </p:cNvSpPr>
           <p:nvPr>
-            <p:ph type="ftr" idx="5"/>
+            <p:ph type="ftr" idx="4"/>
           </p:nvPr>
         </p:nvSpPr>
         <p:spPr/>
@@ -3587,14 +3641,14 @@
             <a:spLocks noGrp="1"/>
           </p:cNvSpPr>
           <p:nvPr>
-            <p:ph type="sldNum" idx="6"/>
+            <p:ph type="sldNum" idx="5"/>
           </p:nvPr>
         </p:nvSpPr>
         <p:spPr/>
         <p:txBody>
           <a:bodyPr/>
           <a:p>
-            <a:fld id="{378107A5-3C69-48F5-820B-F6B5C04564DB}" type="slidenum">
+            <a:fld id="{D9B7BF41-B199-4185-B7BF-3B7CD14011EB}" type="slidenum">
               <a:t>&lt;#&gt;</a:t>
             </a:fld>
           </a:p>
@@ -3607,7 +3661,7 @@
             <a:spLocks noGrp="1"/>
           </p:cNvSpPr>
           <p:nvPr>
-            <p:ph type="dt" idx="4"/>
+            <p:ph type="dt" idx="6"/>
           </p:nvPr>
         </p:nvSpPr>
         <p:spPr/>
@@ -3656,7 +3710,7 @@
         <p:spPr>
           <a:xfrm>
             <a:off x="144000" y="72000"/>
-            <a:ext cx="9540000" cy="648000"/>
+            <a:ext cx="9539640" cy="647640"/>
           </a:xfrm>
           <a:prstGeom prst="rect">
             <a:avLst/>
@@ -3671,6 +3725,9 @@
             <a:noAutofit/>
           </a:bodyPr>
           <a:p>
+            <a:pPr algn="ctr">
+              <a:buNone/>
+            </a:pPr>
             <a:endParaRPr b="0" lang="en-US" sz="4400" spc="-1" strike="noStrike">
               <a:latin typeface="Arial"/>
             </a:endParaRPr>
@@ -3690,7 +3747,7 @@
         <p:spPr>
           <a:xfrm>
             <a:off x="504000" y="1326600"/>
-            <a:ext cx="9072000" cy="3288240"/>
+            <a:ext cx="4426560" cy="3287880"/>
           </a:xfrm>
           <a:prstGeom prst="rect">
             <a:avLst/>
@@ -3735,7 +3792,7 @@
       </p:grpSpPr>
       <p:sp>
         <p:nvSpPr>
-          <p:cNvPr id="109" name="PlaceHolder 1"/>
+          <p:cNvPr id="110" name="PlaceHolder 1"/>
           <p:cNvSpPr>
             <a:spLocks noGrp="1"/>
           </p:cNvSpPr>
@@ -3746,7 +3803,7 @@
         <p:spPr>
           <a:xfrm>
             <a:off x="144000" y="72000"/>
-            <a:ext cx="9540000" cy="3004920"/>
+            <a:ext cx="9539640" cy="3003480"/>
           </a:xfrm>
           <a:prstGeom prst="rect">
             <a:avLst/>
@@ -3777,7 +3834,7 @@
             <a:spLocks noGrp="1"/>
           </p:cNvSpPr>
           <p:nvPr>
-            <p:ph type="ftr" idx="5"/>
+            <p:ph type="ftr" idx="4"/>
           </p:nvPr>
         </p:nvSpPr>
         <p:spPr/>
@@ -3797,14 +3854,14 @@
             <a:spLocks noGrp="1"/>
           </p:cNvSpPr>
           <p:nvPr>
-            <p:ph type="sldNum" idx="6"/>
+            <p:ph type="sldNum" idx="5"/>
           </p:nvPr>
         </p:nvSpPr>
         <p:spPr/>
         <p:txBody>
           <a:bodyPr/>
           <a:p>
-            <a:fld id="{6330B506-F808-4EEE-9047-28DBD57E24C5}" type="slidenum">
+            <a:fld id="{EEA8EF31-DFEB-4D6A-8E5A-7A51463759E0}" type="slidenum">
               <a:t>&lt;#&gt;</a:t>
             </a:fld>
           </a:p>
@@ -3817,7 +3874,7 @@
             <a:spLocks noGrp="1"/>
           </p:cNvSpPr>
           <p:nvPr>
-            <p:ph type="dt" idx="4"/>
+            <p:ph type="dt" idx="6"/>
           </p:nvPr>
         </p:nvSpPr>
         <p:spPr/>
@@ -3855,7 +3912,7 @@
       </p:grpSpPr>
       <p:sp>
         <p:nvSpPr>
-          <p:cNvPr id="110" name="PlaceHolder 1"/>
+          <p:cNvPr id="111" name="PlaceHolder 1"/>
           <p:cNvSpPr>
             <a:spLocks noGrp="1"/>
           </p:cNvSpPr>
@@ -3866,7 +3923,7 @@
         <p:spPr>
           <a:xfrm>
             <a:off x="144000" y="72000"/>
-            <a:ext cx="9540000" cy="648000"/>
+            <a:ext cx="9539640" cy="647640"/>
           </a:xfrm>
           <a:prstGeom prst="rect">
             <a:avLst/>
@@ -3881,6 +3938,9 @@
             <a:noAutofit/>
           </a:bodyPr>
           <a:p>
+            <a:pPr algn="ctr">
+              <a:buNone/>
+            </a:pPr>
             <a:endParaRPr b="0" lang="en-US" sz="4400" spc="-1" strike="noStrike">
               <a:latin typeface="Arial"/>
             </a:endParaRPr>
@@ -3889,7 +3949,7 @@
       </p:sp>
       <p:sp>
         <p:nvSpPr>
-          <p:cNvPr id="111" name="PlaceHolder 2"/>
+          <p:cNvPr id="112" name="PlaceHolder 2"/>
           <p:cNvSpPr>
             <a:spLocks noGrp="1"/>
           </p:cNvSpPr>
@@ -3900,7 +3960,7 @@
         <p:spPr>
           <a:xfrm>
             <a:off x="504000" y="1326600"/>
-            <a:ext cx="4426920" cy="1568160"/>
+            <a:ext cx="2160000" cy="1568160"/>
           </a:xfrm>
           <a:prstGeom prst="rect">
             <a:avLst/>
@@ -3923,7 +3983,7 @@
       </p:sp>
       <p:sp>
         <p:nvSpPr>
-          <p:cNvPr id="112" name="PlaceHolder 3"/>
+          <p:cNvPr id="113" name="PlaceHolder 3"/>
           <p:cNvSpPr>
             <a:spLocks noGrp="1"/>
           </p:cNvSpPr>
@@ -3933,8 +3993,8 @@
         </p:nvSpPr>
         <p:spPr>
           <a:xfrm>
-            <a:off x="5152680" y="1326600"/>
-            <a:ext cx="4426920" cy="3288240"/>
+            <a:off x="2772360" y="1326600"/>
+            <a:ext cx="2160000" cy="3287880"/>
           </a:xfrm>
           <a:prstGeom prst="rect">
             <a:avLst/>
@@ -3957,7 +4017,7 @@
       </p:sp>
       <p:sp>
         <p:nvSpPr>
-          <p:cNvPr id="113" name="PlaceHolder 4"/>
+          <p:cNvPr id="114" name="PlaceHolder 4"/>
           <p:cNvSpPr>
             <a:spLocks noGrp="1"/>
           </p:cNvSpPr>
@@ -3968,7 +4028,7 @@
         <p:spPr>
           <a:xfrm>
             <a:off x="504000" y="3044160"/>
-            <a:ext cx="4426920" cy="1568160"/>
+            <a:ext cx="2160000" cy="1568160"/>
           </a:xfrm>
           <a:prstGeom prst="rect">
             <a:avLst/>
@@ -3996,7 +4056,7 @@
             <a:spLocks noGrp="1"/>
           </p:cNvSpPr>
           <p:nvPr>
-            <p:ph type="ftr" idx="5"/>
+            <p:ph type="ftr" idx="4"/>
           </p:nvPr>
         </p:nvSpPr>
         <p:spPr/>
@@ -4016,14 +4076,14 @@
             <a:spLocks noGrp="1"/>
           </p:cNvSpPr>
           <p:nvPr>
-            <p:ph type="sldNum" idx="6"/>
+            <p:ph type="sldNum" idx="5"/>
           </p:nvPr>
         </p:nvSpPr>
         <p:spPr/>
         <p:txBody>
           <a:bodyPr/>
           <a:p>
-            <a:fld id="{D8FCFE63-2A0D-4D50-AA41-80F17449F0AB}" type="slidenum">
+            <a:fld id="{804DA8C3-07B9-4808-A07E-07B7B9E721A1}" type="slidenum">
               <a:t>&lt;#&gt;</a:t>
             </a:fld>
           </a:p>
@@ -4036,7 +4096,7 @@
             <a:spLocks noGrp="1"/>
           </p:cNvSpPr>
           <p:nvPr>
-            <p:ph type="dt" idx="4"/>
+            <p:ph type="dt" idx="6"/>
           </p:nvPr>
         </p:nvSpPr>
         <p:spPr/>
@@ -4074,7 +4134,7 @@
       </p:grpSpPr>
       <p:sp>
         <p:nvSpPr>
-          <p:cNvPr id="114" name="PlaceHolder 1"/>
+          <p:cNvPr id="115" name="PlaceHolder 1"/>
           <p:cNvSpPr>
             <a:spLocks noGrp="1"/>
           </p:cNvSpPr>
@@ -4085,7 +4145,7 @@
         <p:spPr>
           <a:xfrm>
             <a:off x="144000" y="72000"/>
-            <a:ext cx="9540000" cy="648000"/>
+            <a:ext cx="9539640" cy="647640"/>
           </a:xfrm>
           <a:prstGeom prst="rect">
             <a:avLst/>
@@ -4100,6 +4160,9 @@
             <a:noAutofit/>
           </a:bodyPr>
           <a:p>
+            <a:pPr algn="ctr">
+              <a:buNone/>
+            </a:pPr>
             <a:endParaRPr b="0" lang="en-US" sz="4400" spc="-1" strike="noStrike">
               <a:latin typeface="Arial"/>
             </a:endParaRPr>
@@ -4108,7 +4171,7 @@
       </p:sp>
       <p:sp>
         <p:nvSpPr>
-          <p:cNvPr id="115" name="PlaceHolder 2"/>
+          <p:cNvPr id="116" name="PlaceHolder 2"/>
           <p:cNvSpPr>
             <a:spLocks noGrp="1"/>
           </p:cNvSpPr>
@@ -4119,7 +4182,7 @@
         <p:spPr>
           <a:xfrm>
             <a:off x="504000" y="1326600"/>
-            <a:ext cx="4426920" cy="3288240"/>
+            <a:ext cx="2160000" cy="3287880"/>
           </a:xfrm>
           <a:prstGeom prst="rect">
             <a:avLst/>
@@ -4142,7 +4205,7 @@
       </p:sp>
       <p:sp>
         <p:nvSpPr>
-          <p:cNvPr id="116" name="PlaceHolder 3"/>
+          <p:cNvPr id="117" name="PlaceHolder 3"/>
           <p:cNvSpPr>
             <a:spLocks noGrp="1"/>
           </p:cNvSpPr>
@@ -4152,8 +4215,8 @@
         </p:nvSpPr>
         <p:spPr>
           <a:xfrm>
-            <a:off x="5152680" y="1326600"/>
-            <a:ext cx="4426920" cy="1568160"/>
+            <a:off x="2772360" y="1326600"/>
+            <a:ext cx="2160000" cy="1568160"/>
           </a:xfrm>
           <a:prstGeom prst="rect">
             <a:avLst/>
@@ -4176,7 +4239,7 @@
       </p:sp>
       <p:sp>
         <p:nvSpPr>
-          <p:cNvPr id="117" name="PlaceHolder 4"/>
+          <p:cNvPr id="118" name="PlaceHolder 4"/>
           <p:cNvSpPr>
             <a:spLocks noGrp="1"/>
           </p:cNvSpPr>
@@ -4186,8 +4249,8 @@
         </p:nvSpPr>
         <p:spPr>
           <a:xfrm>
-            <a:off x="5152680" y="3044160"/>
-            <a:ext cx="4426920" cy="1568160"/>
+            <a:off x="2772360" y="3044160"/>
+            <a:ext cx="2160000" cy="1568160"/>
           </a:xfrm>
           <a:prstGeom prst="rect">
             <a:avLst/>
@@ -4215,7 +4278,7 @@
             <a:spLocks noGrp="1"/>
           </p:cNvSpPr>
           <p:nvPr>
-            <p:ph type="ftr" idx="5"/>
+            <p:ph type="ftr" idx="4"/>
           </p:nvPr>
         </p:nvSpPr>
         <p:spPr/>
@@ -4235,14 +4298,14 @@
             <a:spLocks noGrp="1"/>
           </p:cNvSpPr>
           <p:nvPr>
-            <p:ph type="sldNum" idx="6"/>
+            <p:ph type="sldNum" idx="5"/>
           </p:nvPr>
         </p:nvSpPr>
         <p:spPr/>
         <p:txBody>
           <a:bodyPr/>
           <a:p>
-            <a:fld id="{50B9B8A9-BFC4-4EAF-B9CE-4F1AA60FF727}" type="slidenum">
+            <a:fld id="{936B0A30-130A-42FF-8A11-C7920E8F75F2}" type="slidenum">
               <a:t>&lt;#&gt;</a:t>
             </a:fld>
           </a:p>
@@ -4255,7 +4318,7 @@
             <a:spLocks noGrp="1"/>
           </p:cNvSpPr>
           <p:nvPr>
-            <p:ph type="dt" idx="4"/>
+            <p:ph type="dt" idx="6"/>
           </p:nvPr>
         </p:nvSpPr>
         <p:spPr/>
@@ -4293,7 +4356,7 @@
       </p:grpSpPr>
       <p:sp>
         <p:nvSpPr>
-          <p:cNvPr id="118" name="PlaceHolder 1"/>
+          <p:cNvPr id="119" name="PlaceHolder 1"/>
           <p:cNvSpPr>
             <a:spLocks noGrp="1"/>
           </p:cNvSpPr>
@@ -4304,7 +4367,7 @@
         <p:spPr>
           <a:xfrm>
             <a:off x="144000" y="72000"/>
-            <a:ext cx="9540000" cy="648000"/>
+            <a:ext cx="9539640" cy="647640"/>
           </a:xfrm>
           <a:prstGeom prst="rect">
             <a:avLst/>
@@ -4319,6 +4382,9 @@
             <a:noAutofit/>
           </a:bodyPr>
           <a:p>
+            <a:pPr algn="ctr">
+              <a:buNone/>
+            </a:pPr>
             <a:endParaRPr b="0" lang="en-US" sz="4400" spc="-1" strike="noStrike">
               <a:latin typeface="Arial"/>
             </a:endParaRPr>
@@ -4327,7 +4393,7 @@
       </p:sp>
       <p:sp>
         <p:nvSpPr>
-          <p:cNvPr id="119" name="PlaceHolder 2"/>
+          <p:cNvPr id="120" name="PlaceHolder 2"/>
           <p:cNvSpPr>
             <a:spLocks noGrp="1"/>
           </p:cNvSpPr>
@@ -4338,7 +4404,7 @@
         <p:spPr>
           <a:xfrm>
             <a:off x="504000" y="1326600"/>
-            <a:ext cx="4426920" cy="1568160"/>
+            <a:ext cx="2160000" cy="1568160"/>
           </a:xfrm>
           <a:prstGeom prst="rect">
             <a:avLst/>
@@ -4361,7 +4427,7 @@
       </p:sp>
       <p:sp>
         <p:nvSpPr>
-          <p:cNvPr id="120" name="PlaceHolder 3"/>
+          <p:cNvPr id="121" name="PlaceHolder 3"/>
           <p:cNvSpPr>
             <a:spLocks noGrp="1"/>
           </p:cNvSpPr>
@@ -4371,8 +4437,8 @@
         </p:nvSpPr>
         <p:spPr>
           <a:xfrm>
-            <a:off x="5152680" y="1326600"/>
-            <a:ext cx="4426920" cy="1568160"/>
+            <a:off x="2772360" y="1326600"/>
+            <a:ext cx="2160000" cy="1568160"/>
           </a:xfrm>
           <a:prstGeom prst="rect">
             <a:avLst/>
@@ -4395,7 +4461,7 @@
       </p:sp>
       <p:sp>
         <p:nvSpPr>
-          <p:cNvPr id="121" name="PlaceHolder 4"/>
+          <p:cNvPr id="122" name="PlaceHolder 4"/>
           <p:cNvSpPr>
             <a:spLocks noGrp="1"/>
           </p:cNvSpPr>
@@ -4406,7 +4472,7 @@
         <p:spPr>
           <a:xfrm>
             <a:off x="504000" y="3044160"/>
-            <a:ext cx="9072000" cy="1568160"/>
+            <a:ext cx="4426560" cy="1568160"/>
           </a:xfrm>
           <a:prstGeom prst="rect">
             <a:avLst/>
@@ -4434,7 +4500,7 @@
             <a:spLocks noGrp="1"/>
           </p:cNvSpPr>
           <p:nvPr>
-            <p:ph type="ftr" idx="5"/>
+            <p:ph type="ftr" idx="4"/>
           </p:nvPr>
         </p:nvSpPr>
         <p:spPr/>
@@ -4454,14 +4520,14 @@
             <a:spLocks noGrp="1"/>
           </p:cNvSpPr>
           <p:nvPr>
-            <p:ph type="sldNum" idx="6"/>
+            <p:ph type="sldNum" idx="5"/>
           </p:nvPr>
         </p:nvSpPr>
         <p:spPr/>
         <p:txBody>
           <a:bodyPr/>
           <a:p>
-            <a:fld id="{D91D0AED-A817-4FFB-8CB6-1281508246CD}" type="slidenum">
+            <a:fld id="{CA6C32B9-61EC-4ACD-B029-CD67C0A3887E}" type="slidenum">
               <a:t>&lt;#&gt;</a:t>
             </a:fld>
           </a:p>
@@ -4474,7 +4540,7 @@
             <a:spLocks noGrp="1"/>
           </p:cNvSpPr>
           <p:nvPr>
-            <p:ph type="dt" idx="4"/>
+            <p:ph type="dt" idx="6"/>
           </p:nvPr>
         </p:nvSpPr>
         <p:spPr/>
@@ -4512,7 +4578,7 @@
       </p:grpSpPr>
       <p:sp>
         <p:nvSpPr>
-          <p:cNvPr id="122" name="PlaceHolder 1"/>
+          <p:cNvPr id="123" name="PlaceHolder 1"/>
           <p:cNvSpPr>
             <a:spLocks noGrp="1"/>
           </p:cNvSpPr>
@@ -4523,7 +4589,7 @@
         <p:spPr>
           <a:xfrm>
             <a:off x="144000" y="72000"/>
-            <a:ext cx="9540000" cy="648000"/>
+            <a:ext cx="9539640" cy="647640"/>
           </a:xfrm>
           <a:prstGeom prst="rect">
             <a:avLst/>
@@ -4538,6 +4604,9 @@
             <a:noAutofit/>
           </a:bodyPr>
           <a:p>
+            <a:pPr algn="ctr">
+              <a:buNone/>
+            </a:pPr>
             <a:endParaRPr b="0" lang="en-US" sz="4400" spc="-1" strike="noStrike">
               <a:latin typeface="Arial"/>
             </a:endParaRPr>
@@ -4546,7 +4615,7 @@
       </p:sp>
       <p:sp>
         <p:nvSpPr>
-          <p:cNvPr id="123" name="PlaceHolder 2"/>
+          <p:cNvPr id="124" name="PlaceHolder 2"/>
           <p:cNvSpPr>
             <a:spLocks noGrp="1"/>
           </p:cNvSpPr>
@@ -4557,7 +4626,7 @@
         <p:spPr>
           <a:xfrm>
             <a:off x="504000" y="1326600"/>
-            <a:ext cx="9072000" cy="1568160"/>
+            <a:ext cx="4426560" cy="1568160"/>
           </a:xfrm>
           <a:prstGeom prst="rect">
             <a:avLst/>
@@ -4580,7 +4649,7 @@
       </p:sp>
       <p:sp>
         <p:nvSpPr>
-          <p:cNvPr id="124" name="PlaceHolder 3"/>
+          <p:cNvPr id="125" name="PlaceHolder 3"/>
           <p:cNvSpPr>
             <a:spLocks noGrp="1"/>
           </p:cNvSpPr>
@@ -4591,7 +4660,7 @@
         <p:spPr>
           <a:xfrm>
             <a:off x="504000" y="3044160"/>
-            <a:ext cx="9072000" cy="1568160"/>
+            <a:ext cx="4426560" cy="1568160"/>
           </a:xfrm>
           <a:prstGeom prst="rect">
             <a:avLst/>
@@ -4619,7 +4688,7 @@
             <a:spLocks noGrp="1"/>
           </p:cNvSpPr>
           <p:nvPr>
-            <p:ph type="ftr" idx="5"/>
+            <p:ph type="ftr" idx="4"/>
           </p:nvPr>
         </p:nvSpPr>
         <p:spPr/>
@@ -4639,14 +4708,14 @@
             <a:spLocks noGrp="1"/>
           </p:cNvSpPr>
           <p:nvPr>
-            <p:ph type="sldNum" idx="6"/>
+            <p:ph type="sldNum" idx="5"/>
           </p:nvPr>
         </p:nvSpPr>
         <p:spPr/>
         <p:txBody>
           <a:bodyPr/>
           <a:p>
-            <a:fld id="{6AA7579C-EBDC-4650-ABDE-9A127095EF58}" type="slidenum">
+            <a:fld id="{0B75670C-8AEA-4151-8C69-FF3186A5D07F}" type="slidenum">
               <a:t>&lt;#&gt;</a:t>
             </a:fld>
           </a:p>
@@ -4659,7 +4728,7 @@
             <a:spLocks noGrp="1"/>
           </p:cNvSpPr>
           <p:nvPr>
-            <p:ph type="dt" idx="4"/>
+            <p:ph type="dt" idx="6"/>
           </p:nvPr>
         </p:nvSpPr>
         <p:spPr/>
@@ -4697,7 +4766,7 @@
       </p:grpSpPr>
       <p:sp>
         <p:nvSpPr>
-          <p:cNvPr id="125" name="PlaceHolder 1"/>
+          <p:cNvPr id="126" name="PlaceHolder 1"/>
           <p:cNvSpPr>
             <a:spLocks noGrp="1"/>
           </p:cNvSpPr>
@@ -4708,7 +4777,7 @@
         <p:spPr>
           <a:xfrm>
             <a:off x="144000" y="72000"/>
-            <a:ext cx="9540000" cy="648000"/>
+            <a:ext cx="9539640" cy="647640"/>
           </a:xfrm>
           <a:prstGeom prst="rect">
             <a:avLst/>
@@ -4723,6 +4792,9 @@
             <a:noAutofit/>
           </a:bodyPr>
           <a:p>
+            <a:pPr algn="ctr">
+              <a:buNone/>
+            </a:pPr>
             <a:endParaRPr b="0" lang="en-US" sz="4400" spc="-1" strike="noStrike">
               <a:latin typeface="Arial"/>
             </a:endParaRPr>
@@ -4731,7 +4803,7 @@
       </p:sp>
       <p:sp>
         <p:nvSpPr>
-          <p:cNvPr id="126" name="PlaceHolder 2"/>
+          <p:cNvPr id="127" name="PlaceHolder 2"/>
           <p:cNvSpPr>
             <a:spLocks noGrp="1"/>
           </p:cNvSpPr>
@@ -4742,7 +4814,7 @@
         <p:spPr>
           <a:xfrm>
             <a:off x="504000" y="1326600"/>
-            <a:ext cx="4426920" cy="1568160"/>
+            <a:ext cx="2160000" cy="1568160"/>
           </a:xfrm>
           <a:prstGeom prst="rect">
             <a:avLst/>
@@ -4765,7 +4837,7 @@
       </p:sp>
       <p:sp>
         <p:nvSpPr>
-          <p:cNvPr id="127" name="PlaceHolder 3"/>
+          <p:cNvPr id="128" name="PlaceHolder 3"/>
           <p:cNvSpPr>
             <a:spLocks noGrp="1"/>
           </p:cNvSpPr>
@@ -4775,8 +4847,8 @@
         </p:nvSpPr>
         <p:spPr>
           <a:xfrm>
-            <a:off x="5152680" y="1326600"/>
-            <a:ext cx="4426920" cy="1568160"/>
+            <a:off x="2772360" y="1326600"/>
+            <a:ext cx="2160000" cy="1568160"/>
           </a:xfrm>
           <a:prstGeom prst="rect">
             <a:avLst/>
@@ -4799,7 +4871,7 @@
       </p:sp>
       <p:sp>
         <p:nvSpPr>
-          <p:cNvPr id="128" name="PlaceHolder 4"/>
+          <p:cNvPr id="129" name="PlaceHolder 4"/>
           <p:cNvSpPr>
             <a:spLocks noGrp="1"/>
           </p:cNvSpPr>
@@ -4810,7 +4882,7 @@
         <p:spPr>
           <a:xfrm>
             <a:off x="504000" y="3044160"/>
-            <a:ext cx="4426920" cy="1568160"/>
+            <a:ext cx="2160000" cy="1568160"/>
           </a:xfrm>
           <a:prstGeom prst="rect">
             <a:avLst/>
@@ -4833,7 +4905,7 @@
       </p:sp>
       <p:sp>
         <p:nvSpPr>
-          <p:cNvPr id="129" name="PlaceHolder 5"/>
+          <p:cNvPr id="130" name="PlaceHolder 5"/>
           <p:cNvSpPr>
             <a:spLocks noGrp="1"/>
           </p:cNvSpPr>
@@ -4843,8 +4915,8 @@
         </p:nvSpPr>
         <p:spPr>
           <a:xfrm>
-            <a:off x="5152680" y="3044160"/>
-            <a:ext cx="4426920" cy="1568160"/>
+            <a:off x="2772360" y="3044160"/>
+            <a:ext cx="2160000" cy="1568160"/>
           </a:xfrm>
           <a:prstGeom prst="rect">
             <a:avLst/>
@@ -4872,7 +4944,7 @@
             <a:spLocks noGrp="1"/>
           </p:cNvSpPr>
           <p:nvPr>
-            <p:ph type="ftr" idx="5"/>
+            <p:ph type="ftr" idx="4"/>
           </p:nvPr>
         </p:nvSpPr>
         <p:spPr/>
@@ -4892,14 +4964,14 @@
             <a:spLocks noGrp="1"/>
           </p:cNvSpPr>
           <p:nvPr>
-            <p:ph type="sldNum" idx="6"/>
+            <p:ph type="sldNum" idx="5"/>
           </p:nvPr>
         </p:nvSpPr>
         <p:spPr/>
         <p:txBody>
           <a:bodyPr/>
           <a:p>
-            <a:fld id="{4ADF89C3-8869-4FAF-8535-BA86F19CB2AE}" type="slidenum">
+            <a:fld id="{149EDEF3-8597-42A8-AEEA-37D92A154B56}" type="slidenum">
               <a:t>&lt;#&gt;</a:t>
             </a:fld>
           </a:p>
@@ -4912,7 +4984,7 @@
             <a:spLocks noGrp="1"/>
           </p:cNvSpPr>
           <p:nvPr>
-            <p:ph type="dt" idx="4"/>
+            <p:ph type="dt" idx="6"/>
           </p:nvPr>
         </p:nvSpPr>
         <p:spPr/>
@@ -4950,7 +5022,7 @@
       </p:grpSpPr>
       <p:sp>
         <p:nvSpPr>
-          <p:cNvPr id="130" name="PlaceHolder 1"/>
+          <p:cNvPr id="131" name="PlaceHolder 1"/>
           <p:cNvSpPr>
             <a:spLocks noGrp="1"/>
           </p:cNvSpPr>
@@ -4961,7 +5033,7 @@
         <p:spPr>
           <a:xfrm>
             <a:off x="144000" y="72000"/>
-            <a:ext cx="9540000" cy="648000"/>
+            <a:ext cx="9539640" cy="647640"/>
           </a:xfrm>
           <a:prstGeom prst="rect">
             <a:avLst/>
@@ -4976,6 +5048,9 @@
             <a:noAutofit/>
           </a:bodyPr>
           <a:p>
+            <a:pPr algn="ctr">
+              <a:buNone/>
+            </a:pPr>
             <a:endParaRPr b="0" lang="en-US" sz="4400" spc="-1" strike="noStrike">
               <a:latin typeface="Arial"/>
             </a:endParaRPr>
@@ -4984,7 +5059,7 @@
       </p:sp>
       <p:sp>
         <p:nvSpPr>
-          <p:cNvPr id="131" name="PlaceHolder 2"/>
+          <p:cNvPr id="132" name="PlaceHolder 2"/>
           <p:cNvSpPr>
             <a:spLocks noGrp="1"/>
           </p:cNvSpPr>
@@ -4995,7 +5070,7 @@
         <p:spPr>
           <a:xfrm>
             <a:off x="504000" y="1326600"/>
-            <a:ext cx="2921040" cy="1568160"/>
+            <a:ext cx="1425240" cy="1568160"/>
           </a:xfrm>
           <a:prstGeom prst="rect">
             <a:avLst/>
@@ -5007,7 +5082,7 @@
         </p:spPr>
         <p:txBody>
           <a:bodyPr lIns="0" rIns="0" tIns="0" bIns="0" anchor="t">
-            <a:normAutofit/>
+            <a:normAutofit fontScale="89000"/>
           </a:bodyPr>
           <a:p>
             <a:endParaRPr b="0" lang="en-US" sz="3200" spc="-1" strike="noStrike">
@@ -5018,7 +5093,7 @@
       </p:sp>
       <p:sp>
         <p:nvSpPr>
-          <p:cNvPr id="132" name="PlaceHolder 3"/>
+          <p:cNvPr id="133" name="PlaceHolder 3"/>
           <p:cNvSpPr>
             <a:spLocks noGrp="1"/>
           </p:cNvSpPr>
@@ -5028,8 +5103,8 @@
         </p:nvSpPr>
         <p:spPr>
           <a:xfrm>
-            <a:off x="3571560" y="1326600"/>
-            <a:ext cx="2921040" cy="1568160"/>
+            <a:off x="2000880" y="1326600"/>
+            <a:ext cx="1425240" cy="1568160"/>
           </a:xfrm>
           <a:prstGeom prst="rect">
             <a:avLst/>
@@ -5041,7 +5116,7 @@
         </p:spPr>
         <p:txBody>
           <a:bodyPr lIns="0" rIns="0" tIns="0" bIns="0" anchor="t">
-            <a:normAutofit/>
+            <a:normAutofit fontScale="89000"/>
           </a:bodyPr>
           <a:p>
             <a:endParaRPr b="0" lang="en-US" sz="3200" spc="-1" strike="noStrike">
@@ -5052,7 +5127,7 @@
       </p:sp>
       <p:sp>
         <p:nvSpPr>
-          <p:cNvPr id="133" name="PlaceHolder 4"/>
+          <p:cNvPr id="134" name="PlaceHolder 4"/>
           <p:cNvSpPr>
             <a:spLocks noGrp="1"/>
           </p:cNvSpPr>
@@ -5062,8 +5137,8 @@
         </p:nvSpPr>
         <p:spPr>
           <a:xfrm>
-            <a:off x="6639120" y="1326600"/>
-            <a:ext cx="2921040" cy="1568160"/>
+            <a:off x="3497760" y="1326600"/>
+            <a:ext cx="1425240" cy="1568160"/>
           </a:xfrm>
           <a:prstGeom prst="rect">
             <a:avLst/>
@@ -5075,7 +5150,7 @@
         </p:spPr>
         <p:txBody>
           <a:bodyPr lIns="0" rIns="0" tIns="0" bIns="0" anchor="t">
-            <a:normAutofit/>
+            <a:normAutofit fontScale="89000"/>
           </a:bodyPr>
           <a:p>
             <a:endParaRPr b="0" lang="en-US" sz="3200" spc="-1" strike="noStrike">
@@ -5086,7 +5161,7 @@
       </p:sp>
       <p:sp>
         <p:nvSpPr>
-          <p:cNvPr id="134" name="PlaceHolder 5"/>
+          <p:cNvPr id="135" name="PlaceHolder 5"/>
           <p:cNvSpPr>
             <a:spLocks noGrp="1"/>
           </p:cNvSpPr>
@@ -5097,7 +5172,7 @@
         <p:spPr>
           <a:xfrm>
             <a:off x="504000" y="3044160"/>
-            <a:ext cx="2921040" cy="1568160"/>
+            <a:ext cx="1425240" cy="1568160"/>
           </a:xfrm>
           <a:prstGeom prst="rect">
             <a:avLst/>
@@ -5109,7 +5184,7 @@
         </p:spPr>
         <p:txBody>
           <a:bodyPr lIns="0" rIns="0" tIns="0" bIns="0" anchor="t">
-            <a:normAutofit/>
+            <a:normAutofit fontScale="89000"/>
           </a:bodyPr>
           <a:p>
             <a:endParaRPr b="0" lang="en-US" sz="3200" spc="-1" strike="noStrike">
@@ -5120,7 +5195,7 @@
       </p:sp>
       <p:sp>
         <p:nvSpPr>
-          <p:cNvPr id="135" name="PlaceHolder 6"/>
+          <p:cNvPr id="136" name="PlaceHolder 6"/>
           <p:cNvSpPr>
             <a:spLocks noGrp="1"/>
           </p:cNvSpPr>
@@ -5130,8 +5205,8 @@
         </p:nvSpPr>
         <p:spPr>
           <a:xfrm>
-            <a:off x="3571560" y="3044160"/>
-            <a:ext cx="2921040" cy="1568160"/>
+            <a:off x="2000880" y="3044160"/>
+            <a:ext cx="1425240" cy="1568160"/>
           </a:xfrm>
           <a:prstGeom prst="rect">
             <a:avLst/>
@@ -5143,7 +5218,7 @@
         </p:spPr>
         <p:txBody>
           <a:bodyPr lIns="0" rIns="0" tIns="0" bIns="0" anchor="t">
-            <a:normAutofit/>
+            <a:normAutofit fontScale="89000"/>
           </a:bodyPr>
           <a:p>
             <a:endParaRPr b="0" lang="en-US" sz="3200" spc="-1" strike="noStrike">
@@ -5154,7 +5229,7 @@
       </p:sp>
       <p:sp>
         <p:nvSpPr>
-          <p:cNvPr id="136" name="PlaceHolder 7"/>
+          <p:cNvPr id="137" name="PlaceHolder 7"/>
           <p:cNvSpPr>
             <a:spLocks noGrp="1"/>
           </p:cNvSpPr>
@@ -5164,8 +5239,8 @@
         </p:nvSpPr>
         <p:spPr>
           <a:xfrm>
-            <a:off x="6639120" y="3044160"/>
-            <a:ext cx="2921040" cy="1568160"/>
+            <a:off x="3497760" y="3044160"/>
+            <a:ext cx="1425240" cy="1568160"/>
           </a:xfrm>
           <a:prstGeom prst="rect">
             <a:avLst/>
@@ -5177,7 +5252,7 @@
         </p:spPr>
         <p:txBody>
           <a:bodyPr lIns="0" rIns="0" tIns="0" bIns="0" anchor="t">
-            <a:normAutofit/>
+            <a:normAutofit fontScale="89000"/>
           </a:bodyPr>
           <a:p>
             <a:endParaRPr b="0" lang="en-US" sz="3200" spc="-1" strike="noStrike">
@@ -5193,7 +5268,7 @@
             <a:spLocks noGrp="1"/>
           </p:cNvSpPr>
           <p:nvPr>
-            <p:ph type="ftr" idx="5"/>
+            <p:ph type="ftr" idx="4"/>
           </p:nvPr>
         </p:nvSpPr>
         <p:spPr/>
@@ -5213,14 +5288,14 @@
             <a:spLocks noGrp="1"/>
           </p:cNvSpPr>
           <p:nvPr>
-            <p:ph type="sldNum" idx="6"/>
+            <p:ph type="sldNum" idx="5"/>
           </p:nvPr>
         </p:nvSpPr>
         <p:spPr/>
         <p:txBody>
           <a:bodyPr/>
           <a:p>
-            <a:fld id="{BF29D6E7-6247-435E-A9C1-F7D262A72810}" type="slidenum">
+            <a:fld id="{B1ACE4D4-9CEA-4FD1-9E6D-2AD6CFAA0540}" type="slidenum">
               <a:t>&lt;#&gt;</a:t>
             </a:fld>
           </a:p>
@@ -5233,7 +5308,7 @@
             <a:spLocks noGrp="1"/>
           </p:cNvSpPr>
           <p:nvPr>
-            <p:ph type="dt" idx="4"/>
+            <p:ph type="dt" idx="6"/>
           </p:nvPr>
         </p:nvSpPr>
         <p:spPr/>
@@ -5282,7 +5357,7 @@
         <p:spPr>
           <a:xfrm>
             <a:off x="144000" y="72000"/>
-            <a:ext cx="9540000" cy="648000"/>
+            <a:ext cx="9539640" cy="647640"/>
           </a:xfrm>
           <a:prstGeom prst="rect">
             <a:avLst/>
@@ -5297,6 +5372,9 @@
             <a:noAutofit/>
           </a:bodyPr>
           <a:p>
+            <a:pPr algn="ctr">
+              <a:buNone/>
+            </a:pPr>
             <a:endParaRPr b="0" lang="en-US" sz="4400" spc="-1" strike="noStrike">
               <a:latin typeface="Arial"/>
             </a:endParaRPr>
@@ -5316,7 +5394,7 @@
         <p:spPr>
           <a:xfrm>
             <a:off x="504000" y="1326600"/>
-            <a:ext cx="4426920" cy="3288240"/>
+            <a:ext cx="2160000" cy="3287880"/>
           </a:xfrm>
           <a:prstGeom prst="rect">
             <a:avLst/>
@@ -5349,8 +5427,8 @@
         </p:nvSpPr>
         <p:spPr>
           <a:xfrm>
-            <a:off x="5152680" y="1326600"/>
-            <a:ext cx="4426920" cy="3288240"/>
+            <a:off x="2772360" y="1326600"/>
+            <a:ext cx="2160000" cy="3287880"/>
           </a:xfrm>
           <a:prstGeom prst="rect">
             <a:avLst/>
@@ -5406,7 +5484,7 @@
         <p:spPr>
           <a:xfrm>
             <a:off x="144000" y="72000"/>
-            <a:ext cx="9540000" cy="648000"/>
+            <a:ext cx="9539640" cy="647640"/>
           </a:xfrm>
           <a:prstGeom prst="rect">
             <a:avLst/>
@@ -5421,6 +5499,9 @@
             <a:noAutofit/>
           </a:bodyPr>
           <a:p>
+            <a:pPr algn="ctr">
+              <a:buNone/>
+            </a:pPr>
             <a:endParaRPr b="0" lang="en-US" sz="4400" spc="-1" strike="noStrike">
               <a:latin typeface="Arial"/>
             </a:endParaRPr>
@@ -5462,7 +5543,7 @@
         <p:spPr>
           <a:xfrm>
             <a:off x="144000" y="72000"/>
-            <a:ext cx="9540000" cy="3004920"/>
+            <a:ext cx="9539640" cy="3003480"/>
           </a:xfrm>
           <a:prstGeom prst="rect">
             <a:avLst/>
@@ -5521,7 +5602,7 @@
         <p:spPr>
           <a:xfrm>
             <a:off x="144000" y="72000"/>
-            <a:ext cx="9540000" cy="648000"/>
+            <a:ext cx="9539640" cy="647640"/>
           </a:xfrm>
           <a:prstGeom prst="rect">
             <a:avLst/>
@@ -5536,6 +5617,9 @@
             <a:noAutofit/>
           </a:bodyPr>
           <a:p>
+            <a:pPr algn="ctr">
+              <a:buNone/>
+            </a:pPr>
             <a:endParaRPr b="0" lang="en-US" sz="4400" spc="-1" strike="noStrike">
               <a:latin typeface="Arial"/>
             </a:endParaRPr>
@@ -5555,7 +5639,7 @@
         <p:spPr>
           <a:xfrm>
             <a:off x="504000" y="1326600"/>
-            <a:ext cx="4426920" cy="1568160"/>
+            <a:ext cx="2160000" cy="1568160"/>
           </a:xfrm>
           <a:prstGeom prst="rect">
             <a:avLst/>
@@ -5588,8 +5672,8 @@
         </p:nvSpPr>
         <p:spPr>
           <a:xfrm>
-            <a:off x="5152680" y="1326600"/>
-            <a:ext cx="4426920" cy="3288240"/>
+            <a:off x="2772360" y="1326600"/>
+            <a:ext cx="2160000" cy="3287880"/>
           </a:xfrm>
           <a:prstGeom prst="rect">
             <a:avLst/>
@@ -5623,7 +5707,7 @@
         <p:spPr>
           <a:xfrm>
             <a:off x="504000" y="3044160"/>
-            <a:ext cx="4426920" cy="1568160"/>
+            <a:ext cx="2160000" cy="1568160"/>
           </a:xfrm>
           <a:prstGeom prst="rect">
             <a:avLst/>
@@ -5679,7 +5763,7 @@
         <p:spPr>
           <a:xfrm>
             <a:off x="144000" y="72000"/>
-            <a:ext cx="9540000" cy="648000"/>
+            <a:ext cx="9539640" cy="647640"/>
           </a:xfrm>
           <a:prstGeom prst="rect">
             <a:avLst/>
@@ -5694,6 +5778,9 @@
             <a:noAutofit/>
           </a:bodyPr>
           <a:p>
+            <a:pPr algn="ctr">
+              <a:buNone/>
+            </a:pPr>
             <a:endParaRPr b="0" lang="en-US" sz="4400" spc="-1" strike="noStrike">
               <a:latin typeface="Arial"/>
             </a:endParaRPr>
@@ -5713,7 +5800,7 @@
         <p:spPr>
           <a:xfrm>
             <a:off x="504000" y="1326600"/>
-            <a:ext cx="4426920" cy="3288240"/>
+            <a:ext cx="2160000" cy="3287880"/>
           </a:xfrm>
           <a:prstGeom prst="rect">
             <a:avLst/>
@@ -5746,8 +5833,8 @@
         </p:nvSpPr>
         <p:spPr>
           <a:xfrm>
-            <a:off x="5152680" y="1326600"/>
-            <a:ext cx="4426920" cy="1568160"/>
+            <a:off x="2772360" y="1326600"/>
+            <a:ext cx="2160000" cy="1568160"/>
           </a:xfrm>
           <a:prstGeom prst="rect">
             <a:avLst/>
@@ -5780,8 +5867,8 @@
         </p:nvSpPr>
         <p:spPr>
           <a:xfrm>
-            <a:off x="5152680" y="3044160"/>
-            <a:ext cx="4426920" cy="1568160"/>
+            <a:off x="2772360" y="3044160"/>
+            <a:ext cx="2160000" cy="1568160"/>
           </a:xfrm>
           <a:prstGeom prst="rect">
             <a:avLst/>
@@ -5837,7 +5924,7 @@
         <p:spPr>
           <a:xfrm>
             <a:off x="144000" y="72000"/>
-            <a:ext cx="9540000" cy="648000"/>
+            <a:ext cx="9539640" cy="647640"/>
           </a:xfrm>
           <a:prstGeom prst="rect">
             <a:avLst/>
@@ -5852,6 +5939,9 @@
             <a:noAutofit/>
           </a:bodyPr>
           <a:p>
+            <a:pPr algn="ctr">
+              <a:buNone/>
+            </a:pPr>
             <a:endParaRPr b="0" lang="en-US" sz="4400" spc="-1" strike="noStrike">
               <a:latin typeface="Arial"/>
             </a:endParaRPr>
@@ -5871,7 +5961,7 @@
         <p:spPr>
           <a:xfrm>
             <a:off x="504000" y="1326600"/>
-            <a:ext cx="4426920" cy="1568160"/>
+            <a:ext cx="2160000" cy="1568160"/>
           </a:xfrm>
           <a:prstGeom prst="rect">
             <a:avLst/>
@@ -5904,8 +5994,8 @@
         </p:nvSpPr>
         <p:spPr>
           <a:xfrm>
-            <a:off x="5152680" y="1326600"/>
-            <a:ext cx="4426920" cy="1568160"/>
+            <a:off x="2772360" y="1326600"/>
+            <a:ext cx="2160000" cy="1568160"/>
           </a:xfrm>
           <a:prstGeom prst="rect">
             <a:avLst/>
@@ -5939,7 +6029,7 @@
         <p:spPr>
           <a:xfrm>
             <a:off x="504000" y="3044160"/>
-            <a:ext cx="9072000" cy="1568160"/>
+            <a:ext cx="4426560" cy="1568160"/>
           </a:xfrm>
           <a:prstGeom prst="rect">
             <a:avLst/>
@@ -5991,201 +6081,14 @@
       </p:grpSpPr>
       <p:sp>
         <p:nvSpPr>
-          <p:cNvPr id="0" name="PlaceHolder 1"/>
-          <p:cNvSpPr>
-            <a:spLocks noGrp="1"/>
-          </p:cNvSpPr>
-          <p:nvPr>
-            <p:ph type="title"/>
-          </p:nvPr>
-        </p:nvSpPr>
-        <p:spPr>
-          <a:xfrm>
-            <a:off x="144000" y="3888000"/>
-            <a:ext cx="9000000" cy="658440"/>
-          </a:xfrm>
-          <a:prstGeom prst="rect">
-            <a:avLst/>
-          </a:prstGeom>
-          <a:noFill/>
-          <a:ln w="0">
-            <a:noFill/>
-          </a:ln>
-        </p:spPr>
-        <p:txBody>
-          <a:bodyPr lIns="0" rIns="0" tIns="0" bIns="0" anchor="ctr">
-            <a:noAutofit/>
-          </a:bodyPr>
-          <a:p>
-            <a:r>
-              <a:rPr b="0" lang="en-US" sz="4400" spc="-1" strike="noStrike">
-                <a:latin typeface="Arial"/>
-              </a:rPr>
-              <a:t>Click to edit the title text format</a:t>
-            </a:r>
-            <a:endParaRPr b="0" lang="en-US" sz="4400" spc="-1" strike="noStrike">
-              <a:latin typeface="Arial"/>
-            </a:endParaRPr>
-          </a:p>
-        </p:txBody>
-      </p:sp>
-      <p:sp>
-        <p:nvSpPr>
-          <p:cNvPr id="1" name="PlaceHolder 2"/>
-          <p:cNvSpPr>
-            <a:spLocks noGrp="1"/>
-          </p:cNvSpPr>
-          <p:nvPr>
-            <p:ph type="body"/>
-          </p:nvPr>
-        </p:nvSpPr>
-        <p:spPr>
-          <a:xfrm>
-            <a:off x="1584000" y="648000"/>
-            <a:ext cx="6479640" cy="2598840"/>
-          </a:xfrm>
-          <a:prstGeom prst="rect">
-            <a:avLst/>
-          </a:prstGeom>
-          <a:noFill/>
-          <a:ln w="0">
-            <a:noFill/>
-          </a:ln>
-        </p:spPr>
-        <p:txBody>
-          <a:bodyPr lIns="0" rIns="0" tIns="0" bIns="0" anchor="t">
-            <a:normAutofit fontScale="94000"/>
-          </a:bodyPr>
-          <a:p>
-            <a:pPr>
-              <a:spcBef>
-                <a:spcPts val="1417"/>
-              </a:spcBef>
-            </a:pPr>
-            <a:r>
-              <a:rPr b="0" lang="en-US" sz="3200" spc="-1" strike="noStrike">
-                <a:latin typeface="Arial"/>
-              </a:rPr>
-              <a:t>Click to edit the outline </a:t>
-            </a:r>
-            <a:r>
-              <a:rPr b="0" lang="en-US" sz="3200" spc="-1" strike="noStrike">
-                <a:latin typeface="Arial"/>
-              </a:rPr>
-              <a:t>text format</a:t>
-            </a:r>
-            <a:endParaRPr b="0" lang="en-US" sz="3200" spc="-1" strike="noStrike">
-              <a:latin typeface="Arial"/>
-            </a:endParaRPr>
-          </a:p>
-          <a:p>
-            <a:pPr lvl="1">
-              <a:spcBef>
-                <a:spcPts val="1134"/>
-              </a:spcBef>
-            </a:pPr>
-            <a:r>
-              <a:rPr b="0" lang="en-US" sz="2800" spc="-1" strike="noStrike">
-                <a:latin typeface="Arial"/>
-              </a:rPr>
-              <a:t>Second Outline Level</a:t>
-            </a:r>
-            <a:endParaRPr b="0" lang="en-US" sz="2800" spc="-1" strike="noStrike">
-              <a:latin typeface="Arial"/>
-            </a:endParaRPr>
-          </a:p>
-          <a:p>
-            <a:pPr lvl="2">
-              <a:spcBef>
-                <a:spcPts val="850"/>
-              </a:spcBef>
-            </a:pPr>
-            <a:r>
-              <a:rPr b="0" lang="en-US" sz="2400" spc="-1" strike="noStrike">
-                <a:latin typeface="Arial"/>
-              </a:rPr>
-              <a:t>Third Outline Level</a:t>
-            </a:r>
-            <a:endParaRPr b="0" lang="en-US" sz="2400" spc="-1" strike="noStrike">
-              <a:latin typeface="Arial"/>
-            </a:endParaRPr>
-          </a:p>
-          <a:p>
-            <a:pPr lvl="3">
-              <a:spcBef>
-                <a:spcPts val="567"/>
-              </a:spcBef>
-            </a:pPr>
-            <a:r>
-              <a:rPr b="0" lang="en-US" sz="2000" spc="-1" strike="noStrike">
-                <a:latin typeface="Arial"/>
-              </a:rPr>
-              <a:t>Fourth Outline Level</a:t>
-            </a:r>
-            <a:endParaRPr b="0" lang="en-US" sz="2000" spc="-1" strike="noStrike">
-              <a:latin typeface="Arial"/>
-            </a:endParaRPr>
-          </a:p>
-          <a:p>
-            <a:pPr lvl="4">
-              <a:spcBef>
-                <a:spcPts val="283"/>
-              </a:spcBef>
-            </a:pPr>
-            <a:r>
-              <a:rPr b="0" lang="en-US" sz="2000" spc="-1" strike="noStrike">
-                <a:latin typeface="Arial"/>
-              </a:rPr>
-              <a:t>Fifth Outline Level</a:t>
-            </a:r>
-            <a:endParaRPr b="0" lang="en-US" sz="2000" spc="-1" strike="noStrike">
-              <a:latin typeface="Arial"/>
-            </a:endParaRPr>
-          </a:p>
-          <a:p>
-            <a:pPr lvl="5">
-              <a:spcBef>
-                <a:spcPts val="283"/>
-              </a:spcBef>
-            </a:pPr>
-            <a:r>
-              <a:rPr b="0" lang="en-US" sz="2000" spc="-1" strike="noStrike">
-                <a:latin typeface="Arial"/>
-              </a:rPr>
-              <a:t>Sixth Outline Level</a:t>
-            </a:r>
-            <a:endParaRPr b="0" lang="en-US" sz="2000" spc="-1" strike="noStrike">
-              <a:latin typeface="Arial"/>
-            </a:endParaRPr>
-          </a:p>
-          <a:p>
-            <a:pPr lvl="6">
-              <a:spcBef>
-                <a:spcPts val="283"/>
-              </a:spcBef>
-            </a:pPr>
-            <a:r>
-              <a:rPr b="0" lang="en-US" sz="2000" spc="-1" strike="noStrike">
-                <a:latin typeface="Arial"/>
-              </a:rPr>
-              <a:t>Seventh Outline Level</a:t>
-            </a:r>
-            <a:endParaRPr b="0" lang="en-US" sz="2000" spc="-1" strike="noStrike">
-              <a:latin typeface="Arial"/>
-            </a:endParaRPr>
-          </a:p>
-        </p:txBody>
-      </p:sp>
-      <p:sp>
-        <p:nvSpPr>
-          <p:cNvPr id="2" name=""/>
-          <p:cNvSpPr txBox="1"/>
+          <p:cNvPr id="0" name=""/>
+          <p:cNvSpPr/>
           <p:nvPr/>
         </p:nvSpPr>
         <p:spPr>
           <a:xfrm>
             <a:off x="4104000" y="4896000"/>
-            <a:ext cx="4392000" cy="346320"/>
+            <a:ext cx="4391640" cy="345960"/>
           </a:xfrm>
           <a:prstGeom prst="rect">
             <a:avLst/>
@@ -6195,12 +6098,24 @@
             <a:noFill/>
           </a:ln>
         </p:spPr>
+        <p:style>
+          <a:lnRef idx="0"/>
+          <a:fillRef idx="0"/>
+          <a:effectRef idx="0"/>
+          <a:fontRef idx="minor"/>
+        </p:style>
         <p:txBody>
           <a:bodyPr lIns="90000" rIns="90000" tIns="45000" bIns="45000" anchor="t">
             <a:noAutofit/>
           </a:bodyPr>
           <a:p>
-            <a:fld id="{197FFA1C-F6E9-4410-860F-27583213281F}" type="author">
+            <a:pPr>
+              <a:lnSpc>
+                <a:spcPct val="100000"/>
+              </a:lnSpc>
+              <a:buNone/>
+            </a:pPr>
+            <a:fld id="{7672E42C-250F-49E0-8E4A-D0F64822614F}" type="author">
               <a:rPr b="0" lang="en-US" sz="1800" spc="-1" strike="noStrike">
                 <a:latin typeface="Arial"/>
               </a:rPr>
@@ -6214,14 +6129,14 @@
       </p:sp>
       <p:sp>
         <p:nvSpPr>
-          <p:cNvPr id="3" name=""/>
+          <p:cNvPr id="1" name=""/>
           <p:cNvSpPr/>
           <p:nvPr/>
         </p:nvSpPr>
         <p:spPr>
           <a:xfrm>
             <a:off x="25920" y="4628880"/>
-            <a:ext cx="6120000" cy="18000"/>
+            <a:ext cx="6119640" cy="17640"/>
           </a:xfrm>
           <a:custGeom>
             <a:avLst/>
@@ -6274,14 +6189,14 @@
       </p:sp>
       <p:sp>
         <p:nvSpPr>
-          <p:cNvPr id="4" name=""/>
+          <p:cNvPr id="2" name=""/>
           <p:cNvSpPr/>
           <p:nvPr/>
         </p:nvSpPr>
         <p:spPr>
           <a:xfrm>
             <a:off x="3859200" y="5324400"/>
-            <a:ext cx="6240240" cy="7200"/>
+            <a:ext cx="6239880" cy="6840"/>
           </a:xfrm>
           <a:custGeom>
             <a:avLst/>
@@ -6334,14 +6249,14 @@
       </p:sp>
       <p:sp>
         <p:nvSpPr>
-          <p:cNvPr id="5" name=""/>
+          <p:cNvPr id="3" name=""/>
           <p:cNvSpPr/>
           <p:nvPr/>
         </p:nvSpPr>
         <p:spPr>
           <a:xfrm>
             <a:off x="4044960" y="4944960"/>
-            <a:ext cx="7200" cy="487440"/>
+            <a:ext cx="6840" cy="487080"/>
           </a:xfrm>
           <a:custGeom>
             <a:avLst/>
@@ -6383,6 +6298,253 @@
           <a:effectRef idx="0"/>
           <a:fontRef idx="minor"/>
         </p:style>
+      </p:sp>
+      <p:sp>
+        <p:nvSpPr>
+          <p:cNvPr id="4" name="PlaceHolder 1"/>
+          <p:cNvSpPr>
+            <a:spLocks noGrp="1"/>
+          </p:cNvSpPr>
+          <p:nvPr>
+            <p:ph type="title"/>
+          </p:nvPr>
+        </p:nvSpPr>
+        <p:spPr>
+          <a:xfrm>
+            <a:off x="144000" y="72000"/>
+            <a:ext cx="9539640" cy="647640"/>
+          </a:xfrm>
+          <a:prstGeom prst="rect">
+            <a:avLst/>
+          </a:prstGeom>
+          <a:noFill/>
+          <a:ln w="0">
+            <a:noFill/>
+          </a:ln>
+        </p:spPr>
+        <p:txBody>
+          <a:bodyPr lIns="0" rIns="0" tIns="0" bIns="0" anchor="ctr">
+            <a:noAutofit/>
+          </a:bodyPr>
+          <a:p>
+            <a:r>
+              <a:rPr b="0" lang="en-US" sz="1800" spc="-1" strike="noStrike">
+                <a:latin typeface="Arial"/>
+              </a:rPr>
+              <a:t>Click to edit the title text format</a:t>
+            </a:r>
+            <a:endParaRPr b="0" lang="en-US" sz="1800" spc="-1" strike="noStrike">
+              <a:latin typeface="Arial"/>
+            </a:endParaRPr>
+          </a:p>
+        </p:txBody>
+      </p:sp>
+      <p:sp>
+        <p:nvSpPr>
+          <p:cNvPr id="5" name="PlaceHolder 2"/>
+          <p:cNvSpPr>
+            <a:spLocks noGrp="1"/>
+          </p:cNvSpPr>
+          <p:nvPr>
+            <p:ph type="body"/>
+          </p:nvPr>
+        </p:nvSpPr>
+        <p:spPr>
+          <a:xfrm>
+            <a:off x="504000" y="1326600"/>
+            <a:ext cx="9072000" cy="3288600"/>
+          </a:xfrm>
+          <a:prstGeom prst="rect">
+            <a:avLst/>
+          </a:prstGeom>
+          <a:noFill/>
+          <a:ln w="0">
+            <a:noFill/>
+          </a:ln>
+        </p:spPr>
+        <p:txBody>
+          <a:bodyPr lIns="0" rIns="0" tIns="0" bIns="0" anchor="t">
+            <a:normAutofit/>
+          </a:bodyPr>
+          <a:p>
+            <a:pPr marL="432000" indent="-324000">
+              <a:spcBef>
+                <a:spcPts val="1417"/>
+              </a:spcBef>
+              <a:buClr>
+                <a:srgbClr val="ffffff"/>
+              </a:buClr>
+              <a:buSzPct val="45000"/>
+              <a:buFont typeface="Wingdings" charset="2"/>
+              <a:buChar char=""/>
+            </a:pPr>
+            <a:r>
+              <a:rPr b="0" lang="en-US" sz="3200" spc="-1" strike="noStrike">
+                <a:latin typeface="Arial"/>
+              </a:rPr>
+              <a:t>Click to edit the </a:t>
+            </a:r>
+            <a:r>
+              <a:rPr b="0" lang="en-US" sz="3200" spc="-1" strike="noStrike">
+                <a:latin typeface="Arial"/>
+              </a:rPr>
+              <a:t>outline text format</a:t>
+            </a:r>
+            <a:endParaRPr b="0" lang="en-US" sz="3200" spc="-1" strike="noStrike">
+              <a:latin typeface="Arial"/>
+            </a:endParaRPr>
+          </a:p>
+          <a:p>
+            <a:pPr lvl="1" marL="864000" indent="-324000">
+              <a:spcBef>
+                <a:spcPts val="1134"/>
+              </a:spcBef>
+              <a:buClr>
+                <a:srgbClr val="ffffff"/>
+              </a:buClr>
+              <a:buSzPct val="75000"/>
+              <a:buFont typeface="Symbol" charset="2"/>
+              <a:buChar char=""/>
+            </a:pPr>
+            <a:r>
+              <a:rPr b="0" lang="en-US" sz="2800" spc="-1" strike="noStrike">
+                <a:latin typeface="Arial"/>
+              </a:rPr>
+              <a:t>Second Outline Level</a:t>
+            </a:r>
+            <a:endParaRPr b="0" lang="en-US" sz="2800" spc="-1" strike="noStrike">
+              <a:latin typeface="Arial"/>
+            </a:endParaRPr>
+          </a:p>
+          <a:p>
+            <a:pPr lvl="2" marL="1296000" indent="-288000">
+              <a:spcBef>
+                <a:spcPts val="850"/>
+              </a:spcBef>
+              <a:buClr>
+                <a:srgbClr val="ffffff"/>
+              </a:buClr>
+              <a:buSzPct val="45000"/>
+              <a:buFont typeface="Wingdings" charset="2"/>
+              <a:buChar char=""/>
+            </a:pPr>
+            <a:r>
+              <a:rPr b="0" lang="en-US" sz="2400" spc="-1" strike="noStrike">
+                <a:latin typeface="Arial"/>
+              </a:rPr>
+              <a:t>Third Outline Level</a:t>
+            </a:r>
+            <a:endParaRPr b="0" lang="en-US" sz="2400" spc="-1" strike="noStrike">
+              <a:latin typeface="Arial"/>
+            </a:endParaRPr>
+          </a:p>
+          <a:p>
+            <a:pPr lvl="3" marL="1728000" indent="-216000">
+              <a:spcBef>
+                <a:spcPts val="567"/>
+              </a:spcBef>
+              <a:buClr>
+                <a:srgbClr val="ffffff"/>
+              </a:buClr>
+              <a:buSzPct val="75000"/>
+              <a:buFont typeface="Symbol" charset="2"/>
+              <a:buChar char=""/>
+            </a:pPr>
+            <a:r>
+              <a:rPr b="0" lang="en-US" sz="2000" spc="-1" strike="noStrike">
+                <a:latin typeface="Arial"/>
+              </a:rPr>
+              <a:t>Fourth Outline Level</a:t>
+            </a:r>
+            <a:endParaRPr b="0" lang="en-US" sz="2000" spc="-1" strike="noStrike">
+              <a:latin typeface="Arial"/>
+            </a:endParaRPr>
+          </a:p>
+          <a:p>
+            <a:pPr lvl="4" marL="2160000" indent="-216000">
+              <a:spcBef>
+                <a:spcPts val="283"/>
+              </a:spcBef>
+              <a:buClr>
+                <a:srgbClr val="ffffff"/>
+              </a:buClr>
+              <a:buSzPct val="45000"/>
+              <a:buFont typeface="Wingdings" charset="2"/>
+              <a:buChar char=""/>
+            </a:pPr>
+            <a:r>
+              <a:rPr b="0" lang="en-US" sz="2000" spc="-1" strike="noStrike">
+                <a:latin typeface="Arial"/>
+              </a:rPr>
+              <a:t>Fifth Outline Level</a:t>
+            </a:r>
+            <a:endParaRPr b="0" lang="en-US" sz="2000" spc="-1" strike="noStrike">
+              <a:latin typeface="Arial"/>
+            </a:endParaRPr>
+          </a:p>
+          <a:p>
+            <a:pPr lvl="5" marL="2592000" indent="-216000">
+              <a:spcBef>
+                <a:spcPts val="283"/>
+              </a:spcBef>
+              <a:buClr>
+                <a:srgbClr val="ffffff"/>
+              </a:buClr>
+              <a:buSzPct val="45000"/>
+              <a:buFont typeface="Wingdings" charset="2"/>
+              <a:buChar char=""/>
+            </a:pPr>
+            <a:r>
+              <a:rPr b="0" lang="en-US" sz="2000" spc="-1" strike="noStrike">
+                <a:latin typeface="Arial"/>
+              </a:rPr>
+              <a:t>Sixth Outline </a:t>
+            </a:r>
+            <a:r>
+              <a:rPr b="0" lang="en-US" sz="2000" spc="-1" strike="noStrike">
+                <a:latin typeface="Arial"/>
+              </a:rPr>
+              <a:t>Level</a:t>
+            </a:r>
+            <a:endParaRPr b="0" lang="en-US" sz="2000" spc="-1" strike="noStrike">
+              <a:latin typeface="Arial"/>
+            </a:endParaRPr>
+          </a:p>
+          <a:p>
+            <a:pPr lvl="6" marL="3024000" indent="-216000">
+              <a:spcBef>
+                <a:spcPts val="283"/>
+              </a:spcBef>
+              <a:buClr>
+                <a:srgbClr val="ffffff"/>
+              </a:buClr>
+              <a:buSzPct val="45000"/>
+              <a:buFont typeface="Wingdings" charset="2"/>
+              <a:buChar char=""/>
+            </a:pPr>
+            <a:r>
+              <a:rPr b="0" lang="en-US" sz="2000" spc="-1" strike="noStrike">
+                <a:latin typeface="Arial"/>
+              </a:rPr>
+              <a:t>Seventh </a:t>
+            </a:r>
+            <a:r>
+              <a:rPr b="0" lang="en-US" sz="2000" spc="-1" strike="noStrike">
+                <a:latin typeface="Arial"/>
+              </a:rPr>
+              <a:t>Outline </a:t>
+            </a:r>
+            <a:r>
+              <a:rPr b="0" lang="en-US" sz="2000" spc="-1" strike="noStrike">
+                <a:latin typeface="Arial"/>
+              </a:rPr>
+              <a:t>Level</a:t>
+            </a:r>
+            <a:endParaRPr b="0" lang="en-US" sz="2000" spc="-1" strike="noStrike">
+              <a:latin typeface="Arial"/>
+            </a:endParaRPr>
+          </a:p>
+        </p:txBody>
       </p:sp>
     </p:spTree>
   </p:cSld>
@@ -6430,410 +6592,14 @@
       </p:grpSpPr>
       <p:sp>
         <p:nvSpPr>
-          <p:cNvPr id="42" name="PlaceHolder 1"/>
-          <p:cNvSpPr>
-            <a:spLocks noGrp="1"/>
-          </p:cNvSpPr>
-          <p:nvPr>
-            <p:ph type="title"/>
-          </p:nvPr>
-        </p:nvSpPr>
-        <p:spPr>
-          <a:xfrm>
-            <a:off x="144000" y="72000"/>
-            <a:ext cx="9540000" cy="648000"/>
-          </a:xfrm>
-          <a:prstGeom prst="rect">
-            <a:avLst/>
-          </a:prstGeom>
-          <a:noFill/>
-          <a:ln w="0">
-            <a:noFill/>
-          </a:ln>
-        </p:spPr>
-        <p:txBody>
-          <a:bodyPr lIns="0" rIns="0" tIns="0" bIns="0" anchor="ctr">
-            <a:noAutofit/>
-          </a:bodyPr>
-          <a:p>
-            <a:r>
-              <a:rPr b="0" lang="en-US" sz="4400" spc="-1" strike="noStrike">
-                <a:latin typeface="Arial"/>
-              </a:rPr>
-              <a:t>Click to edit the title text format</a:t>
-            </a:r>
-            <a:endParaRPr b="0" lang="en-US" sz="4400" spc="-1" strike="noStrike">
-              <a:latin typeface="Arial"/>
-            </a:endParaRPr>
-          </a:p>
-        </p:txBody>
-      </p:sp>
-      <p:sp>
-        <p:nvSpPr>
-          <p:cNvPr id="43" name="PlaceHolder 2"/>
-          <p:cNvSpPr>
-            <a:spLocks noGrp="1"/>
-          </p:cNvSpPr>
-          <p:nvPr>
-            <p:ph type="body"/>
-          </p:nvPr>
-        </p:nvSpPr>
-        <p:spPr>
-          <a:xfrm>
-            <a:off x="504000" y="1326600"/>
-            <a:ext cx="9071640" cy="3288240"/>
-          </a:xfrm>
-          <a:prstGeom prst="rect">
-            <a:avLst/>
-          </a:prstGeom>
-          <a:noFill/>
-          <a:ln w="0">
-            <a:noFill/>
-          </a:ln>
-        </p:spPr>
-        <p:txBody>
-          <a:bodyPr lIns="0" rIns="0" tIns="0" bIns="0" anchor="t">
-            <a:normAutofit/>
-          </a:bodyPr>
-          <a:p>
-            <a:pPr marL="432000" indent="-324000">
-              <a:spcBef>
-                <a:spcPts val="1417"/>
-              </a:spcBef>
-              <a:buClr>
-                <a:srgbClr val="ffffff"/>
-              </a:buClr>
-              <a:buSzPct val="45000"/>
-              <a:buFont typeface="Wingdings" charset="2"/>
-              <a:buChar char=""/>
-            </a:pPr>
-            <a:r>
-              <a:rPr b="0" lang="en-US" sz="3200" spc="-1" strike="noStrike">
-                <a:latin typeface="Arial"/>
-              </a:rPr>
-              <a:t>Click to edit the </a:t>
-            </a:r>
-            <a:r>
-              <a:rPr b="0" lang="en-US" sz="3200" spc="-1" strike="noStrike">
-                <a:latin typeface="Arial"/>
-              </a:rPr>
-              <a:t>outline text format</a:t>
-            </a:r>
-            <a:endParaRPr b="0" lang="en-US" sz="3200" spc="-1" strike="noStrike">
-              <a:latin typeface="Arial"/>
-            </a:endParaRPr>
-          </a:p>
-          <a:p>
-            <a:pPr lvl="1" marL="864000" indent="-324000">
-              <a:spcBef>
-                <a:spcPts val="1134"/>
-              </a:spcBef>
-              <a:buClr>
-                <a:srgbClr val="ffffff"/>
-              </a:buClr>
-              <a:buSzPct val="75000"/>
-              <a:buFont typeface="Symbol" charset="2"/>
-              <a:buChar char=""/>
-            </a:pPr>
-            <a:r>
-              <a:rPr b="0" lang="en-US" sz="2800" spc="-1" strike="noStrike">
-                <a:latin typeface="Arial"/>
-              </a:rPr>
-              <a:t>Second Outline Level</a:t>
-            </a:r>
-            <a:endParaRPr b="0" lang="en-US" sz="2800" spc="-1" strike="noStrike">
-              <a:latin typeface="Arial"/>
-            </a:endParaRPr>
-          </a:p>
-          <a:p>
-            <a:pPr lvl="2" marL="1296000" indent="-288000">
-              <a:spcBef>
-                <a:spcPts val="850"/>
-              </a:spcBef>
-              <a:buClr>
-                <a:srgbClr val="ffffff"/>
-              </a:buClr>
-              <a:buSzPct val="45000"/>
-              <a:buFont typeface="Wingdings" charset="2"/>
-              <a:buChar char=""/>
-            </a:pPr>
-            <a:r>
-              <a:rPr b="0" lang="en-US" sz="2400" spc="-1" strike="noStrike">
-                <a:latin typeface="Arial"/>
-              </a:rPr>
-              <a:t>Third Outline Level</a:t>
-            </a:r>
-            <a:endParaRPr b="0" lang="en-US" sz="2400" spc="-1" strike="noStrike">
-              <a:latin typeface="Arial"/>
-            </a:endParaRPr>
-          </a:p>
-          <a:p>
-            <a:pPr lvl="3" marL="1728000" indent="-216000">
-              <a:spcBef>
-                <a:spcPts val="567"/>
-              </a:spcBef>
-              <a:buClr>
-                <a:srgbClr val="ffffff"/>
-              </a:buClr>
-              <a:buSzPct val="75000"/>
-              <a:buFont typeface="Symbol" charset="2"/>
-              <a:buChar char=""/>
-            </a:pPr>
-            <a:r>
-              <a:rPr b="0" lang="en-US" sz="2000" spc="-1" strike="noStrike">
-                <a:latin typeface="Arial"/>
-              </a:rPr>
-              <a:t>Fourth Outline Level</a:t>
-            </a:r>
-            <a:endParaRPr b="0" lang="en-US" sz="2000" spc="-1" strike="noStrike">
-              <a:latin typeface="Arial"/>
-            </a:endParaRPr>
-          </a:p>
-          <a:p>
-            <a:pPr lvl="4" marL="2160000" indent="-216000">
-              <a:spcBef>
-                <a:spcPts val="283"/>
-              </a:spcBef>
-              <a:buClr>
-                <a:srgbClr val="ffffff"/>
-              </a:buClr>
-              <a:buSzPct val="45000"/>
-              <a:buFont typeface="Wingdings" charset="2"/>
-              <a:buChar char=""/>
-            </a:pPr>
-            <a:r>
-              <a:rPr b="0" lang="en-US" sz="2000" spc="-1" strike="noStrike">
-                <a:latin typeface="Arial"/>
-              </a:rPr>
-              <a:t>Fifth Outline Level</a:t>
-            </a:r>
-            <a:endParaRPr b="0" lang="en-US" sz="2000" spc="-1" strike="noStrike">
-              <a:latin typeface="Arial"/>
-            </a:endParaRPr>
-          </a:p>
-          <a:p>
-            <a:pPr lvl="5" marL="2592000" indent="-216000">
-              <a:spcBef>
-                <a:spcPts val="283"/>
-              </a:spcBef>
-              <a:buClr>
-                <a:srgbClr val="ffffff"/>
-              </a:buClr>
-              <a:buSzPct val="45000"/>
-              <a:buFont typeface="Wingdings" charset="2"/>
-              <a:buChar char=""/>
-            </a:pPr>
-            <a:r>
-              <a:rPr b="0" lang="en-US" sz="2000" spc="-1" strike="noStrike">
-                <a:latin typeface="Arial"/>
-              </a:rPr>
-              <a:t>Sixth Outline </a:t>
-            </a:r>
-            <a:r>
-              <a:rPr b="0" lang="en-US" sz="2000" spc="-1" strike="noStrike">
-                <a:latin typeface="Arial"/>
-              </a:rPr>
-              <a:t>Level</a:t>
-            </a:r>
-            <a:endParaRPr b="0" lang="en-US" sz="2000" spc="-1" strike="noStrike">
-              <a:latin typeface="Arial"/>
-            </a:endParaRPr>
-          </a:p>
-          <a:p>
-            <a:pPr lvl="6" marL="3024000" indent="-216000">
-              <a:spcBef>
-                <a:spcPts val="283"/>
-              </a:spcBef>
-              <a:buClr>
-                <a:srgbClr val="ffffff"/>
-              </a:buClr>
-              <a:buSzPct val="45000"/>
-              <a:buFont typeface="Wingdings" charset="2"/>
-              <a:buChar char=""/>
-            </a:pPr>
-            <a:r>
-              <a:rPr b="0" lang="en-US" sz="2000" spc="-1" strike="noStrike">
-                <a:latin typeface="Arial"/>
-              </a:rPr>
-              <a:t>Seventh </a:t>
-            </a:r>
-            <a:r>
-              <a:rPr b="0" lang="en-US" sz="2000" spc="-1" strike="noStrike">
-                <a:latin typeface="Arial"/>
-              </a:rPr>
-              <a:t>Outline </a:t>
-            </a:r>
-            <a:r>
-              <a:rPr b="0" lang="en-US" sz="2000" spc="-1" strike="noStrike">
-                <a:latin typeface="Arial"/>
-              </a:rPr>
-              <a:t>Level</a:t>
-            </a:r>
-            <a:endParaRPr b="0" lang="en-US" sz="2000" spc="-1" strike="noStrike">
-              <a:latin typeface="Arial"/>
-            </a:endParaRPr>
-          </a:p>
-        </p:txBody>
-      </p:sp>
-      <p:sp>
-        <p:nvSpPr>
-          <p:cNvPr id="44" name="PlaceHolder 3"/>
-          <p:cNvSpPr>
-            <a:spLocks noGrp="1"/>
-          </p:cNvSpPr>
-          <p:nvPr>
-            <p:ph type="dt" idx="1"/>
-          </p:nvPr>
-        </p:nvSpPr>
-        <p:spPr>
-          <a:xfrm>
-            <a:off x="504000" y="5256000"/>
-            <a:ext cx="1656000" cy="410400"/>
-          </a:xfrm>
-          <a:prstGeom prst="rect">
-            <a:avLst/>
-          </a:prstGeom>
-          <a:noFill/>
-          <a:ln w="0">
-            <a:noFill/>
-          </a:ln>
-        </p:spPr>
-        <p:txBody>
-          <a:bodyPr lIns="0" rIns="0" tIns="0" bIns="0" anchor="t">
-            <a:noAutofit/>
-          </a:bodyPr>
-          <a:lstStyle>
-            <a:lvl1pPr>
-              <a:defRPr b="0" lang="en-US" sz="1400" spc="-1" strike="noStrike">
-                <a:latin typeface="Arial"/>
-              </a:defRPr>
-            </a:lvl1pPr>
-          </a:lstStyle>
-          <a:p>
-            <a:r>
-              <a:rPr b="0" lang="en-US" sz="1400" spc="-1" strike="noStrike">
-                <a:latin typeface="Arial"/>
-              </a:rPr>
-              <a:t>&lt;date/time&gt;</a:t>
-            </a:r>
-            <a:endParaRPr b="0" lang="en-US" sz="1400" spc="-1" strike="noStrike">
-              <a:latin typeface="Arial"/>
-            </a:endParaRPr>
-          </a:p>
-        </p:txBody>
-      </p:sp>
-      <p:sp>
-        <p:nvSpPr>
-          <p:cNvPr id="45" name="PlaceHolder 4"/>
-          <p:cNvSpPr>
-            <a:spLocks noGrp="1"/>
-          </p:cNvSpPr>
-          <p:nvPr>
-            <p:ph type="ftr" idx="2"/>
-          </p:nvPr>
-        </p:nvSpPr>
-        <p:spPr>
-          <a:xfrm>
-            <a:off x="2520000" y="5256000"/>
-            <a:ext cx="4680000" cy="410400"/>
-          </a:xfrm>
-          <a:prstGeom prst="rect">
-            <a:avLst/>
-          </a:prstGeom>
-          <a:noFill/>
-          <a:ln w="0">
-            <a:noFill/>
-          </a:ln>
-        </p:spPr>
-        <p:txBody>
-          <a:bodyPr lIns="0" rIns="0" tIns="0" bIns="0" anchor="t">
-            <a:noAutofit/>
-          </a:bodyPr>
-          <a:lstStyle>
-            <a:lvl1pPr algn="ctr">
-              <a:buNone/>
-              <a:defRPr b="0" lang="en-US" sz="1400" spc="-1" strike="noStrike">
-                <a:latin typeface="Arial"/>
-              </a:defRPr>
-            </a:lvl1pPr>
-          </a:lstStyle>
-          <a:p>
-            <a:pPr algn="ctr">
-              <a:buNone/>
-            </a:pPr>
-            <a:r>
-              <a:rPr b="0" lang="en-US" sz="1400" spc="-1" strike="noStrike">
-                <a:latin typeface="Arial"/>
-              </a:rPr>
-              <a:t>&lt;footer&gt;</a:t>
-            </a:r>
-            <a:endParaRPr b="0" lang="en-US" sz="1400" spc="-1" strike="noStrike">
-              <a:latin typeface="Arial"/>
-            </a:endParaRPr>
-          </a:p>
-        </p:txBody>
-      </p:sp>
-      <p:sp>
-        <p:nvSpPr>
-          <p:cNvPr id="46" name="PlaceHolder 5"/>
-          <p:cNvSpPr>
-            <a:spLocks noGrp="1"/>
-          </p:cNvSpPr>
-          <p:nvPr>
-            <p:ph type="sldNum" idx="3"/>
-          </p:nvPr>
-        </p:nvSpPr>
-        <p:spPr>
-          <a:xfrm>
-            <a:off x="7560000" y="5256000"/>
-            <a:ext cx="1620000" cy="410400"/>
-          </a:xfrm>
-          <a:prstGeom prst="rect">
-            <a:avLst/>
-          </a:prstGeom>
-          <a:noFill/>
-          <a:ln w="0">
-            <a:noFill/>
-          </a:ln>
-        </p:spPr>
-        <p:txBody>
-          <a:bodyPr lIns="0" rIns="0" tIns="0" bIns="0" anchor="t">
-            <a:noAutofit/>
-          </a:bodyPr>
-          <a:lstStyle>
-            <a:lvl1pPr algn="r">
-              <a:buNone/>
-              <a:defRPr b="0" lang="en-US" sz="1400" spc="-1" strike="noStrike">
-                <a:latin typeface="Arial"/>
-              </a:defRPr>
-            </a:lvl1pPr>
-          </a:lstStyle>
-          <a:p>
-            <a:pPr algn="r">
-              <a:buNone/>
-            </a:pPr>
-            <a:fld id="{6076D2A4-B832-40D3-AC76-679C2C168476}" type="slidenum">
-              <a:rPr b="0" lang="en-US" sz="1400" spc="-1" strike="noStrike">
-                <a:latin typeface="Arial"/>
-              </a:rPr>
-              <a:t>&lt;number&gt;</a:t>
-            </a:fld>
-            <a:endParaRPr b="0" lang="en-US" sz="1400" spc="-1" strike="noStrike">
-              <a:latin typeface="Arial"/>
-            </a:endParaRPr>
-          </a:p>
-        </p:txBody>
-      </p:sp>
-      <p:sp>
-        <p:nvSpPr>
-          <p:cNvPr id="47" name=""/>
+          <p:cNvPr id="42" name=""/>
           <p:cNvSpPr/>
           <p:nvPr/>
         </p:nvSpPr>
         <p:spPr>
           <a:xfrm>
             <a:off x="20880" y="607320"/>
-            <a:ext cx="6120000" cy="18000"/>
+            <a:ext cx="6119640" cy="17640"/>
           </a:xfrm>
           <a:custGeom>
             <a:avLst/>
@@ -6886,14 +6652,14 @@
       </p:sp>
       <p:sp>
         <p:nvSpPr>
-          <p:cNvPr id="48" name=""/>
+          <p:cNvPr id="43" name=""/>
           <p:cNvSpPr/>
           <p:nvPr/>
         </p:nvSpPr>
         <p:spPr>
           <a:xfrm>
             <a:off x="4430520" y="840960"/>
-            <a:ext cx="5673960" cy="7200"/>
+            <a:ext cx="5673600" cy="6840"/>
           </a:xfrm>
           <a:custGeom>
             <a:avLst/>
@@ -6946,14 +6712,14 @@
       </p:sp>
       <p:sp>
         <p:nvSpPr>
-          <p:cNvPr id="49" name=""/>
+          <p:cNvPr id="44" name=""/>
           <p:cNvSpPr/>
           <p:nvPr/>
         </p:nvSpPr>
         <p:spPr>
           <a:xfrm>
             <a:off x="9819720" y="474480"/>
-            <a:ext cx="7200" cy="493200"/>
+            <a:ext cx="6840" cy="492840"/>
           </a:xfrm>
           <a:custGeom>
             <a:avLst/>
@@ -6998,14 +6764,14 @@
       </p:sp>
       <p:sp>
         <p:nvSpPr>
-          <p:cNvPr id="50" name=""/>
+          <p:cNvPr id="45" name=""/>
           <p:cNvSpPr/>
           <p:nvPr/>
         </p:nvSpPr>
         <p:spPr>
           <a:xfrm>
             <a:off x="1900800" y="5204880"/>
-            <a:ext cx="7465320" cy="7200"/>
+            <a:ext cx="7464960" cy="6840"/>
           </a:xfrm>
           <a:custGeom>
             <a:avLst/>
@@ -7058,14 +6824,14 @@
       </p:sp>
       <p:sp>
         <p:nvSpPr>
-          <p:cNvPr id="51" name=""/>
+          <p:cNvPr id="46" name=""/>
           <p:cNvSpPr/>
           <p:nvPr/>
         </p:nvSpPr>
         <p:spPr>
           <a:xfrm>
             <a:off x="9259920" y="4917240"/>
-            <a:ext cx="7200" cy="349560"/>
+            <a:ext cx="6840" cy="349200"/>
           </a:xfrm>
           <a:custGeom>
             <a:avLst/>
@@ -7107,6 +6873,390 @@
           <a:effectRef idx="0"/>
           <a:fontRef idx="minor"/>
         </p:style>
+      </p:sp>
+      <p:sp>
+        <p:nvSpPr>
+          <p:cNvPr id="47" name="PlaceHolder 1"/>
+          <p:cNvSpPr>
+            <a:spLocks noGrp="1"/>
+          </p:cNvSpPr>
+          <p:nvPr>
+            <p:ph type="title"/>
+          </p:nvPr>
+        </p:nvSpPr>
+        <p:spPr>
+          <a:xfrm>
+            <a:off x="144000" y="72000"/>
+            <a:ext cx="9539640" cy="647640"/>
+          </a:xfrm>
+          <a:prstGeom prst="rect">
+            <a:avLst/>
+          </a:prstGeom>
+          <a:noFill/>
+          <a:ln w="0">
+            <a:noFill/>
+          </a:ln>
+        </p:spPr>
+        <p:txBody>
+          <a:bodyPr lIns="0" rIns="0" tIns="0" bIns="0" anchor="ctr">
+            <a:noAutofit/>
+          </a:bodyPr>
+          <a:p>
+            <a:r>
+              <a:rPr b="0" lang="en-US" sz="1800" spc="-1" strike="noStrike">
+                <a:latin typeface="Arial"/>
+              </a:rPr>
+              <a:t>Click to edit the title text format</a:t>
+            </a:r>
+            <a:endParaRPr b="0" lang="en-US" sz="1800" spc="-1" strike="noStrike">
+              <a:latin typeface="Arial"/>
+            </a:endParaRPr>
+          </a:p>
+        </p:txBody>
+      </p:sp>
+      <p:sp>
+        <p:nvSpPr>
+          <p:cNvPr id="48" name="PlaceHolder 2"/>
+          <p:cNvSpPr>
+            <a:spLocks noGrp="1"/>
+          </p:cNvSpPr>
+          <p:nvPr>
+            <p:ph type="body"/>
+          </p:nvPr>
+        </p:nvSpPr>
+        <p:spPr>
+          <a:xfrm>
+            <a:off x="504000" y="1326600"/>
+            <a:ext cx="9071640" cy="3287880"/>
+          </a:xfrm>
+          <a:prstGeom prst="rect">
+            <a:avLst/>
+          </a:prstGeom>
+          <a:noFill/>
+          <a:ln w="0">
+            <a:noFill/>
+          </a:ln>
+        </p:spPr>
+        <p:txBody>
+          <a:bodyPr lIns="0" rIns="0" tIns="0" bIns="0" anchor="t">
+            <a:normAutofit/>
+          </a:bodyPr>
+          <a:p>
+            <a:pPr marL="432000" indent="-324000">
+              <a:spcBef>
+                <a:spcPts val="1417"/>
+              </a:spcBef>
+              <a:buClr>
+                <a:srgbClr val="ffffff"/>
+              </a:buClr>
+              <a:buSzPct val="45000"/>
+              <a:buFont typeface="Wingdings" charset="2"/>
+              <a:buChar char=""/>
+            </a:pPr>
+            <a:r>
+              <a:rPr b="0" lang="en-US" sz="1800" spc="-1" strike="noStrike">
+                <a:latin typeface="Arial"/>
+              </a:rPr>
+              <a:t>Click to edit the outline text format</a:t>
+            </a:r>
+            <a:endParaRPr b="0" lang="en-US" sz="1800" spc="-1" strike="noStrike">
+              <a:latin typeface="Arial"/>
+            </a:endParaRPr>
+          </a:p>
+          <a:p>
+            <a:pPr lvl="1" marL="864000" indent="-324000">
+              <a:spcBef>
+                <a:spcPts val="1134"/>
+              </a:spcBef>
+              <a:buClr>
+                <a:srgbClr val="ffffff"/>
+              </a:buClr>
+              <a:buSzPct val="75000"/>
+              <a:buFont typeface="Symbol" charset="2"/>
+              <a:buChar char=""/>
+            </a:pPr>
+            <a:r>
+              <a:rPr b="0" lang="en-US" sz="1800" spc="-1" strike="noStrike">
+                <a:latin typeface="Arial"/>
+              </a:rPr>
+              <a:t>Second Outline Level</a:t>
+            </a:r>
+            <a:endParaRPr b="0" lang="en-US" sz="1800" spc="-1" strike="noStrike">
+              <a:latin typeface="Arial"/>
+            </a:endParaRPr>
+          </a:p>
+          <a:p>
+            <a:pPr lvl="2" marL="1296000" indent="-288000">
+              <a:spcBef>
+                <a:spcPts val="850"/>
+              </a:spcBef>
+              <a:buClr>
+                <a:srgbClr val="ffffff"/>
+              </a:buClr>
+              <a:buSzPct val="45000"/>
+              <a:buFont typeface="Wingdings" charset="2"/>
+              <a:buChar char=""/>
+            </a:pPr>
+            <a:r>
+              <a:rPr b="0" lang="en-US" sz="1800" spc="-1" strike="noStrike">
+                <a:latin typeface="Arial"/>
+              </a:rPr>
+              <a:t>Third Outline Level</a:t>
+            </a:r>
+            <a:endParaRPr b="0" lang="en-US" sz="1800" spc="-1" strike="noStrike">
+              <a:latin typeface="Arial"/>
+            </a:endParaRPr>
+          </a:p>
+          <a:p>
+            <a:pPr lvl="3" marL="1728000" indent="-216000">
+              <a:spcBef>
+                <a:spcPts val="567"/>
+              </a:spcBef>
+              <a:buClr>
+                <a:srgbClr val="ffffff"/>
+              </a:buClr>
+              <a:buSzPct val="75000"/>
+              <a:buFont typeface="Symbol" charset="2"/>
+              <a:buChar char=""/>
+            </a:pPr>
+            <a:r>
+              <a:rPr b="0" lang="en-US" sz="1800" spc="-1" strike="noStrike">
+                <a:latin typeface="Arial"/>
+              </a:rPr>
+              <a:t>Fourth Outline Level</a:t>
+            </a:r>
+            <a:endParaRPr b="0" lang="en-US" sz="1800" spc="-1" strike="noStrike">
+              <a:latin typeface="Arial"/>
+            </a:endParaRPr>
+          </a:p>
+          <a:p>
+            <a:pPr lvl="4" marL="2160000" indent="-216000">
+              <a:spcBef>
+                <a:spcPts val="283"/>
+              </a:spcBef>
+              <a:buClr>
+                <a:srgbClr val="ffffff"/>
+              </a:buClr>
+              <a:buSzPct val="45000"/>
+              <a:buFont typeface="Wingdings" charset="2"/>
+              <a:buChar char=""/>
+            </a:pPr>
+            <a:r>
+              <a:rPr b="0" lang="en-US" sz="1800" spc="-1" strike="noStrike">
+                <a:latin typeface="Arial"/>
+              </a:rPr>
+              <a:t>Fifth Outline Level</a:t>
+            </a:r>
+            <a:endParaRPr b="0" lang="en-US" sz="1800" spc="-1" strike="noStrike">
+              <a:latin typeface="Arial"/>
+            </a:endParaRPr>
+          </a:p>
+          <a:p>
+            <a:pPr lvl="5" marL="2592000" indent="-216000">
+              <a:spcBef>
+                <a:spcPts val="283"/>
+              </a:spcBef>
+              <a:buClr>
+                <a:srgbClr val="ffffff"/>
+              </a:buClr>
+              <a:buSzPct val="45000"/>
+              <a:buFont typeface="Wingdings" charset="2"/>
+              <a:buChar char=""/>
+            </a:pPr>
+            <a:r>
+              <a:rPr b="0" lang="en-US" sz="1800" spc="-1" strike="noStrike">
+                <a:latin typeface="Arial"/>
+              </a:rPr>
+              <a:t>Sixth Outline Level</a:t>
+            </a:r>
+            <a:endParaRPr b="0" lang="en-US" sz="1800" spc="-1" strike="noStrike">
+              <a:latin typeface="Arial"/>
+            </a:endParaRPr>
+          </a:p>
+          <a:p>
+            <a:pPr lvl="6" marL="3024000" indent="-216000">
+              <a:spcBef>
+                <a:spcPts val="283"/>
+              </a:spcBef>
+              <a:buClr>
+                <a:srgbClr val="ffffff"/>
+              </a:buClr>
+              <a:buSzPct val="45000"/>
+              <a:buFont typeface="Wingdings" charset="2"/>
+              <a:buChar char=""/>
+            </a:pPr>
+            <a:r>
+              <a:rPr b="0" lang="en-US" sz="1800" spc="-1" strike="noStrike">
+                <a:latin typeface="Arial"/>
+              </a:rPr>
+              <a:t>Seventh Outline Level</a:t>
+            </a:r>
+            <a:endParaRPr b="0" lang="en-US" sz="1800" spc="-1" strike="noStrike">
+              <a:latin typeface="Arial"/>
+            </a:endParaRPr>
+          </a:p>
+        </p:txBody>
+      </p:sp>
+      <p:sp>
+        <p:nvSpPr>
+          <p:cNvPr id="49" name="PlaceHolder 3"/>
+          <p:cNvSpPr>
+            <a:spLocks noGrp="1"/>
+          </p:cNvSpPr>
+          <p:nvPr>
+            <p:ph type="ftr" idx="1"/>
+          </p:nvPr>
+        </p:nvSpPr>
+        <p:spPr>
+          <a:xfrm>
+            <a:off x="2520000" y="5256000"/>
+            <a:ext cx="4679640" cy="410040"/>
+          </a:xfrm>
+          <a:prstGeom prst="rect">
+            <a:avLst/>
+          </a:prstGeom>
+          <a:noFill/>
+          <a:ln w="0">
+            <a:noFill/>
+          </a:ln>
+        </p:spPr>
+        <p:txBody>
+          <a:bodyPr lIns="0" rIns="0" tIns="0" bIns="0" anchor="t">
+            <a:noAutofit/>
+          </a:bodyPr>
+          <a:lstStyle>
+            <a:lvl1pPr algn="ctr">
+              <a:lnSpc>
+                <a:spcPct val="100000"/>
+              </a:lnSpc>
+              <a:buNone/>
+              <a:defRPr b="0" lang="en-US" sz="1400" spc="-1" strike="noStrike">
+                <a:latin typeface="Arial"/>
+              </a:defRPr>
+            </a:lvl1pPr>
+          </a:lstStyle>
+          <a:p>
+            <a:pPr algn="ctr">
+              <a:lnSpc>
+                <a:spcPct val="100000"/>
+              </a:lnSpc>
+              <a:buNone/>
+            </a:pPr>
+            <a:r>
+              <a:rPr b="0" lang="en-US" sz="1400" spc="-1" strike="noStrike">
+                <a:latin typeface="Arial"/>
+              </a:rPr>
+              <a:t>&lt;footer&gt;</a:t>
+            </a:r>
+            <a:endParaRPr b="0" lang="en-US" sz="1400" spc="-1" strike="noStrike">
+              <a:latin typeface="Times New Roman"/>
+            </a:endParaRPr>
+          </a:p>
+        </p:txBody>
+      </p:sp>
+      <p:sp>
+        <p:nvSpPr>
+          <p:cNvPr id="50" name="PlaceHolder 4"/>
+          <p:cNvSpPr>
+            <a:spLocks noGrp="1"/>
+          </p:cNvSpPr>
+          <p:nvPr>
+            <p:ph type="sldNum" idx="2"/>
+          </p:nvPr>
+        </p:nvSpPr>
+        <p:spPr>
+          <a:xfrm>
+            <a:off x="7560000" y="5256000"/>
+            <a:ext cx="1619640" cy="410040"/>
+          </a:xfrm>
+          <a:prstGeom prst="rect">
+            <a:avLst/>
+          </a:prstGeom>
+          <a:noFill/>
+          <a:ln w="0">
+            <a:noFill/>
+          </a:ln>
+        </p:spPr>
+        <p:txBody>
+          <a:bodyPr lIns="0" rIns="0" tIns="0" bIns="0" anchor="t">
+            <a:noAutofit/>
+          </a:bodyPr>
+          <a:lstStyle>
+            <a:lvl1pPr algn="r">
+              <a:lnSpc>
+                <a:spcPct val="100000"/>
+              </a:lnSpc>
+              <a:buNone/>
+              <a:defRPr b="0" lang="en-US" sz="1400" spc="-1" strike="noStrike">
+                <a:latin typeface="Arial"/>
+              </a:defRPr>
+            </a:lvl1pPr>
+          </a:lstStyle>
+          <a:p>
+            <a:pPr algn="r">
+              <a:lnSpc>
+                <a:spcPct val="100000"/>
+              </a:lnSpc>
+              <a:buNone/>
+            </a:pPr>
+            <a:fld id="{FF44A7FD-B6CD-47B6-9E36-9B1E0FFC2DB3}" type="slidenum">
+              <a:rPr b="0" lang="en-US" sz="1400" spc="-1" strike="noStrike">
+                <a:latin typeface="Arial"/>
+              </a:rPr>
+              <a:t>&lt;number&gt;</a:t>
+            </a:fld>
+            <a:endParaRPr b="0" lang="en-US" sz="1400" spc="-1" strike="noStrike">
+              <a:latin typeface="Times New Roman"/>
+            </a:endParaRPr>
+          </a:p>
+        </p:txBody>
+      </p:sp>
+      <p:sp>
+        <p:nvSpPr>
+          <p:cNvPr id="51" name="PlaceHolder 5"/>
+          <p:cNvSpPr>
+            <a:spLocks noGrp="1"/>
+          </p:cNvSpPr>
+          <p:nvPr>
+            <p:ph type="dt" idx="3"/>
+          </p:nvPr>
+        </p:nvSpPr>
+        <p:spPr>
+          <a:xfrm>
+            <a:off x="504000" y="5256000"/>
+            <a:ext cx="1655640" cy="410040"/>
+          </a:xfrm>
+          <a:prstGeom prst="rect">
+            <a:avLst/>
+          </a:prstGeom>
+          <a:noFill/>
+          <a:ln w="0">
+            <a:noFill/>
+          </a:ln>
+        </p:spPr>
+        <p:txBody>
+          <a:bodyPr lIns="0" rIns="0" tIns="0" bIns="0" anchor="t">
+            <a:noAutofit/>
+          </a:bodyPr>
+          <a:lstStyle>
+            <a:lvl1pPr>
+              <a:defRPr b="0" lang="en-US" sz="1400" spc="-1" strike="noStrike">
+                <a:latin typeface="Times New Roman"/>
+              </a:defRPr>
+            </a:lvl1pPr>
+          </a:lstStyle>
+          <a:p>
+            <a:r>
+              <a:rPr b="0" lang="en-US" sz="1400" spc="-1" strike="noStrike">
+                <a:latin typeface="Times New Roman"/>
+              </a:rPr>
+              <a:t>&lt;date/time&gt;</a:t>
+            </a:r>
+            <a:endParaRPr b="0" lang="en-US" sz="1400" spc="-1" strike="noStrike">
+              <a:latin typeface="Times New Roman"/>
+            </a:endParaRPr>
+          </a:p>
+        </p:txBody>
       </p:sp>
     </p:spTree>
   </p:cSld>
@@ -7154,386 +7304,14 @@
       </p:grpSpPr>
       <p:sp>
         <p:nvSpPr>
-          <p:cNvPr id="88" name="PlaceHolder 1"/>
-          <p:cNvSpPr>
-            <a:spLocks noGrp="1"/>
-          </p:cNvSpPr>
-          <p:nvPr>
-            <p:ph type="title"/>
-          </p:nvPr>
-        </p:nvSpPr>
-        <p:spPr>
-          <a:xfrm>
-            <a:off x="144000" y="72000"/>
-            <a:ext cx="9540000" cy="648000"/>
-          </a:xfrm>
-          <a:prstGeom prst="rect">
-            <a:avLst/>
-          </a:prstGeom>
-          <a:noFill/>
-          <a:ln w="0">
-            <a:noFill/>
-          </a:ln>
-        </p:spPr>
-        <p:txBody>
-          <a:bodyPr lIns="0" rIns="0" tIns="0" bIns="0" anchor="ctr">
-            <a:noAutofit/>
-          </a:bodyPr>
-          <a:p>
-            <a:r>
-              <a:rPr b="0" lang="en-US" sz="4400" spc="-1" strike="noStrike">
-                <a:latin typeface="Arial"/>
-              </a:rPr>
-              <a:t>Click to edit the title text format</a:t>
-            </a:r>
-            <a:endParaRPr b="0" lang="en-US" sz="4400" spc="-1" strike="noStrike">
-              <a:latin typeface="Arial"/>
-            </a:endParaRPr>
-          </a:p>
-        </p:txBody>
-      </p:sp>
-      <p:sp>
-        <p:nvSpPr>
-          <p:cNvPr id="89" name="PlaceHolder 2"/>
-          <p:cNvSpPr>
-            <a:spLocks noGrp="1"/>
-          </p:cNvSpPr>
-          <p:nvPr>
-            <p:ph type="body"/>
-          </p:nvPr>
-        </p:nvSpPr>
-        <p:spPr>
-          <a:xfrm>
-            <a:off x="504000" y="1326600"/>
-            <a:ext cx="9072000" cy="3288240"/>
-          </a:xfrm>
-          <a:prstGeom prst="rect">
-            <a:avLst/>
-          </a:prstGeom>
-          <a:noFill/>
-          <a:ln w="0">
-            <a:noFill/>
-          </a:ln>
-        </p:spPr>
-        <p:txBody>
-          <a:bodyPr lIns="0" rIns="0" tIns="0" bIns="0" anchor="t">
-            <a:normAutofit/>
-          </a:bodyPr>
-          <a:p>
-            <a:pPr marL="432000" indent="-324000">
-              <a:spcBef>
-                <a:spcPts val="1417"/>
-              </a:spcBef>
-              <a:buClr>
-                <a:srgbClr val="ffffff"/>
-              </a:buClr>
-              <a:buSzPct val="45000"/>
-              <a:buFont typeface="Wingdings" charset="2"/>
-              <a:buChar char=""/>
-            </a:pPr>
-            <a:r>
-              <a:rPr b="0" lang="en-US" sz="3200" spc="-1" strike="noStrike">
-                <a:latin typeface="Arial"/>
-              </a:rPr>
-              <a:t>Click to edit the outline text format</a:t>
-            </a:r>
-            <a:endParaRPr b="0" lang="en-US" sz="3200" spc="-1" strike="noStrike">
-              <a:latin typeface="Arial"/>
-            </a:endParaRPr>
-          </a:p>
-          <a:p>
-            <a:pPr lvl="1" marL="864000" indent="-324000">
-              <a:spcBef>
-                <a:spcPts val="1134"/>
-              </a:spcBef>
-              <a:buClr>
-                <a:srgbClr val="ffffff"/>
-              </a:buClr>
-              <a:buSzPct val="75000"/>
-              <a:buFont typeface="Symbol" charset="2"/>
-              <a:buChar char=""/>
-            </a:pPr>
-            <a:r>
-              <a:rPr b="0" lang="en-US" sz="2800" spc="-1" strike="noStrike">
-                <a:latin typeface="Arial"/>
-              </a:rPr>
-              <a:t>Second Outline Level</a:t>
-            </a:r>
-            <a:endParaRPr b="0" lang="en-US" sz="2800" spc="-1" strike="noStrike">
-              <a:latin typeface="Arial"/>
-            </a:endParaRPr>
-          </a:p>
-          <a:p>
-            <a:pPr lvl="2" marL="1296000" indent="-288000">
-              <a:spcBef>
-                <a:spcPts val="850"/>
-              </a:spcBef>
-              <a:buClr>
-                <a:srgbClr val="ffffff"/>
-              </a:buClr>
-              <a:buSzPct val="45000"/>
-              <a:buFont typeface="Wingdings" charset="2"/>
-              <a:buChar char=""/>
-            </a:pPr>
-            <a:r>
-              <a:rPr b="0" lang="en-US" sz="2400" spc="-1" strike="noStrike">
-                <a:latin typeface="Arial"/>
-              </a:rPr>
-              <a:t>Third Outline Level</a:t>
-            </a:r>
-            <a:endParaRPr b="0" lang="en-US" sz="2400" spc="-1" strike="noStrike">
-              <a:latin typeface="Arial"/>
-            </a:endParaRPr>
-          </a:p>
-          <a:p>
-            <a:pPr lvl="3" marL="1728000" indent="-216000">
-              <a:spcBef>
-                <a:spcPts val="567"/>
-              </a:spcBef>
-              <a:buClr>
-                <a:srgbClr val="ffffff"/>
-              </a:buClr>
-              <a:buSzPct val="75000"/>
-              <a:buFont typeface="Symbol" charset="2"/>
-              <a:buChar char=""/>
-            </a:pPr>
-            <a:r>
-              <a:rPr b="0" lang="en-US" sz="2000" spc="-1" strike="noStrike">
-                <a:latin typeface="Arial"/>
-              </a:rPr>
-              <a:t>Fourth Outline Level</a:t>
-            </a:r>
-            <a:endParaRPr b="0" lang="en-US" sz="2000" spc="-1" strike="noStrike">
-              <a:latin typeface="Arial"/>
-            </a:endParaRPr>
-          </a:p>
-          <a:p>
-            <a:pPr lvl="4" marL="2160000" indent="-216000">
-              <a:spcBef>
-                <a:spcPts val="283"/>
-              </a:spcBef>
-              <a:buClr>
-                <a:srgbClr val="ffffff"/>
-              </a:buClr>
-              <a:buSzPct val="45000"/>
-              <a:buFont typeface="Wingdings" charset="2"/>
-              <a:buChar char=""/>
-            </a:pPr>
-            <a:r>
-              <a:rPr b="0" lang="en-US" sz="2000" spc="-1" strike="noStrike">
-                <a:latin typeface="Arial"/>
-              </a:rPr>
-              <a:t>Fifth Outline Level</a:t>
-            </a:r>
-            <a:endParaRPr b="0" lang="en-US" sz="2000" spc="-1" strike="noStrike">
-              <a:latin typeface="Arial"/>
-            </a:endParaRPr>
-          </a:p>
-          <a:p>
-            <a:pPr lvl="5" marL="2592000" indent="-216000">
-              <a:spcBef>
-                <a:spcPts val="283"/>
-              </a:spcBef>
-              <a:buClr>
-                <a:srgbClr val="ffffff"/>
-              </a:buClr>
-              <a:buSzPct val="45000"/>
-              <a:buFont typeface="Wingdings" charset="2"/>
-              <a:buChar char=""/>
-            </a:pPr>
-            <a:r>
-              <a:rPr b="0" lang="en-US" sz="2000" spc="-1" strike="noStrike">
-                <a:latin typeface="Arial"/>
-              </a:rPr>
-              <a:t>Sixth Outline Level</a:t>
-            </a:r>
-            <a:endParaRPr b="0" lang="en-US" sz="2000" spc="-1" strike="noStrike">
-              <a:latin typeface="Arial"/>
-            </a:endParaRPr>
-          </a:p>
-          <a:p>
-            <a:pPr lvl="6" marL="3024000" indent="-216000">
-              <a:spcBef>
-                <a:spcPts val="283"/>
-              </a:spcBef>
-              <a:buClr>
-                <a:srgbClr val="ffffff"/>
-              </a:buClr>
-              <a:buSzPct val="45000"/>
-              <a:buFont typeface="Wingdings" charset="2"/>
-              <a:buChar char=""/>
-            </a:pPr>
-            <a:r>
-              <a:rPr b="0" lang="en-US" sz="2000" spc="-1" strike="noStrike">
-                <a:latin typeface="Arial"/>
-              </a:rPr>
-              <a:t>Seventh Outline Level</a:t>
-            </a:r>
-            <a:endParaRPr b="0" lang="en-US" sz="2000" spc="-1" strike="noStrike">
-              <a:latin typeface="Arial"/>
-            </a:endParaRPr>
-          </a:p>
-        </p:txBody>
-      </p:sp>
-      <p:sp>
-        <p:nvSpPr>
-          <p:cNvPr id="90" name="PlaceHolder 3"/>
-          <p:cNvSpPr>
-            <a:spLocks noGrp="1"/>
-          </p:cNvSpPr>
-          <p:nvPr>
-            <p:ph type="dt" idx="4"/>
-          </p:nvPr>
-        </p:nvSpPr>
-        <p:spPr>
-          <a:xfrm>
-            <a:off x="504000" y="5256000"/>
-            <a:ext cx="1656000" cy="410400"/>
-          </a:xfrm>
-          <a:prstGeom prst="rect">
-            <a:avLst/>
-          </a:prstGeom>
-          <a:noFill/>
-          <a:ln w="0">
-            <a:noFill/>
-          </a:ln>
-        </p:spPr>
-        <p:txBody>
-          <a:bodyPr lIns="0" rIns="0" tIns="0" bIns="0" anchor="t">
-            <a:noAutofit/>
-          </a:bodyPr>
-          <a:lstStyle>
-            <a:lvl1pPr>
-              <a:defRPr b="0" lang="en-US" sz="1400" spc="-1" strike="noStrike">
-                <a:latin typeface="Arial"/>
-              </a:defRPr>
-            </a:lvl1pPr>
-          </a:lstStyle>
-          <a:p>
-            <a:r>
-              <a:rPr b="0" lang="en-US" sz="1400" spc="-1" strike="noStrike">
-                <a:latin typeface="Arial"/>
-              </a:rPr>
-              <a:t>&lt;date/time&gt;</a:t>
-            </a:r>
-            <a:endParaRPr b="0" lang="en-US" sz="1400" spc="-1" strike="noStrike">
-              <a:latin typeface="Arial"/>
-            </a:endParaRPr>
-          </a:p>
-        </p:txBody>
-      </p:sp>
-      <p:sp>
-        <p:nvSpPr>
-          <p:cNvPr id="91" name="PlaceHolder 4"/>
-          <p:cNvSpPr>
-            <a:spLocks noGrp="1"/>
-          </p:cNvSpPr>
-          <p:nvPr>
-            <p:ph type="ftr" idx="5"/>
-          </p:nvPr>
-        </p:nvSpPr>
-        <p:spPr>
-          <a:xfrm>
-            <a:off x="2520000" y="5256000"/>
-            <a:ext cx="4680000" cy="410400"/>
-          </a:xfrm>
-          <a:prstGeom prst="rect">
-            <a:avLst/>
-          </a:prstGeom>
-          <a:noFill/>
-          <a:ln w="0">
-            <a:noFill/>
-          </a:ln>
-        </p:spPr>
-        <p:txBody>
-          <a:bodyPr lIns="0" rIns="0" tIns="0" bIns="0" anchor="t">
-            <a:noAutofit/>
-          </a:bodyPr>
-          <a:lstStyle>
-            <a:lvl1pPr algn="ctr">
-              <a:buNone/>
-              <a:defRPr b="0" lang="en-US" sz="1400" spc="-1" strike="noStrike">
-                <a:latin typeface="Arial"/>
-              </a:defRPr>
-            </a:lvl1pPr>
-          </a:lstStyle>
-          <a:p>
-            <a:pPr algn="ctr">
-              <a:buNone/>
-            </a:pPr>
-            <a:r>
-              <a:rPr b="0" lang="en-US" sz="1400" spc="-1" strike="noStrike">
-                <a:latin typeface="Arial"/>
-              </a:rPr>
-              <a:t>&lt;footer&gt;</a:t>
-            </a:r>
-            <a:endParaRPr b="0" lang="en-US" sz="1400" spc="-1" strike="noStrike">
-              <a:latin typeface="Arial"/>
-            </a:endParaRPr>
-          </a:p>
-        </p:txBody>
-      </p:sp>
-      <p:sp>
-        <p:nvSpPr>
-          <p:cNvPr id="92" name="PlaceHolder 5"/>
-          <p:cNvSpPr>
-            <a:spLocks noGrp="1"/>
-          </p:cNvSpPr>
-          <p:nvPr>
-            <p:ph type="sldNum" idx="6"/>
-          </p:nvPr>
-        </p:nvSpPr>
-        <p:spPr>
-          <a:xfrm>
-            <a:off x="7560000" y="5256000"/>
-            <a:ext cx="1620000" cy="410400"/>
-          </a:xfrm>
-          <a:prstGeom prst="rect">
-            <a:avLst/>
-          </a:prstGeom>
-          <a:noFill/>
-          <a:ln w="0">
-            <a:noFill/>
-          </a:ln>
-        </p:spPr>
-        <p:txBody>
-          <a:bodyPr lIns="0" rIns="0" tIns="0" bIns="0" anchor="t">
-            <a:noAutofit/>
-          </a:bodyPr>
-          <a:lstStyle>
-            <a:lvl1pPr algn="r">
-              <a:buNone/>
-              <a:defRPr b="0" lang="en-US" sz="1400" spc="-1" strike="noStrike">
-                <a:latin typeface="Arial"/>
-              </a:defRPr>
-            </a:lvl1pPr>
-          </a:lstStyle>
-          <a:p>
-            <a:pPr algn="r">
-              <a:buNone/>
-            </a:pPr>
-            <a:fld id="{D5561138-38F2-44E5-B3B3-A96BDA9F56A5}" type="slidenum">
-              <a:rPr b="0" lang="en-US" sz="1400" spc="-1" strike="noStrike">
-                <a:latin typeface="Arial"/>
-              </a:rPr>
-              <a:t>&lt;number&gt;</a:t>
-            </a:fld>
-            <a:endParaRPr b="0" lang="en-US" sz="1400" spc="-1" strike="noStrike">
-              <a:latin typeface="Arial"/>
-            </a:endParaRPr>
-          </a:p>
-        </p:txBody>
-      </p:sp>
-      <p:sp>
-        <p:nvSpPr>
-          <p:cNvPr id="93" name=""/>
+          <p:cNvPr id="88" name=""/>
           <p:cNvSpPr/>
           <p:nvPr/>
         </p:nvSpPr>
         <p:spPr>
           <a:xfrm>
             <a:off x="20880" y="607320"/>
-            <a:ext cx="6120000" cy="18000"/>
+            <a:ext cx="6119640" cy="17640"/>
           </a:xfrm>
           <a:custGeom>
             <a:avLst/>
@@ -7586,14 +7364,14 @@
       </p:sp>
       <p:sp>
         <p:nvSpPr>
-          <p:cNvPr id="94" name=""/>
+          <p:cNvPr id="89" name=""/>
           <p:cNvSpPr/>
           <p:nvPr/>
         </p:nvSpPr>
         <p:spPr>
           <a:xfrm>
             <a:off x="4430520" y="840960"/>
-            <a:ext cx="5673960" cy="7200"/>
+            <a:ext cx="5673600" cy="6840"/>
           </a:xfrm>
           <a:custGeom>
             <a:avLst/>
@@ -7646,14 +7424,14 @@
       </p:sp>
       <p:sp>
         <p:nvSpPr>
-          <p:cNvPr id="95" name=""/>
+          <p:cNvPr id="90" name=""/>
           <p:cNvSpPr/>
           <p:nvPr/>
         </p:nvSpPr>
         <p:spPr>
           <a:xfrm>
             <a:off x="9819720" y="474480"/>
-            <a:ext cx="7200" cy="493200"/>
+            <a:ext cx="6840" cy="492840"/>
           </a:xfrm>
           <a:custGeom>
             <a:avLst/>
@@ -7698,14 +7476,14 @@
       </p:sp>
       <p:sp>
         <p:nvSpPr>
-          <p:cNvPr id="96" name=""/>
+          <p:cNvPr id="91" name=""/>
           <p:cNvSpPr/>
           <p:nvPr/>
         </p:nvSpPr>
         <p:spPr>
           <a:xfrm>
             <a:off x="5644080" y="5194800"/>
-            <a:ext cx="3722040" cy="7200"/>
+            <a:ext cx="3721680" cy="6840"/>
           </a:xfrm>
           <a:custGeom>
             <a:avLst/>
@@ -7758,14 +7536,14 @@
       </p:sp>
       <p:sp>
         <p:nvSpPr>
-          <p:cNvPr id="97" name=""/>
+          <p:cNvPr id="92" name=""/>
           <p:cNvSpPr/>
           <p:nvPr/>
         </p:nvSpPr>
         <p:spPr>
           <a:xfrm>
             <a:off x="9259920" y="4917240"/>
-            <a:ext cx="7200" cy="349560"/>
+            <a:ext cx="6840" cy="349200"/>
           </a:xfrm>
           <a:custGeom>
             <a:avLst/>
@@ -7810,14 +7588,14 @@
       </p:sp>
       <p:sp>
         <p:nvSpPr>
-          <p:cNvPr id="98" name=""/>
+          <p:cNvPr id="93" name=""/>
           <p:cNvSpPr/>
           <p:nvPr/>
         </p:nvSpPr>
         <p:spPr>
           <a:xfrm>
             <a:off x="974160" y="5194440"/>
-            <a:ext cx="3722040" cy="7200"/>
+            <a:ext cx="3721680" cy="6840"/>
           </a:xfrm>
           <a:custGeom>
             <a:avLst/>
@@ -7870,14 +7648,14 @@
       </p:sp>
       <p:sp>
         <p:nvSpPr>
-          <p:cNvPr id="99" name=""/>
+          <p:cNvPr id="94" name=""/>
           <p:cNvSpPr/>
           <p:nvPr/>
         </p:nvSpPr>
         <p:spPr>
           <a:xfrm>
             <a:off x="4590000" y="4914000"/>
-            <a:ext cx="7200" cy="349560"/>
+            <a:ext cx="6840" cy="349200"/>
           </a:xfrm>
           <a:custGeom>
             <a:avLst/>
@@ -7922,14 +7700,14 @@
       </p:sp>
       <p:sp>
         <p:nvSpPr>
-          <p:cNvPr id="100" name=""/>
+          <p:cNvPr id="95" name=""/>
           <p:cNvSpPr/>
           <p:nvPr/>
         </p:nvSpPr>
         <p:spPr>
           <a:xfrm>
             <a:off x="5055480" y="1037160"/>
-            <a:ext cx="10800" cy="3700800"/>
+            <a:ext cx="10440" cy="3700440"/>
           </a:xfrm>
           <a:custGeom>
             <a:avLst/>
@@ -7983,6 +7761,573 @@
           <a:fontRef idx="minor"/>
         </p:style>
       </p:sp>
+      <p:sp>
+        <p:nvSpPr>
+          <p:cNvPr id="96" name="PlaceHolder 1"/>
+          <p:cNvSpPr>
+            <a:spLocks noGrp="1"/>
+          </p:cNvSpPr>
+          <p:nvPr>
+            <p:ph type="title"/>
+          </p:nvPr>
+        </p:nvSpPr>
+        <p:spPr>
+          <a:xfrm>
+            <a:off x="144000" y="72000"/>
+            <a:ext cx="9539640" cy="647640"/>
+          </a:xfrm>
+          <a:prstGeom prst="rect">
+            <a:avLst/>
+          </a:prstGeom>
+          <a:noFill/>
+          <a:ln w="0">
+            <a:noFill/>
+          </a:ln>
+        </p:spPr>
+        <p:txBody>
+          <a:bodyPr lIns="0" rIns="0" tIns="0" bIns="0" anchor="ctr">
+            <a:noAutofit/>
+          </a:bodyPr>
+          <a:p>
+            <a:r>
+              <a:rPr b="0" lang="en-US" sz="1800" spc="-1" strike="noStrike">
+                <a:latin typeface="Arial"/>
+              </a:rPr>
+              <a:t>Click to edit the title text format</a:t>
+            </a:r>
+            <a:endParaRPr b="0" lang="en-US" sz="1800" spc="-1" strike="noStrike">
+              <a:latin typeface="Arial"/>
+            </a:endParaRPr>
+          </a:p>
+        </p:txBody>
+      </p:sp>
+      <p:sp>
+        <p:nvSpPr>
+          <p:cNvPr id="97" name="PlaceHolder 2"/>
+          <p:cNvSpPr>
+            <a:spLocks noGrp="1"/>
+          </p:cNvSpPr>
+          <p:nvPr>
+            <p:ph type="body"/>
+          </p:nvPr>
+        </p:nvSpPr>
+        <p:spPr>
+          <a:xfrm>
+            <a:off x="504000" y="1326600"/>
+            <a:ext cx="4426560" cy="3287880"/>
+          </a:xfrm>
+          <a:prstGeom prst="rect">
+            <a:avLst/>
+          </a:prstGeom>
+          <a:noFill/>
+          <a:ln w="0">
+            <a:noFill/>
+          </a:ln>
+        </p:spPr>
+        <p:txBody>
+          <a:bodyPr lIns="0" rIns="0" tIns="0" bIns="0" anchor="t">
+            <a:normAutofit/>
+          </a:bodyPr>
+          <a:p>
+            <a:pPr marL="432000" indent="-324000">
+              <a:spcBef>
+                <a:spcPts val="1417"/>
+              </a:spcBef>
+              <a:buClr>
+                <a:srgbClr val="ffffff"/>
+              </a:buClr>
+              <a:buSzPct val="45000"/>
+              <a:buFont typeface="Wingdings" charset="2"/>
+              <a:buChar char=""/>
+            </a:pPr>
+            <a:r>
+              <a:rPr b="0" lang="en-US" sz="1800" spc="-1" strike="noStrike">
+                <a:latin typeface="Arial"/>
+              </a:rPr>
+              <a:t>Click to edit the outline text format</a:t>
+            </a:r>
+            <a:endParaRPr b="0" lang="en-US" sz="1800" spc="-1" strike="noStrike">
+              <a:latin typeface="Arial"/>
+            </a:endParaRPr>
+          </a:p>
+          <a:p>
+            <a:pPr lvl="1" marL="864000" indent="-324000">
+              <a:spcBef>
+                <a:spcPts val="1134"/>
+              </a:spcBef>
+              <a:buClr>
+                <a:srgbClr val="ffffff"/>
+              </a:buClr>
+              <a:buSzPct val="75000"/>
+              <a:buFont typeface="Symbol" charset="2"/>
+              <a:buChar char=""/>
+            </a:pPr>
+            <a:r>
+              <a:rPr b="0" lang="en-US" sz="1800" spc="-1" strike="noStrike">
+                <a:latin typeface="Arial"/>
+              </a:rPr>
+              <a:t>Second Outline Level</a:t>
+            </a:r>
+            <a:endParaRPr b="0" lang="en-US" sz="1800" spc="-1" strike="noStrike">
+              <a:latin typeface="Arial"/>
+            </a:endParaRPr>
+          </a:p>
+          <a:p>
+            <a:pPr lvl="2" marL="1296000" indent="-288000">
+              <a:spcBef>
+                <a:spcPts val="850"/>
+              </a:spcBef>
+              <a:buClr>
+                <a:srgbClr val="ffffff"/>
+              </a:buClr>
+              <a:buSzPct val="45000"/>
+              <a:buFont typeface="Wingdings" charset="2"/>
+              <a:buChar char=""/>
+            </a:pPr>
+            <a:r>
+              <a:rPr b="0" lang="en-US" sz="1800" spc="-1" strike="noStrike">
+                <a:latin typeface="Arial"/>
+              </a:rPr>
+              <a:t>Third Outline Level</a:t>
+            </a:r>
+            <a:endParaRPr b="0" lang="en-US" sz="1800" spc="-1" strike="noStrike">
+              <a:latin typeface="Arial"/>
+            </a:endParaRPr>
+          </a:p>
+          <a:p>
+            <a:pPr lvl="3" marL="1728000" indent="-216000">
+              <a:spcBef>
+                <a:spcPts val="567"/>
+              </a:spcBef>
+              <a:buClr>
+                <a:srgbClr val="ffffff"/>
+              </a:buClr>
+              <a:buSzPct val="75000"/>
+              <a:buFont typeface="Symbol" charset="2"/>
+              <a:buChar char=""/>
+            </a:pPr>
+            <a:r>
+              <a:rPr b="0" lang="en-US" sz="1800" spc="-1" strike="noStrike">
+                <a:latin typeface="Arial"/>
+              </a:rPr>
+              <a:t>Fourth Outline Level</a:t>
+            </a:r>
+            <a:endParaRPr b="0" lang="en-US" sz="1800" spc="-1" strike="noStrike">
+              <a:latin typeface="Arial"/>
+            </a:endParaRPr>
+          </a:p>
+          <a:p>
+            <a:pPr lvl="4" marL="2160000" indent="-216000">
+              <a:spcBef>
+                <a:spcPts val="283"/>
+              </a:spcBef>
+              <a:buClr>
+                <a:srgbClr val="ffffff"/>
+              </a:buClr>
+              <a:buSzPct val="45000"/>
+              <a:buFont typeface="Wingdings" charset="2"/>
+              <a:buChar char=""/>
+            </a:pPr>
+            <a:r>
+              <a:rPr b="0" lang="en-US" sz="1800" spc="-1" strike="noStrike">
+                <a:latin typeface="Arial"/>
+              </a:rPr>
+              <a:t>Fifth Outline Level</a:t>
+            </a:r>
+            <a:endParaRPr b="0" lang="en-US" sz="1800" spc="-1" strike="noStrike">
+              <a:latin typeface="Arial"/>
+            </a:endParaRPr>
+          </a:p>
+          <a:p>
+            <a:pPr lvl="5" marL="2592000" indent="-216000">
+              <a:spcBef>
+                <a:spcPts val="283"/>
+              </a:spcBef>
+              <a:buClr>
+                <a:srgbClr val="ffffff"/>
+              </a:buClr>
+              <a:buSzPct val="45000"/>
+              <a:buFont typeface="Wingdings" charset="2"/>
+              <a:buChar char=""/>
+            </a:pPr>
+            <a:r>
+              <a:rPr b="0" lang="en-US" sz="1800" spc="-1" strike="noStrike">
+                <a:latin typeface="Arial"/>
+              </a:rPr>
+              <a:t>Sixth Outline Level</a:t>
+            </a:r>
+            <a:endParaRPr b="0" lang="en-US" sz="1800" spc="-1" strike="noStrike">
+              <a:latin typeface="Arial"/>
+            </a:endParaRPr>
+          </a:p>
+          <a:p>
+            <a:pPr lvl="6" marL="3024000" indent="-216000">
+              <a:spcBef>
+                <a:spcPts val="283"/>
+              </a:spcBef>
+              <a:buClr>
+                <a:srgbClr val="ffffff"/>
+              </a:buClr>
+              <a:buSzPct val="45000"/>
+              <a:buFont typeface="Wingdings" charset="2"/>
+              <a:buChar char=""/>
+            </a:pPr>
+            <a:r>
+              <a:rPr b="0" lang="en-US" sz="1800" spc="-1" strike="noStrike">
+                <a:latin typeface="Arial"/>
+              </a:rPr>
+              <a:t>Seventh Outline Level</a:t>
+            </a:r>
+            <a:endParaRPr b="0" lang="en-US" sz="1800" spc="-1" strike="noStrike">
+              <a:latin typeface="Arial"/>
+            </a:endParaRPr>
+          </a:p>
+        </p:txBody>
+      </p:sp>
+      <p:sp>
+        <p:nvSpPr>
+          <p:cNvPr id="98" name="PlaceHolder 3"/>
+          <p:cNvSpPr>
+            <a:spLocks noGrp="1"/>
+          </p:cNvSpPr>
+          <p:nvPr>
+            <p:ph type="body"/>
+          </p:nvPr>
+        </p:nvSpPr>
+        <p:spPr>
+          <a:xfrm>
+            <a:off x="5152680" y="1326600"/>
+            <a:ext cx="4426560" cy="3287880"/>
+          </a:xfrm>
+          <a:prstGeom prst="rect">
+            <a:avLst/>
+          </a:prstGeom>
+          <a:noFill/>
+          <a:ln w="0">
+            <a:noFill/>
+          </a:ln>
+        </p:spPr>
+        <p:txBody>
+          <a:bodyPr lIns="0" rIns="0" tIns="0" bIns="0" anchor="t">
+            <a:normAutofit/>
+          </a:bodyPr>
+          <a:p>
+            <a:pPr marL="432000" indent="-324000">
+              <a:spcBef>
+                <a:spcPts val="1417"/>
+              </a:spcBef>
+              <a:buClr>
+                <a:srgbClr val="ffffff"/>
+              </a:buClr>
+              <a:buSzPct val="45000"/>
+              <a:buFont typeface="Wingdings" charset="2"/>
+              <a:buChar char=""/>
+            </a:pPr>
+            <a:r>
+              <a:rPr b="0" lang="en-US" sz="1800" spc="-1" strike="noStrike">
+                <a:latin typeface="Arial"/>
+              </a:rPr>
+              <a:t>Click to edit the outline text format</a:t>
+            </a:r>
+            <a:endParaRPr b="0" lang="en-US" sz="1800" spc="-1" strike="noStrike">
+              <a:latin typeface="Arial"/>
+            </a:endParaRPr>
+          </a:p>
+          <a:p>
+            <a:pPr lvl="1" marL="864000" indent="-324000">
+              <a:spcBef>
+                <a:spcPts val="1134"/>
+              </a:spcBef>
+              <a:buClr>
+                <a:srgbClr val="ffffff"/>
+              </a:buClr>
+              <a:buSzPct val="75000"/>
+              <a:buFont typeface="Symbol" charset="2"/>
+              <a:buChar char=""/>
+            </a:pPr>
+            <a:r>
+              <a:rPr b="0" lang="en-US" sz="1800" spc="-1" strike="noStrike">
+                <a:latin typeface="Arial"/>
+              </a:rPr>
+              <a:t>Second Outline Level</a:t>
+            </a:r>
+            <a:endParaRPr b="0" lang="en-US" sz="1800" spc="-1" strike="noStrike">
+              <a:latin typeface="Arial"/>
+            </a:endParaRPr>
+          </a:p>
+          <a:p>
+            <a:pPr lvl="2" marL="1296000" indent="-288000">
+              <a:spcBef>
+                <a:spcPts val="850"/>
+              </a:spcBef>
+              <a:buClr>
+                <a:srgbClr val="ffffff"/>
+              </a:buClr>
+              <a:buSzPct val="45000"/>
+              <a:buFont typeface="Wingdings" charset="2"/>
+              <a:buChar char=""/>
+            </a:pPr>
+            <a:r>
+              <a:rPr b="0" lang="en-US" sz="1800" spc="-1" strike="noStrike">
+                <a:latin typeface="Arial"/>
+              </a:rPr>
+              <a:t>Third Outline Level</a:t>
+            </a:r>
+            <a:endParaRPr b="0" lang="en-US" sz="1800" spc="-1" strike="noStrike">
+              <a:latin typeface="Arial"/>
+            </a:endParaRPr>
+          </a:p>
+          <a:p>
+            <a:pPr lvl="3" marL="1728000" indent="-216000">
+              <a:spcBef>
+                <a:spcPts val="567"/>
+              </a:spcBef>
+              <a:buClr>
+                <a:srgbClr val="ffffff"/>
+              </a:buClr>
+              <a:buSzPct val="75000"/>
+              <a:buFont typeface="Symbol" charset="2"/>
+              <a:buChar char=""/>
+            </a:pPr>
+            <a:r>
+              <a:rPr b="0" lang="en-US" sz="1800" spc="-1" strike="noStrike">
+                <a:latin typeface="Arial"/>
+              </a:rPr>
+              <a:t>Fourth Outline Level</a:t>
+            </a:r>
+            <a:endParaRPr b="0" lang="en-US" sz="1800" spc="-1" strike="noStrike">
+              <a:latin typeface="Arial"/>
+            </a:endParaRPr>
+          </a:p>
+          <a:p>
+            <a:pPr lvl="4" marL="2160000" indent="-216000">
+              <a:spcBef>
+                <a:spcPts val="283"/>
+              </a:spcBef>
+              <a:buClr>
+                <a:srgbClr val="ffffff"/>
+              </a:buClr>
+              <a:buSzPct val="45000"/>
+              <a:buFont typeface="Wingdings" charset="2"/>
+              <a:buChar char=""/>
+            </a:pPr>
+            <a:r>
+              <a:rPr b="0" lang="en-US" sz="1800" spc="-1" strike="noStrike">
+                <a:latin typeface="Arial"/>
+              </a:rPr>
+              <a:t>Fifth Outline Level</a:t>
+            </a:r>
+            <a:endParaRPr b="0" lang="en-US" sz="1800" spc="-1" strike="noStrike">
+              <a:latin typeface="Arial"/>
+            </a:endParaRPr>
+          </a:p>
+          <a:p>
+            <a:pPr lvl="5" marL="2592000" indent="-216000">
+              <a:spcBef>
+                <a:spcPts val="283"/>
+              </a:spcBef>
+              <a:buClr>
+                <a:srgbClr val="ffffff"/>
+              </a:buClr>
+              <a:buSzPct val="45000"/>
+              <a:buFont typeface="Wingdings" charset="2"/>
+              <a:buChar char=""/>
+            </a:pPr>
+            <a:r>
+              <a:rPr b="0" lang="en-US" sz="1800" spc="-1" strike="noStrike">
+                <a:latin typeface="Arial"/>
+              </a:rPr>
+              <a:t>Sixth Outline Level</a:t>
+            </a:r>
+            <a:endParaRPr b="0" lang="en-US" sz="1800" spc="-1" strike="noStrike">
+              <a:latin typeface="Arial"/>
+            </a:endParaRPr>
+          </a:p>
+          <a:p>
+            <a:pPr lvl="6" marL="3024000" indent="-216000">
+              <a:spcBef>
+                <a:spcPts val="283"/>
+              </a:spcBef>
+              <a:buClr>
+                <a:srgbClr val="ffffff"/>
+              </a:buClr>
+              <a:buSzPct val="45000"/>
+              <a:buFont typeface="Wingdings" charset="2"/>
+              <a:buChar char=""/>
+            </a:pPr>
+            <a:r>
+              <a:rPr b="0" lang="en-US" sz="1800" spc="-1" strike="noStrike">
+                <a:latin typeface="Arial"/>
+              </a:rPr>
+              <a:t>Seventh Outline Level</a:t>
+            </a:r>
+            <a:endParaRPr b="0" lang="en-US" sz="1800" spc="-1" strike="noStrike">
+              <a:latin typeface="Arial"/>
+            </a:endParaRPr>
+          </a:p>
+        </p:txBody>
+      </p:sp>
+      <p:sp>
+        <p:nvSpPr>
+          <p:cNvPr id="99" name="PlaceHolder 4"/>
+          <p:cNvSpPr>
+            <a:spLocks noGrp="1"/>
+          </p:cNvSpPr>
+          <p:nvPr>
+            <p:ph type="ftr" idx="4"/>
+          </p:nvPr>
+        </p:nvSpPr>
+        <p:spPr>
+          <a:xfrm>
+            <a:off x="2520000" y="5256000"/>
+            <a:ext cx="4679640" cy="410040"/>
+          </a:xfrm>
+          <a:prstGeom prst="rect">
+            <a:avLst/>
+          </a:prstGeom>
+          <a:noFill/>
+          <a:ln w="0">
+            <a:noFill/>
+          </a:ln>
+        </p:spPr>
+        <p:txBody>
+          <a:bodyPr lIns="0" rIns="0" tIns="0" bIns="0" anchor="t">
+            <a:noAutofit/>
+          </a:bodyPr>
+          <a:lstStyle>
+            <a:lvl1pPr algn="ctr">
+              <a:lnSpc>
+                <a:spcPct val="100000"/>
+              </a:lnSpc>
+              <a:buNone/>
+              <a:defRPr b="0" lang="en-US" sz="1400" spc="-1" strike="noStrike">
+                <a:latin typeface="Arial"/>
+              </a:defRPr>
+            </a:lvl1pPr>
+          </a:lstStyle>
+          <a:p>
+            <a:pPr algn="ctr">
+              <a:lnSpc>
+                <a:spcPct val="100000"/>
+              </a:lnSpc>
+              <a:buNone/>
+            </a:pPr>
+            <a:r>
+              <a:rPr b="0" lang="en-US" sz="1400" spc="-1" strike="noStrike">
+                <a:latin typeface="Arial"/>
+              </a:rPr>
+              <a:t>&lt;footer&gt;</a:t>
+            </a:r>
+            <a:endParaRPr b="0" lang="en-US" sz="1400" spc="-1" strike="noStrike">
+              <a:latin typeface="Times New Roman"/>
+            </a:endParaRPr>
+          </a:p>
+        </p:txBody>
+      </p:sp>
+      <p:sp>
+        <p:nvSpPr>
+          <p:cNvPr id="100" name="PlaceHolder 5"/>
+          <p:cNvSpPr>
+            <a:spLocks noGrp="1"/>
+          </p:cNvSpPr>
+          <p:nvPr>
+            <p:ph type="sldNum" idx="5"/>
+          </p:nvPr>
+        </p:nvSpPr>
+        <p:spPr>
+          <a:xfrm>
+            <a:off x="7560000" y="5256000"/>
+            <a:ext cx="1619640" cy="410040"/>
+          </a:xfrm>
+          <a:prstGeom prst="rect">
+            <a:avLst/>
+          </a:prstGeom>
+          <a:noFill/>
+          <a:ln w="0">
+            <a:noFill/>
+          </a:ln>
+        </p:spPr>
+        <p:txBody>
+          <a:bodyPr lIns="0" rIns="0" tIns="0" bIns="0" anchor="t">
+            <a:noAutofit/>
+          </a:bodyPr>
+          <a:lstStyle>
+            <a:lvl1pPr algn="r">
+              <a:lnSpc>
+                <a:spcPct val="100000"/>
+              </a:lnSpc>
+              <a:buNone/>
+              <a:defRPr b="0" lang="en-US" sz="1400" spc="-1" strike="noStrike">
+                <a:latin typeface="Arial"/>
+              </a:defRPr>
+            </a:lvl1pPr>
+          </a:lstStyle>
+          <a:p>
+            <a:pPr algn="r">
+              <a:lnSpc>
+                <a:spcPct val="100000"/>
+              </a:lnSpc>
+              <a:buNone/>
+            </a:pPr>
+            <a:fld id="{C5AE7FC5-0648-47F1-8578-4AABCFE9B348}" type="slidenum">
+              <a:rPr b="0" lang="en-US" sz="1400" spc="-1" strike="noStrike">
+                <a:latin typeface="Arial"/>
+              </a:rPr>
+              <a:t>&lt;number&gt;</a:t>
+            </a:fld>
+            <a:endParaRPr b="0" lang="en-US" sz="1400" spc="-1" strike="noStrike">
+              <a:latin typeface="Times New Roman"/>
+            </a:endParaRPr>
+          </a:p>
+        </p:txBody>
+      </p:sp>
+      <p:sp>
+        <p:nvSpPr>
+          <p:cNvPr id="101" name="PlaceHolder 6"/>
+          <p:cNvSpPr>
+            <a:spLocks noGrp="1"/>
+          </p:cNvSpPr>
+          <p:nvPr>
+            <p:ph type="dt" idx="6"/>
+          </p:nvPr>
+        </p:nvSpPr>
+        <p:spPr>
+          <a:xfrm>
+            <a:off x="504000" y="5256000"/>
+            <a:ext cx="1655640" cy="410040"/>
+          </a:xfrm>
+          <a:prstGeom prst="rect">
+            <a:avLst/>
+          </a:prstGeom>
+          <a:noFill/>
+          <a:ln w="0">
+            <a:noFill/>
+          </a:ln>
+        </p:spPr>
+        <p:txBody>
+          <a:bodyPr lIns="0" rIns="0" tIns="0" bIns="0" anchor="t">
+            <a:noAutofit/>
+          </a:bodyPr>
+          <a:lstStyle>
+            <a:lvl1pPr>
+              <a:defRPr b="0" lang="en-US" sz="1400" spc="-1" strike="noStrike">
+                <a:latin typeface="Times New Roman"/>
+              </a:defRPr>
+            </a:lvl1pPr>
+          </a:lstStyle>
+          <a:p>
+            <a:r>
+              <a:rPr b="0" lang="en-US" sz="1400" spc="-1" strike="noStrike">
+                <a:latin typeface="Times New Roman"/>
+              </a:rPr>
+              <a:t>&lt;date/time&gt;</a:t>
+            </a:r>
+            <a:endParaRPr b="0" lang="en-US" sz="1400" spc="-1" strike="noStrike">
+              <a:latin typeface="Times New Roman"/>
+            </a:endParaRPr>
+          </a:p>
+        </p:txBody>
+      </p:sp>
     </p:spTree>
   </p:cSld>
   <p:clrMap bg1="lt1" bg2="lt2" tx1="dk1" tx2="dk2" accent1="accent1" accent2="accent2" accent3="accent3" accent4="accent4" accent5="accent5" accent6="accent6" hlink="hlink" folHlink="folHlink"/>
@@ -8022,7 +8367,7 @@
       </p:grpSpPr>
       <p:sp>
         <p:nvSpPr>
-          <p:cNvPr id="137" name="PlaceHolder 1"/>
+          <p:cNvPr id="138" name="PlaceHolder 1"/>
           <p:cNvSpPr>
             <a:spLocks noGrp="1"/>
           </p:cNvSpPr>
@@ -8032,8 +8377,8 @@
         </p:nvSpPr>
         <p:spPr>
           <a:xfrm>
-            <a:off x="144000" y="3592080"/>
-            <a:ext cx="9000000" cy="1250280"/>
+            <a:off x="144360" y="457200"/>
+            <a:ext cx="8999640" cy="1249920"/>
           </a:xfrm>
           <a:prstGeom prst="rect">
             <a:avLst/>
@@ -8048,11 +8393,26 @@
             <a:noAutofit/>
           </a:bodyPr>
           <a:p>
+            <a:pPr>
+              <a:lnSpc>
+                <a:spcPct val="100000"/>
+              </a:lnSpc>
+              <a:buNone/>
+            </a:pPr>
             <a:r>
               <a:rPr b="0" lang="en-US" sz="4400" spc="-1" strike="noStrike">
                 <a:latin typeface="Arial"/>
               </a:rPr>
-              <a:t>Proyecto Ciencia de Datos Geoespaciales</a:t>
+              <a:t>Entrega 1 Proyecto Final IMT2118 Ciencia de Datos Geoespaciales</a:t>
+            </a:r>
+            <a:br>
+              <a:rPr sz="4400"/>
+            </a:br>
+            <a:r>
+              <a:rPr b="0" lang="en-US" sz="4400" spc="-1" strike="noStrike">
+                <a:latin typeface="Arial"/>
+              </a:rPr>
+              <a:t>César Bravo, Cristóbal Strange </a:t>
             </a:r>
             <a:endParaRPr b="0" lang="en-US" sz="4400" spc="-1" strike="noStrike">
               <a:latin typeface="Arial"/>
@@ -8060,6 +8420,29 @@
           </a:p>
         </p:txBody>
       </p:sp>
+      <p:pic>
+        <p:nvPicPr>
+          <p:cNvPr id="139" name="" descr=""/>
+          <p:cNvPicPr/>
+          <p:nvPr/>
+        </p:nvPicPr>
+        <p:blipFill>
+          <a:blip r:embed="rId1"/>
+          <a:stretch/>
+        </p:blipFill>
+        <p:spPr>
+          <a:xfrm>
+            <a:off x="5051520" y="2840400"/>
+            <a:ext cx="5029200" cy="2830320"/>
+          </a:xfrm>
+          <a:prstGeom prst="rect">
+            <a:avLst/>
+          </a:prstGeom>
+          <a:ln w="0">
+            <a:noFill/>
+          </a:ln>
+        </p:spPr>
+      </p:pic>
     </p:spTree>
   </p:cSld>
   <mc:AlternateContent>
@@ -8092,7 +8475,7 @@
       </p:grpSpPr>
       <p:sp>
         <p:nvSpPr>
-          <p:cNvPr id="138" name="PlaceHolder 1"/>
+          <p:cNvPr id="140" name="PlaceHolder 1"/>
           <p:cNvSpPr>
             <a:spLocks noGrp="1"/>
           </p:cNvSpPr>
@@ -8103,7 +8486,7 @@
         <p:spPr>
           <a:xfrm>
             <a:off x="228600" y="349920"/>
-            <a:ext cx="9540000" cy="1250280"/>
+            <a:ext cx="9539640" cy="1249920"/>
           </a:xfrm>
           <a:prstGeom prst="rect">
             <a:avLst/>
@@ -8118,6 +8501,12 @@
             <a:noAutofit/>
           </a:bodyPr>
           <a:p>
+            <a:pPr>
+              <a:lnSpc>
+                <a:spcPct val="100000"/>
+              </a:lnSpc>
+              <a:buNone/>
+            </a:pPr>
             <a:r>
               <a:rPr b="0" lang="en-US" sz="4400" spc="-1" strike="noStrike">
                 <a:latin typeface="Arial"/>
@@ -8132,7 +8521,7 @@
       </p:sp>
       <p:sp>
         <p:nvSpPr>
-          <p:cNvPr id="139" name="PlaceHolder 2"/>
+          <p:cNvPr id="141" name="PlaceHolder 2"/>
           <p:cNvSpPr>
             <a:spLocks noGrp="1"/>
           </p:cNvSpPr>
@@ -8143,7 +8532,7 @@
         <p:spPr>
           <a:xfrm>
             <a:off x="228600" y="1740960"/>
-            <a:ext cx="9071640" cy="3288240"/>
+            <a:ext cx="9071280" cy="3287880"/>
           </a:xfrm>
           <a:prstGeom prst="rect">
             <a:avLst/>
@@ -8158,12 +8547,72 @@
             <a:normAutofit/>
           </a:bodyPr>
           <a:p>
-            <a:endParaRPr b="0" lang="en-US" sz="3200" spc="-1" strike="noStrike">
-              <a:latin typeface="Arial"/>
-            </a:endParaRPr>
-          </a:p>
-        </p:txBody>
-      </p:sp>
+            <a:pPr indent="-324000">
+              <a:lnSpc>
+                <a:spcPct val="100000"/>
+              </a:lnSpc>
+              <a:buClr>
+                <a:srgbClr val="ffffff"/>
+              </a:buClr>
+              <a:buFont typeface="Wingdings" charset="2"/>
+              <a:buChar char=""/>
+            </a:pPr>
+            <a:endParaRPr b="0" lang="en-US" sz="1800" spc="-1" strike="noStrike">
+              <a:latin typeface="Arial"/>
+            </a:endParaRPr>
+          </a:p>
+          <a:p>
+            <a:pPr indent="-324000">
+              <a:lnSpc>
+                <a:spcPct val="100000"/>
+              </a:lnSpc>
+              <a:buClr>
+                <a:srgbClr val="ffffff"/>
+              </a:buClr>
+              <a:buFont typeface="Wingdings" charset="2"/>
+              <a:buChar char=""/>
+            </a:pPr>
+            <a:r>
+              <a:rPr b="0" lang="en-US" sz="1800" spc="-1" strike="noStrike">
+                <a:latin typeface="Arial"/>
+              </a:rPr>
+              <a:t> </a:t>
+            </a:r>
+            <a:r>
+              <a:rPr b="0" lang="en-US" sz="1800" spc="-1" strike="noStrike">
+                <a:latin typeface="Arial"/>
+              </a:rPr>
+              <a:t>Las islas de calor urbanas, por la desigual distribución de usos de suelo, afectan la salud y  economía y pueden aumentar la violencia durante eventos climáticos extremos.</a:t>
+            </a:r>
+            <a:endParaRPr b="0" lang="en-US" sz="1800" spc="-1" strike="noStrike">
+              <a:latin typeface="Arial"/>
+            </a:endParaRPr>
+          </a:p>
+        </p:txBody>
+      </p:sp>
+      <p:pic>
+        <p:nvPicPr>
+          <p:cNvPr id="142" name="" descr=""/>
+          <p:cNvPicPr/>
+          <p:nvPr/>
+        </p:nvPicPr>
+        <p:blipFill>
+          <a:blip r:embed="rId1"/>
+          <a:stretch/>
+        </p:blipFill>
+        <p:spPr>
+          <a:xfrm>
+            <a:off x="5547240" y="3095640"/>
+            <a:ext cx="4053960" cy="1933200"/>
+          </a:xfrm>
+          <a:prstGeom prst="rect">
+            <a:avLst/>
+          </a:prstGeom>
+          <a:ln w="0">
+            <a:noFill/>
+          </a:ln>
+        </p:spPr>
+      </p:pic>
       <p:sp>
         <p:nvSpPr>
           <p:cNvPr id="4" name="PlaceHolder 3"/>
@@ -8171,14 +8620,14 @@
             <a:spLocks noGrp="1"/>
           </p:cNvSpPr>
           <p:nvPr>
-            <p:ph type="sldNum" idx="3"/>
+            <p:ph type="sldNum" idx="2"/>
           </p:nvPr>
         </p:nvSpPr>
         <p:spPr/>
         <p:txBody>
           <a:bodyPr/>
           <a:p>
-            <a:fld id="{08BD4937-0D2E-4D6B-BBC2-D4EF3FA9978F}" type="slidenum">
+            <a:fld id="{D41959E8-69B9-4137-BCE9-1A0E7ACF053A}" type="slidenum">
               <a:t>2</a:t>
             </a:fld>
           </a:p>
@@ -8216,7 +8665,7 @@
       </p:grpSpPr>
       <p:sp>
         <p:nvSpPr>
-          <p:cNvPr id="140" name="PlaceHolder 1"/>
+          <p:cNvPr id="143" name="PlaceHolder 1"/>
           <p:cNvSpPr>
             <a:spLocks noGrp="1"/>
           </p:cNvSpPr>
@@ -8227,7 +8676,7 @@
         <p:spPr>
           <a:xfrm>
             <a:off x="144000" y="342720"/>
-            <a:ext cx="9540000" cy="1250280"/>
+            <a:ext cx="9539640" cy="1249920"/>
           </a:xfrm>
           <a:prstGeom prst="rect">
             <a:avLst/>
@@ -8242,6 +8691,12 @@
             <a:noAutofit/>
           </a:bodyPr>
           <a:p>
+            <a:pPr>
+              <a:lnSpc>
+                <a:spcPct val="100000"/>
+              </a:lnSpc>
+              <a:buNone/>
+            </a:pPr>
             <a:r>
               <a:rPr b="0" lang="en-US" sz="4400" spc="-1" strike="noStrike">
                 <a:latin typeface="Arial"/>
@@ -8256,7 +8711,7 @@
       </p:sp>
       <p:sp>
         <p:nvSpPr>
-          <p:cNvPr id="141" name="PlaceHolder 2"/>
+          <p:cNvPr id="144" name="PlaceHolder 2"/>
           <p:cNvSpPr>
             <a:spLocks noGrp="1"/>
           </p:cNvSpPr>
@@ -8266,8 +8721,8 @@
         </p:nvSpPr>
         <p:spPr>
           <a:xfrm>
-            <a:off x="145080" y="1828800"/>
-            <a:ext cx="4426920" cy="3288240"/>
+            <a:off x="48600" y="1879920"/>
+            <a:ext cx="9684720" cy="3287880"/>
           </a:xfrm>
           <a:prstGeom prst="rect">
             <a:avLst/>
@@ -8283,6 +8738,9 @@
           </a:bodyPr>
           <a:p>
             <a:pPr marL="432000" indent="-324000">
+              <a:lnSpc>
+                <a:spcPct val="100000"/>
+              </a:lnSpc>
               <a:spcBef>
                 <a:spcPts val="1417"/>
               </a:spcBef>
@@ -8297,42 +8755,33 @@
               <a:rPr b="0" lang="en-US" sz="3200" spc="-1" strike="noStrike">
                 <a:latin typeface="Arial"/>
               </a:rPr>
-              <a:t>Percepción remota del satélite ()</a:t>
+              <a:t>Imágenes del año 2023 del satélite landsat 8, a través de google earth engine, para medir la temperatura superficial de la ciudad.</a:t>
             </a:r>
             <a:endParaRPr b="0" lang="en-US" sz="3200" spc="-1" strike="noStrike">
               <a:latin typeface="Arial"/>
             </a:endParaRPr>
           </a:p>
-        </p:txBody>
-      </p:sp>
-      <p:sp>
-        <p:nvSpPr>
-          <p:cNvPr id="142" name="PlaceHolder 3"/>
-          <p:cNvSpPr>
-            <a:spLocks noGrp="1"/>
-          </p:cNvSpPr>
-          <p:nvPr>
-            <p:ph/>
-          </p:nvPr>
-        </p:nvSpPr>
-        <p:spPr>
-          <a:xfrm>
-            <a:off x="5152680" y="1326600"/>
-            <a:ext cx="4426920" cy="3288240"/>
-          </a:xfrm>
-          <a:prstGeom prst="rect">
-            <a:avLst/>
-          </a:prstGeom>
-          <a:noFill/>
-          <a:ln w="0">
-            <a:noFill/>
-          </a:ln>
-        </p:spPr>
-        <p:txBody>
-          <a:bodyPr lIns="0" rIns="0" tIns="0" bIns="0" anchor="t">
-            <a:normAutofit/>
-          </a:bodyPr>
-          <a:p>
+          <a:p>
+            <a:pPr marL="432000" indent="-324000">
+              <a:lnSpc>
+                <a:spcPct val="100000"/>
+              </a:lnSpc>
+              <a:spcBef>
+                <a:spcPts val="1417"/>
+              </a:spcBef>
+              <a:buClr>
+                <a:srgbClr val="ffffff"/>
+              </a:buClr>
+              <a:buSzPct val="45000"/>
+              <a:buFont typeface="Wingdings" charset="2"/>
+              <a:buChar char=""/>
+            </a:pPr>
+            <a:r>
+              <a:rPr b="0" lang="en-US" sz="3200" spc="-1" strike="noStrike">
+                <a:latin typeface="Arial"/>
+              </a:rPr>
+              <a:t>Datos socioeconómicos, tales como tasas de delitos, indices de prioridad social</a:t>
+            </a:r>
             <a:endParaRPr b="0" lang="en-US" sz="3200" spc="-1" strike="noStrike">
               <a:latin typeface="Arial"/>
             </a:endParaRPr>
@@ -8341,19 +8790,19 @@
       </p:sp>
       <p:sp>
         <p:nvSpPr>
-          <p:cNvPr id="5" name="PlaceHolder 4"/>
-          <p:cNvSpPr>
-            <a:spLocks noGrp="1"/>
-          </p:cNvSpPr>
-          <p:nvPr>
-            <p:ph type="sldNum" idx="6"/>
+          <p:cNvPr id="4" name="PlaceHolder 3"/>
+          <p:cNvSpPr>
+            <a:spLocks noGrp="1"/>
+          </p:cNvSpPr>
+          <p:nvPr>
+            <p:ph type="sldNum" idx="5"/>
           </p:nvPr>
         </p:nvSpPr>
         <p:spPr/>
         <p:txBody>
           <a:bodyPr/>
           <a:p>
-            <a:fld id="{7AF26AF7-CB8F-45A3-BACB-56823F5F9762}" type="slidenum">
+            <a:fld id="{6573C860-71F3-4B43-8353-E8AB78AFB802}" type="slidenum">
               <a:t>3</a:t>
             </a:fld>
           </a:p>
@@ -8391,7 +8840,7 @@
       </p:grpSpPr>
       <p:sp>
         <p:nvSpPr>
-          <p:cNvPr id="143" name="PlaceHolder 1"/>
+          <p:cNvPr id="145" name="PlaceHolder 1"/>
           <p:cNvSpPr>
             <a:spLocks noGrp="1"/>
           </p:cNvSpPr>
@@ -8402,7 +8851,7 @@
         <p:spPr>
           <a:xfrm>
             <a:off x="144000" y="349920"/>
-            <a:ext cx="9540000" cy="1250280"/>
+            <a:ext cx="9539640" cy="1249920"/>
           </a:xfrm>
           <a:prstGeom prst="rect">
             <a:avLst/>
@@ -8417,6 +8866,12 @@
             <a:noAutofit/>
           </a:bodyPr>
           <a:p>
+            <a:pPr>
+              <a:lnSpc>
+                <a:spcPct val="100000"/>
+              </a:lnSpc>
+              <a:buNone/>
+            </a:pPr>
             <a:r>
               <a:rPr b="0" lang="en-US" sz="4400" spc="-1" strike="noStrike">
                 <a:latin typeface="Arial"/>
@@ -8431,7 +8886,7 @@
       </p:sp>
       <p:sp>
         <p:nvSpPr>
-          <p:cNvPr id="144" name="PlaceHolder 2"/>
+          <p:cNvPr id="146" name="PlaceHolder 2"/>
           <p:cNvSpPr>
             <a:spLocks noGrp="1"/>
           </p:cNvSpPr>
@@ -8441,8 +8896,8 @@
         </p:nvSpPr>
         <p:spPr>
           <a:xfrm>
-            <a:off x="504000" y="1326600"/>
-            <a:ext cx="4426920" cy="3288240"/>
+            <a:off x="145440" y="1741320"/>
+            <a:ext cx="9455760" cy="3287880"/>
           </a:xfrm>
           <a:prstGeom prst="rect">
             <a:avLst/>
@@ -8457,6 +8912,23 @@
             <a:normAutofit/>
           </a:bodyPr>
           <a:p>
+            <a:pPr marL="432000" indent="-324000">
+              <a:spcBef>
+                <a:spcPts val="1417"/>
+              </a:spcBef>
+              <a:buClr>
+                <a:srgbClr val="ffffff"/>
+              </a:buClr>
+              <a:buSzPct val="45000"/>
+              <a:buFont typeface="Wingdings" charset="2"/>
+              <a:buChar char=""/>
+            </a:pPr>
+            <a:r>
+              <a:rPr b="0" lang="en-US" sz="3200" spc="-1" strike="noStrike">
+                <a:latin typeface="Arial"/>
+              </a:rPr>
+              <a:t>Obtener datos → Escalados respectivos→ Calcular LST → Identificar hotspots → Identificar correlación con variables socioeconómicas </a:t>
+            </a:r>
             <a:endParaRPr b="0" lang="en-US" sz="3200" spc="-1" strike="noStrike">
               <a:latin typeface="Arial"/>
             </a:endParaRPr>
@@ -8465,48 +8937,14 @@
       </p:sp>
       <p:sp>
         <p:nvSpPr>
-          <p:cNvPr id="145" name="PlaceHolder 3"/>
-          <p:cNvSpPr>
-            <a:spLocks noGrp="1"/>
-          </p:cNvSpPr>
-          <p:nvPr>
-            <p:ph/>
-          </p:nvPr>
-        </p:nvSpPr>
-        <p:spPr>
-          <a:xfrm>
-            <a:off x="5152680" y="1326600"/>
-            <a:ext cx="4426920" cy="3288240"/>
-          </a:xfrm>
-          <a:prstGeom prst="rect">
-            <a:avLst/>
-          </a:prstGeom>
-          <a:noFill/>
-          <a:ln w="0">
-            <a:noFill/>
-          </a:ln>
-        </p:spPr>
-        <p:txBody>
-          <a:bodyPr lIns="0" rIns="0" tIns="0" bIns="0" anchor="t">
-            <a:normAutofit/>
-          </a:bodyPr>
-          <a:p>
-            <a:endParaRPr b="0" lang="en-US" sz="3200" spc="-1" strike="noStrike">
-              <a:latin typeface="Arial"/>
-            </a:endParaRPr>
-          </a:p>
-        </p:txBody>
-      </p:sp>
-      <p:sp>
-        <p:nvSpPr>
-          <p:cNvPr id="146" name=""/>
-          <p:cNvSpPr txBox="1"/>
+          <p:cNvPr id="147" name=""/>
+          <p:cNvSpPr/>
           <p:nvPr/>
         </p:nvSpPr>
         <p:spPr>
           <a:xfrm>
             <a:off x="144000" y="578520"/>
-            <a:ext cx="9540000" cy="1250280"/>
+            <a:ext cx="9539640" cy="1249920"/>
           </a:xfrm>
           <a:prstGeom prst="rect">
             <a:avLst/>
@@ -8516,22 +8954,28 @@
             <a:noFill/>
           </a:ln>
         </p:spPr>
-      </p:sp>
-      <p:sp>
-        <p:nvSpPr>
-          <p:cNvPr id="5" name="PlaceHolder 4"/>
-          <p:cNvSpPr>
-            <a:spLocks noGrp="1"/>
-          </p:cNvSpPr>
-          <p:nvPr>
-            <p:ph type="sldNum" idx="6"/>
+        <p:style>
+          <a:lnRef idx="0"/>
+          <a:fillRef idx="0"/>
+          <a:effectRef idx="0"/>
+          <a:fontRef idx="minor"/>
+        </p:style>
+      </p:sp>
+      <p:sp>
+        <p:nvSpPr>
+          <p:cNvPr id="4" name="PlaceHolder 3"/>
+          <p:cNvSpPr>
+            <a:spLocks noGrp="1"/>
+          </p:cNvSpPr>
+          <p:nvPr>
+            <p:ph type="sldNum" idx="5"/>
           </p:nvPr>
         </p:nvSpPr>
         <p:spPr/>
         <p:txBody>
           <a:bodyPr/>
           <a:p>
-            <a:fld id="{6AB86093-9E61-4A93-A28A-C1261E7DAA30}" type="slidenum">
+            <a:fld id="{4B0ED9B2-AF32-43B5-8090-12A8D2AF82C1}" type="slidenum">
               <a:t>4</a:t>
             </a:fld>
           </a:p>
@@ -8569,7 +9013,7 @@
       </p:grpSpPr>
       <p:sp>
         <p:nvSpPr>
-          <p:cNvPr id="147" name="PlaceHolder 1"/>
+          <p:cNvPr id="148" name="PlaceHolder 1"/>
           <p:cNvSpPr>
             <a:spLocks noGrp="1"/>
           </p:cNvSpPr>
@@ -8580,7 +9024,7 @@
         <p:spPr>
           <a:xfrm>
             <a:off x="144000" y="72000"/>
-            <a:ext cx="9540000" cy="648000"/>
+            <a:ext cx="9539640" cy="647640"/>
           </a:xfrm>
           <a:prstGeom prst="rect">
             <a:avLst/>
@@ -8595,6 +9039,12 @@
             <a:noAutofit/>
           </a:bodyPr>
           <a:p>
+            <a:pPr>
+              <a:lnSpc>
+                <a:spcPct val="100000"/>
+              </a:lnSpc>
+              <a:buNone/>
+            </a:pPr>
             <a:r>
               <a:rPr b="0" lang="en-US" sz="4400" spc="-1" strike="noStrike">
                 <a:latin typeface="Arial"/>
@@ -8609,7 +9059,7 @@
       </p:sp>
       <p:sp>
         <p:nvSpPr>
-          <p:cNvPr id="148" name="PlaceHolder 2"/>
+          <p:cNvPr id="149" name="PlaceHolder 2"/>
           <p:cNvSpPr>
             <a:spLocks noGrp="1"/>
           </p:cNvSpPr>
@@ -8620,7 +9070,7 @@
         <p:spPr>
           <a:xfrm>
             <a:off x="504000" y="1326600"/>
-            <a:ext cx="4426920" cy="3288240"/>
+            <a:ext cx="4426560" cy="3287880"/>
           </a:xfrm>
           <a:prstGeom prst="rect">
             <a:avLst/>
@@ -8632,64 +9082,139 @@
         </p:spPr>
         <p:txBody>
           <a:bodyPr lIns="0" rIns="0" tIns="0" bIns="0" anchor="t">
-            <a:normAutofit/>
-          </a:bodyPr>
-          <a:p>
-            <a:endParaRPr b="0" lang="en-US" sz="3200" spc="-1" strike="noStrike">
-              <a:latin typeface="Arial"/>
-            </a:endParaRPr>
-          </a:p>
-        </p:txBody>
-      </p:sp>
-      <p:sp>
-        <p:nvSpPr>
-          <p:cNvPr id="149" name="PlaceHolder 3"/>
-          <p:cNvSpPr>
-            <a:spLocks noGrp="1"/>
-          </p:cNvSpPr>
-          <p:nvPr>
-            <p:ph/>
-          </p:nvPr>
-        </p:nvSpPr>
-        <p:spPr>
-          <a:xfrm>
-            <a:off x="5152680" y="1326600"/>
-            <a:ext cx="4426920" cy="3288240"/>
-          </a:xfrm>
-          <a:prstGeom prst="rect">
-            <a:avLst/>
-          </a:prstGeom>
-          <a:noFill/>
-          <a:ln w="0">
-            <a:noFill/>
-          </a:ln>
-        </p:spPr>
-        <p:txBody>
-          <a:bodyPr lIns="0" rIns="0" tIns="0" bIns="0" anchor="t">
-            <a:normAutofit/>
-          </a:bodyPr>
-          <a:p>
-            <a:endParaRPr b="0" lang="en-US" sz="3200" spc="-1" strike="noStrike">
-              <a:latin typeface="Arial"/>
-            </a:endParaRPr>
-          </a:p>
-        </p:txBody>
-      </p:sp>
-      <p:sp>
-        <p:nvSpPr>
-          <p:cNvPr id="5" name="PlaceHolder 4"/>
-          <p:cNvSpPr>
-            <a:spLocks noGrp="1"/>
-          </p:cNvSpPr>
-          <p:nvPr>
-            <p:ph type="sldNum" idx="6"/>
+            <a:normAutofit fontScale="96000"/>
+          </a:bodyPr>
+          <a:p>
+            <a:pPr indent="-324000">
+              <a:lnSpc>
+                <a:spcPct val="100000"/>
+              </a:lnSpc>
+              <a:buClr>
+                <a:srgbClr val="ffffff"/>
+              </a:buClr>
+              <a:buFont typeface="Wingdings" charset="2"/>
+              <a:buChar char=""/>
+            </a:pPr>
+            <a:r>
+              <a:rPr b="0" lang="en-US" sz="1800" spc="-1" strike="noStrike">
+                <a:latin typeface="Arial"/>
+              </a:rPr>
+              <a:t>Mapas de calor con islas específicas, y que la cantidad y/o el tamaño de estas islas sea diferente para distintas zonas de santiago.</a:t>
+            </a:r>
+            <a:endParaRPr b="0" lang="en-US" sz="1800" spc="-1" strike="noStrike">
+              <a:latin typeface="Arial"/>
+            </a:endParaRPr>
+          </a:p>
+          <a:p>
+            <a:pPr indent="-324000">
+              <a:lnSpc>
+                <a:spcPct val="100000"/>
+              </a:lnSpc>
+              <a:buClr>
+                <a:srgbClr val="ffffff"/>
+              </a:buClr>
+              <a:buFont typeface="Wingdings" charset="2"/>
+              <a:buChar char=""/>
+            </a:pPr>
+            <a:endParaRPr b="0" lang="en-US" sz="1800" spc="-1" strike="noStrike">
+              <a:latin typeface="Arial"/>
+            </a:endParaRPr>
+          </a:p>
+          <a:p>
+            <a:pPr indent="-324000">
+              <a:lnSpc>
+                <a:spcPct val="100000"/>
+              </a:lnSpc>
+              <a:buClr>
+                <a:srgbClr val="ffffff"/>
+              </a:buClr>
+              <a:buFont typeface="Wingdings" charset="2"/>
+              <a:buChar char=""/>
+            </a:pPr>
+            <a:r>
+              <a:rPr b="0" lang="en-US" sz="1800" spc="-1" strike="noStrike">
+                <a:latin typeface="Arial"/>
+              </a:rPr>
+              <a:t> </a:t>
+            </a:r>
+            <a:r>
+              <a:rPr b="0" lang="en-US" sz="1800" spc="-1" strike="noStrike">
+                <a:latin typeface="Arial"/>
+              </a:rPr>
+              <a:t>Un set de datos de las comunas de santiago y sus diversos indicadores socioeconómicos, generado a partir del join de diversos datasets</a:t>
+            </a:r>
+            <a:endParaRPr b="0" lang="en-US" sz="1800" spc="-1" strike="noStrike">
+              <a:latin typeface="Arial"/>
+            </a:endParaRPr>
+          </a:p>
+          <a:p>
+            <a:pPr indent="-324000">
+              <a:lnSpc>
+                <a:spcPct val="100000"/>
+              </a:lnSpc>
+              <a:buClr>
+                <a:srgbClr val="ffffff"/>
+              </a:buClr>
+              <a:buFont typeface="Wingdings" charset="2"/>
+              <a:buChar char=""/>
+            </a:pPr>
+            <a:endParaRPr b="0" lang="en-US" sz="1800" spc="-1" strike="noStrike">
+              <a:latin typeface="Arial"/>
+            </a:endParaRPr>
+          </a:p>
+          <a:p>
+            <a:pPr indent="-324000">
+              <a:lnSpc>
+                <a:spcPct val="100000"/>
+              </a:lnSpc>
+              <a:buClr>
+                <a:srgbClr val="ffffff"/>
+              </a:buClr>
+              <a:buFont typeface="Wingdings" charset="2"/>
+              <a:buChar char=""/>
+            </a:pPr>
+            <a:r>
+              <a:rPr b="0" lang="en-US" sz="1800" spc="-1" strike="noStrike">
+                <a:latin typeface="Arial"/>
+              </a:rPr>
+              <a:t>Encontrar una correlación entre las islas de calor urbanas y los diferentes indicadores socioeconómicos a estudiar.</a:t>
+            </a:r>
+            <a:endParaRPr b="0" lang="en-US" sz="1800" spc="-1" strike="noStrike">
+              <a:latin typeface="Arial"/>
+            </a:endParaRPr>
+          </a:p>
+          <a:p>
+            <a:pPr indent="-324000">
+              <a:lnSpc>
+                <a:spcPct val="100000"/>
+              </a:lnSpc>
+              <a:buClr>
+                <a:srgbClr val="ffffff"/>
+              </a:buClr>
+              <a:buFont typeface="Wingdings" charset="2"/>
+              <a:buChar char=""/>
+            </a:pPr>
+            <a:endParaRPr b="0" lang="en-US" sz="1800" spc="-1" strike="noStrike">
+              <a:latin typeface="Arial"/>
+            </a:endParaRPr>
+          </a:p>
+        </p:txBody>
+      </p:sp>
+      <p:sp>
+        <p:nvSpPr>
+          <p:cNvPr id="4" name="PlaceHolder 3"/>
+          <p:cNvSpPr>
+            <a:spLocks noGrp="1"/>
+          </p:cNvSpPr>
+          <p:nvPr>
+            <p:ph type="sldNum" idx="5"/>
           </p:nvPr>
         </p:nvSpPr>
         <p:spPr/>
         <p:txBody>
           <a:bodyPr/>
           <a:p>
-            <a:fld id="{6BAF69EB-7C7A-4481-97E7-40E0FB9A05EF}" type="slidenum">
+            <a:fld id="{0A97C76C-4CB9-49F1-9E03-A78294F4B9CC}" type="slidenum">
               <a:t>5</a:t>
             </a:fld>
           </a:p>
@@ -8738,7 +9263,7 @@
         <p:spPr>
           <a:xfrm>
             <a:off x="144000" y="72000"/>
-            <a:ext cx="9540000" cy="648000"/>
+            <a:ext cx="9539640" cy="647640"/>
           </a:xfrm>
           <a:prstGeom prst="rect">
             <a:avLst/>
@@ -8753,6 +9278,12 @@
             <a:noAutofit/>
           </a:bodyPr>
           <a:p>
+            <a:pPr>
+              <a:lnSpc>
+                <a:spcPct val="100000"/>
+              </a:lnSpc>
+              <a:buNone/>
+            </a:pPr>
             <a:r>
               <a:rPr b="0" lang="en-US" sz="4400" spc="-1" strike="noStrike">
                 <a:latin typeface="Arial"/>
@@ -8778,7 +9309,7 @@
         <p:spPr>
           <a:xfrm>
             <a:off x="504000" y="1326600"/>
-            <a:ext cx="4426920" cy="3288240"/>
+            <a:ext cx="4426560" cy="3287880"/>
           </a:xfrm>
           <a:prstGeom prst="rect">
             <a:avLst/>
@@ -8812,7 +9343,7 @@
         <p:spPr>
           <a:xfrm>
             <a:off x="5152680" y="1326600"/>
-            <a:ext cx="4426920" cy="3288240"/>
+            <a:ext cx="4426560" cy="3287880"/>
           </a:xfrm>
           <a:prstGeom prst="rect">
             <a:avLst/>
@@ -8840,14 +9371,14 @@
             <a:spLocks noGrp="1"/>
           </p:cNvSpPr>
           <p:nvPr>
-            <p:ph type="sldNum" idx="6"/>
+            <p:ph type="sldNum" idx="5"/>
           </p:nvPr>
         </p:nvSpPr>
         <p:spPr/>
         <p:txBody>
           <a:bodyPr/>
           <a:p>
-            <a:fld id="{6D51CD9A-377B-4849-B12D-93A1CCC78A95}" type="slidenum">
+            <a:fld id="{5E7211EE-0B47-44F5-829C-614D667897EF}" type="slidenum">
               <a:t>6</a:t>
             </a:fld>
           </a:p>
